--- a/design/好物.pptx
+++ b/design/好物.pptx
@@ -7,11 +7,24 @@
   <p:sldIdLst>
     <p:sldId id="256" r:id="rId2"/>
     <p:sldId id="257" r:id="rId3"/>
-    <p:sldId id="258" r:id="rId4"/>
-    <p:sldId id="259" r:id="rId5"/>
-    <p:sldId id="261" r:id="rId6"/>
-    <p:sldId id="260" r:id="rId7"/>
-    <p:sldId id="262" r:id="rId8"/>
+    <p:sldId id="266" r:id="rId4"/>
+    <p:sldId id="258" r:id="rId5"/>
+    <p:sldId id="263" r:id="rId6"/>
+    <p:sldId id="261" r:id="rId7"/>
+    <p:sldId id="265" r:id="rId8"/>
+    <p:sldId id="267" r:id="rId9"/>
+    <p:sldId id="268" r:id="rId10"/>
+    <p:sldId id="259" r:id="rId11"/>
+    <p:sldId id="264" r:id="rId12"/>
+    <p:sldId id="269" r:id="rId13"/>
+    <p:sldId id="270" r:id="rId14"/>
+    <p:sldId id="271" r:id="rId15"/>
+    <p:sldId id="272" r:id="rId16"/>
+    <p:sldId id="273" r:id="rId17"/>
+    <p:sldId id="274" r:id="rId18"/>
+    <p:sldId id="275" r:id="rId19"/>
+    <p:sldId id="260" r:id="rId20"/>
+    <p:sldId id="262" r:id="rId21"/>
   </p:sldIdLst>
   <p:sldSz cx="12192000" cy="6858000"/>
   <p:notesSz cx="6858000" cy="9144000"/>
@@ -265,7 +278,7 @@
           <a:p>
             <a:fld id="{3998C694-0124-40E9-9192-E3F899CEA6F0}" type="datetimeFigureOut">
               <a:rPr lang="zh-CN" altLang="en-US" smtClean="0"/>
-              <a:t>2022/3/9</a:t>
+              <a:t>2022/3/17</a:t>
             </a:fld>
             <a:endParaRPr lang="zh-CN" altLang="en-US"/>
           </a:p>
@@ -463,7 +476,7 @@
           <a:p>
             <a:fld id="{3998C694-0124-40E9-9192-E3F899CEA6F0}" type="datetimeFigureOut">
               <a:rPr lang="zh-CN" altLang="en-US" smtClean="0"/>
-              <a:t>2022/3/9</a:t>
+              <a:t>2022/3/17</a:t>
             </a:fld>
             <a:endParaRPr lang="zh-CN" altLang="en-US"/>
           </a:p>
@@ -671,7 +684,7 @@
           <a:p>
             <a:fld id="{3998C694-0124-40E9-9192-E3F899CEA6F0}" type="datetimeFigureOut">
               <a:rPr lang="zh-CN" altLang="en-US" smtClean="0"/>
-              <a:t>2022/3/9</a:t>
+              <a:t>2022/3/17</a:t>
             </a:fld>
             <a:endParaRPr lang="zh-CN" altLang="en-US"/>
           </a:p>
@@ -869,7 +882,7 @@
           <a:p>
             <a:fld id="{3998C694-0124-40E9-9192-E3F899CEA6F0}" type="datetimeFigureOut">
               <a:rPr lang="zh-CN" altLang="en-US" smtClean="0"/>
-              <a:t>2022/3/9</a:t>
+              <a:t>2022/3/17</a:t>
             </a:fld>
             <a:endParaRPr lang="zh-CN" altLang="en-US"/>
           </a:p>
@@ -1144,7 +1157,7 @@
           <a:p>
             <a:fld id="{3998C694-0124-40E9-9192-E3F899CEA6F0}" type="datetimeFigureOut">
               <a:rPr lang="zh-CN" altLang="en-US" smtClean="0"/>
-              <a:t>2022/3/9</a:t>
+              <a:t>2022/3/17</a:t>
             </a:fld>
             <a:endParaRPr lang="zh-CN" altLang="en-US"/>
           </a:p>
@@ -1409,7 +1422,7 @@
           <a:p>
             <a:fld id="{3998C694-0124-40E9-9192-E3F899CEA6F0}" type="datetimeFigureOut">
               <a:rPr lang="zh-CN" altLang="en-US" smtClean="0"/>
-              <a:t>2022/3/9</a:t>
+              <a:t>2022/3/17</a:t>
             </a:fld>
             <a:endParaRPr lang="zh-CN" altLang="en-US"/>
           </a:p>
@@ -1821,7 +1834,7 @@
           <a:p>
             <a:fld id="{3998C694-0124-40E9-9192-E3F899CEA6F0}" type="datetimeFigureOut">
               <a:rPr lang="zh-CN" altLang="en-US" smtClean="0"/>
-              <a:t>2022/3/9</a:t>
+              <a:t>2022/3/17</a:t>
             </a:fld>
             <a:endParaRPr lang="zh-CN" altLang="en-US"/>
           </a:p>
@@ -1962,7 +1975,7 @@
           <a:p>
             <a:fld id="{3998C694-0124-40E9-9192-E3F899CEA6F0}" type="datetimeFigureOut">
               <a:rPr lang="zh-CN" altLang="en-US" smtClean="0"/>
-              <a:t>2022/3/9</a:t>
+              <a:t>2022/3/17</a:t>
             </a:fld>
             <a:endParaRPr lang="zh-CN" altLang="en-US"/>
           </a:p>
@@ -2075,7 +2088,7 @@
           <a:p>
             <a:fld id="{3998C694-0124-40E9-9192-E3F899CEA6F0}" type="datetimeFigureOut">
               <a:rPr lang="zh-CN" altLang="en-US" smtClean="0"/>
-              <a:t>2022/3/9</a:t>
+              <a:t>2022/3/17</a:t>
             </a:fld>
             <a:endParaRPr lang="zh-CN" altLang="en-US"/>
           </a:p>
@@ -2386,7 +2399,7 @@
           <a:p>
             <a:fld id="{3998C694-0124-40E9-9192-E3F899CEA6F0}" type="datetimeFigureOut">
               <a:rPr lang="zh-CN" altLang="en-US" smtClean="0"/>
-              <a:t>2022/3/9</a:t>
+              <a:t>2022/3/17</a:t>
             </a:fld>
             <a:endParaRPr lang="zh-CN" altLang="en-US"/>
           </a:p>
@@ -2674,7 +2687,7 @@
           <a:p>
             <a:fld id="{3998C694-0124-40E9-9192-E3F899CEA6F0}" type="datetimeFigureOut">
               <a:rPr lang="zh-CN" altLang="en-US" smtClean="0"/>
-              <a:t>2022/3/9</a:t>
+              <a:t>2022/3/17</a:t>
             </a:fld>
             <a:endParaRPr lang="zh-CN" altLang="en-US"/>
           </a:p>
@@ -2915,7 +2928,7 @@
           <a:p>
             <a:fld id="{3998C694-0124-40E9-9192-E3F899CEA6F0}" type="datetimeFigureOut">
               <a:rPr lang="zh-CN" altLang="en-US" smtClean="0"/>
-              <a:t>2022/3/9</a:t>
+              <a:t>2022/3/17</a:t>
             </a:fld>
             <a:endParaRPr lang="zh-CN" altLang="en-US"/>
           </a:p>
@@ -3438,7 +3451,7 @@
 </p:sld>
 </file>
 
-<file path=ppt/slides/slide2.xml><?xml version="1.0" encoding="utf-8"?>
+<file path=ppt/slides/slide10.xml><?xml version="1.0" encoding="utf-8"?>
 <p:sld xmlns:a="http://schemas.openxmlformats.org/drawingml/2006/main" xmlns:r="http://schemas.openxmlformats.org/officeDocument/2006/relationships" xmlns:p="http://schemas.openxmlformats.org/presentationml/2006/main">
   <p:cSld>
     <p:spTree>
@@ -3460,7 +3473,7 @@
           <p:cNvPr id="2" name="标题 1">
             <a:extLst>
               <a:ext uri="{FF2B5EF4-FFF2-40B4-BE49-F238E27FC236}">
-                <a16:creationId xmlns:a16="http://schemas.microsoft.com/office/drawing/2014/main" id="{C03563CA-0455-4C9E-A189-8E004D6E74F9}"/>
+                <a16:creationId xmlns:a16="http://schemas.microsoft.com/office/drawing/2014/main" id="{2530390B-582C-4E87-B413-979BA2BDCAB3}"/>
               </a:ext>
             </a:extLst>
           </p:cNvPr>
@@ -3481,7 +3494,7 @@
                 <a:latin typeface="黑体" panose="02010609060101010101" pitchFamily="49" charset="-122"/>
                 <a:ea typeface="黑体" panose="02010609060101010101" pitchFamily="49" charset="-122"/>
               </a:rPr>
-              <a:t>项目背景</a:t>
+              <a:t>     开发设备</a:t>
             </a:r>
           </a:p>
         </p:txBody>
@@ -3491,7 +3504,7 @@
           <p:cNvPr id="3" name="内容占位符 2">
             <a:extLst>
               <a:ext uri="{FF2B5EF4-FFF2-40B4-BE49-F238E27FC236}">
-                <a16:creationId xmlns:a16="http://schemas.microsoft.com/office/drawing/2014/main" id="{1DBDAFC2-53F7-412C-813A-4E2FC1AA0DCE}"/>
+                <a16:creationId xmlns:a16="http://schemas.microsoft.com/office/drawing/2014/main" id="{0AA22560-794C-4E73-A987-BFE9F4F954A0}"/>
               </a:ext>
             </a:extLst>
           </p:cNvPr>
@@ -3507,354 +3520,50 @@
           <a:bodyPr/>
           <a:lstStyle/>
           <a:p>
-            <a:r>
-              <a:rPr lang="zh-CN" altLang="en-US" dirty="0"/>
-              <a:t>随着互联网技术的不断发展，线上支付在我们的日常生活中的普及程度不断提高，网购的便利使得人们的生活渐渐离不开它。</a:t>
-            </a:r>
             <a:endParaRPr lang="en-US" altLang="zh-CN" dirty="0"/>
           </a:p>
           <a:p>
             <a:r>
-              <a:rPr lang="zh-CN" altLang="en-US" dirty="0"/>
-              <a:t>我们开发这样一个适合学生使用的电商平台的初衷在于丰富大学生对于处于该年龄段时应该拥有的属于该年龄段的生活。因此，我们的商品的主要受众人群是大学生，里面的商品也会以适用于大学生的新潮一点的商品为主。</a:t>
-            </a:r>
-            <a:endParaRPr lang="en-US" altLang="zh-CN" dirty="0"/>
-          </a:p>
-          <a:p>
-            <a:r>
-              <a:rPr lang="zh-CN" altLang="en-US" dirty="0"/>
-              <a:t>我们要制作的电商平台，与其说是线上购物</a:t>
-            </a:r>
-            <a:r>
-              <a:rPr lang="en-US" altLang="zh-CN" dirty="0"/>
-              <a:t>APP</a:t>
-            </a:r>
-            <a:r>
-              <a:rPr lang="zh-CN" altLang="en-US" dirty="0"/>
-              <a:t>，更像是类似于小红书</a:t>
-            </a:r>
-            <a:r>
-              <a:rPr lang="en-US" altLang="zh-CN" dirty="0"/>
-              <a:t>APP</a:t>
-            </a:r>
-            <a:r>
-              <a:rPr lang="zh-CN" altLang="en-US" dirty="0"/>
-              <a:t>内的基于相关人群为生活购物推荐式的</a:t>
-            </a:r>
-            <a:r>
-              <a:rPr lang="en-US" altLang="zh-CN" dirty="0"/>
-              <a:t>APP</a:t>
-            </a:r>
-            <a:r>
-              <a:rPr lang="zh-CN" altLang="en-US" dirty="0"/>
-              <a:t>。</a:t>
-            </a:r>
-          </a:p>
-        </p:txBody>
-      </p:sp>
-    </p:spTree>
-    <p:extLst>
-      <p:ext uri="{BB962C8B-B14F-4D97-AF65-F5344CB8AC3E}">
-        <p14:creationId xmlns:p14="http://schemas.microsoft.com/office/powerpoint/2010/main" val="1367719616"/>
-      </p:ext>
-    </p:extLst>
-  </p:cSld>
-  <p:clrMapOvr>
-    <a:masterClrMapping/>
-  </p:clrMapOvr>
-</p:sld>
-</file>
-
-<file path=ppt/slides/slide3.xml><?xml version="1.0" encoding="utf-8"?>
-<p:sld xmlns:a="http://schemas.openxmlformats.org/drawingml/2006/main" xmlns:r="http://schemas.openxmlformats.org/officeDocument/2006/relationships" xmlns:p="http://schemas.openxmlformats.org/presentationml/2006/main">
-  <p:cSld>
-    <p:spTree>
-      <p:nvGrpSpPr>
-        <p:cNvPr id="1" name=""/>
-        <p:cNvGrpSpPr/>
-        <p:nvPr/>
-      </p:nvGrpSpPr>
-      <p:grpSpPr>
-        <a:xfrm>
-          <a:off x="0" y="0"/>
-          <a:ext cx="0" cy="0"/>
-          <a:chOff x="0" y="0"/>
-          <a:chExt cx="0" cy="0"/>
-        </a:xfrm>
-      </p:grpSpPr>
-      <p:sp>
-        <p:nvSpPr>
-          <p:cNvPr id="2" name="标题 1">
-            <a:extLst>
-              <a:ext uri="{FF2B5EF4-FFF2-40B4-BE49-F238E27FC236}">
-                <a16:creationId xmlns:a16="http://schemas.microsoft.com/office/drawing/2014/main" id="{D559878A-2FBC-4083-AB2C-4E5C63BA9565}"/>
-              </a:ext>
-            </a:extLst>
-          </p:cNvPr>
-          <p:cNvSpPr>
-            <a:spLocks noGrp="1"/>
-          </p:cNvSpPr>
-          <p:nvPr>
-            <p:ph type="title"/>
-          </p:nvPr>
-        </p:nvSpPr>
-        <p:spPr/>
-        <p:txBody>
-          <a:bodyPr/>
-          <a:lstStyle/>
-          <a:p>
-            <a:r>
               <a:rPr lang="zh-CN" altLang="en-US" dirty="0">
                 <a:latin typeface="黑体" panose="02010609060101010101" pitchFamily="49" charset="-122"/>
                 <a:ea typeface="黑体" panose="02010609060101010101" pitchFamily="49" charset="-122"/>
               </a:rPr>
-              <a:t>     项目分工</a:t>
-            </a:r>
-          </a:p>
-        </p:txBody>
-      </p:sp>
-      <p:sp>
-        <p:nvSpPr>
-          <p:cNvPr id="3" name="内容占位符 2">
-            <a:extLst>
-              <a:ext uri="{FF2B5EF4-FFF2-40B4-BE49-F238E27FC236}">
-                <a16:creationId xmlns:a16="http://schemas.microsoft.com/office/drawing/2014/main" id="{9094F2B0-1D98-4E53-BE47-A433BD2CE190}"/>
-              </a:ext>
-            </a:extLst>
-          </p:cNvPr>
-          <p:cNvSpPr>
-            <a:spLocks noGrp="1"/>
-          </p:cNvSpPr>
-          <p:nvPr>
-            <p:ph idx="1"/>
-          </p:nvPr>
-        </p:nvSpPr>
-        <p:spPr/>
-        <p:txBody>
-          <a:bodyPr/>
-          <a:lstStyle/>
-          <a:p>
-            <a:endParaRPr lang="en-US" altLang="zh-CN" dirty="0"/>
-          </a:p>
-          <a:p>
-            <a:endParaRPr lang="en-US" altLang="zh-CN" dirty="0"/>
-          </a:p>
-          <a:p>
-            <a:r>
-              <a:rPr lang="zh-CN" altLang="en-US" dirty="0"/>
-              <a:t>陈嘉诚：主要负责后端开发</a:t>
-            </a:r>
-            <a:endParaRPr lang="en-US" altLang="zh-CN" dirty="0"/>
-          </a:p>
-          <a:p>
-            <a:endParaRPr lang="en-US" altLang="zh-CN" dirty="0"/>
-          </a:p>
-          <a:p>
-            <a:r>
-              <a:rPr lang="zh-CN" altLang="en-US" dirty="0"/>
-              <a:t>徐晨凯：主要负责前端开发</a:t>
-            </a:r>
-            <a:endParaRPr lang="en-US" altLang="zh-CN" dirty="0"/>
-          </a:p>
-          <a:p>
-            <a:endParaRPr lang="en-US" altLang="zh-CN" dirty="0"/>
-          </a:p>
-          <a:p>
-            <a:r>
-              <a:rPr lang="zh-CN" altLang="en-US" dirty="0"/>
-              <a:t>靳洋洋：主要负责前后端的交互工作，参与前后端开发</a:t>
-            </a:r>
-          </a:p>
-        </p:txBody>
-      </p:sp>
-      <p:pic>
-        <p:nvPicPr>
-          <p:cNvPr id="4" name="图片 3">
-            <a:extLst>
-              <a:ext uri="{FF2B5EF4-FFF2-40B4-BE49-F238E27FC236}">
-                <a16:creationId xmlns:a16="http://schemas.microsoft.com/office/drawing/2014/main" id="{D269FB17-C318-43CF-91C6-030B70C4B346}"/>
-              </a:ext>
-            </a:extLst>
-          </p:cNvPr>
-          <p:cNvPicPr>
-            <a:picLocks noChangeAspect="1"/>
-          </p:cNvPicPr>
-          <p:nvPr/>
-        </p:nvPicPr>
-        <p:blipFill>
-          <a:blip r:embed="rId2"/>
-          <a:stretch>
-            <a:fillRect/>
-          </a:stretch>
-        </p:blipFill>
-        <p:spPr>
-          <a:xfrm>
-            <a:off x="7315200" y="673894"/>
-            <a:ext cx="4436533" cy="3327400"/>
-          </a:xfrm>
-          <a:prstGeom prst="rect">
-            <a:avLst/>
-          </a:prstGeom>
-        </p:spPr>
-      </p:pic>
-    </p:spTree>
-    <p:extLst>
-      <p:ext uri="{BB962C8B-B14F-4D97-AF65-F5344CB8AC3E}">
-        <p14:creationId xmlns:p14="http://schemas.microsoft.com/office/powerpoint/2010/main" val="4191261892"/>
-      </p:ext>
-    </p:extLst>
-  </p:cSld>
-  <p:clrMapOvr>
-    <a:masterClrMapping/>
-  </p:clrMapOvr>
-</p:sld>
-</file>
-
-<file path=ppt/slides/slide4.xml><?xml version="1.0" encoding="utf-8"?>
-<p:sld xmlns:a="http://schemas.openxmlformats.org/drawingml/2006/main" xmlns:r="http://schemas.openxmlformats.org/officeDocument/2006/relationships" xmlns:p="http://schemas.openxmlformats.org/presentationml/2006/main">
-  <p:cSld>
-    <p:spTree>
-      <p:nvGrpSpPr>
-        <p:cNvPr id="1" name=""/>
-        <p:cNvGrpSpPr/>
-        <p:nvPr/>
-      </p:nvGrpSpPr>
-      <p:grpSpPr>
-        <a:xfrm>
-          <a:off x="0" y="0"/>
-          <a:ext cx="0" cy="0"/>
-          <a:chOff x="0" y="0"/>
-          <a:chExt cx="0" cy="0"/>
-        </a:xfrm>
-      </p:grpSpPr>
-      <p:sp>
-        <p:nvSpPr>
-          <p:cNvPr id="2" name="标题 1">
-            <a:extLst>
-              <a:ext uri="{FF2B5EF4-FFF2-40B4-BE49-F238E27FC236}">
-                <a16:creationId xmlns:a16="http://schemas.microsoft.com/office/drawing/2014/main" id="{2530390B-582C-4E87-B413-979BA2BDCAB3}"/>
-              </a:ext>
-            </a:extLst>
-          </p:cNvPr>
-          <p:cNvSpPr>
-            <a:spLocks noGrp="1"/>
-          </p:cNvSpPr>
-          <p:nvPr>
-            <p:ph type="title"/>
-          </p:nvPr>
-        </p:nvSpPr>
-        <p:spPr/>
-        <p:txBody>
-          <a:bodyPr/>
-          <a:lstStyle/>
+              <a:t>前端：</a:t>
+            </a:r>
+            <a:r>
+              <a:rPr lang="en-US" altLang="zh-CN" dirty="0">
+                <a:latin typeface="黑体" panose="02010609060101010101" pitchFamily="49" charset="-122"/>
+                <a:ea typeface="黑体" panose="02010609060101010101" pitchFamily="49" charset="-122"/>
+              </a:rPr>
+              <a:t>Android Studio2021</a:t>
+            </a:r>
+          </a:p>
+          <a:p>
+            <a:endParaRPr lang="en-US" altLang="zh-CN" dirty="0">
+              <a:latin typeface="黑体" panose="02010609060101010101" pitchFamily="49" charset="-122"/>
+              <a:ea typeface="黑体" panose="02010609060101010101" pitchFamily="49" charset="-122"/>
+            </a:endParaRPr>
+          </a:p>
+          <a:p>
+            <a:endParaRPr lang="en-US" altLang="zh-CN" dirty="0">
+              <a:latin typeface="黑体" panose="02010609060101010101" pitchFamily="49" charset="-122"/>
+              <a:ea typeface="黑体" panose="02010609060101010101" pitchFamily="49" charset="-122"/>
+            </a:endParaRPr>
+          </a:p>
           <a:p>
             <a:r>
               <a:rPr lang="zh-CN" altLang="en-US" dirty="0">
                 <a:latin typeface="黑体" panose="02010609060101010101" pitchFamily="49" charset="-122"/>
                 <a:ea typeface="黑体" panose="02010609060101010101" pitchFamily="49" charset="-122"/>
               </a:rPr>
-              <a:t>     环境</a:t>
-            </a:r>
-          </a:p>
-        </p:txBody>
-      </p:sp>
-      <p:sp>
-        <p:nvSpPr>
-          <p:cNvPr id="3" name="内容占位符 2">
-            <a:extLst>
-              <a:ext uri="{FF2B5EF4-FFF2-40B4-BE49-F238E27FC236}">
-                <a16:creationId xmlns:a16="http://schemas.microsoft.com/office/drawing/2014/main" id="{0AA22560-794C-4E73-A987-BFE9F4F954A0}"/>
-              </a:ext>
-            </a:extLst>
-          </p:cNvPr>
-          <p:cNvSpPr>
-            <a:spLocks noGrp="1"/>
-          </p:cNvSpPr>
-          <p:nvPr>
-            <p:ph idx="1"/>
-          </p:nvPr>
-        </p:nvSpPr>
-        <p:spPr/>
-        <p:txBody>
-          <a:bodyPr/>
-          <a:lstStyle/>
-          <a:p>
-            <a:endParaRPr lang="en-US" altLang="zh-CN" dirty="0"/>
-          </a:p>
-          <a:p>
-            <a:r>
-              <a:rPr lang="zh-CN" altLang="en-US" dirty="0"/>
-              <a:t>前端：</a:t>
-            </a:r>
-            <a:r>
-              <a:rPr lang="en-US" altLang="zh-CN" dirty="0"/>
-              <a:t>Android</a:t>
-            </a:r>
-            <a:r>
-              <a:rPr lang="zh-CN" altLang="en-US" dirty="0"/>
-              <a:t>（</a:t>
-            </a:r>
-            <a:r>
-              <a:rPr lang="en-US" altLang="zh-CN" dirty="0"/>
-              <a:t>JAVA</a:t>
-            </a:r>
-            <a:r>
-              <a:rPr lang="zh-CN" altLang="en-US" dirty="0"/>
-              <a:t>）</a:t>
-            </a:r>
-            <a:endParaRPr lang="en-US" altLang="zh-CN" dirty="0"/>
-          </a:p>
-          <a:p>
-            <a:r>
-              <a:rPr lang="zh-CN" altLang="en-US" dirty="0"/>
               <a:t>后端：</a:t>
             </a:r>
             <a:r>
-              <a:rPr lang="en-US" altLang="zh-CN" dirty="0"/>
-              <a:t>IDEA</a:t>
-            </a:r>
-            <a:r>
-              <a:rPr lang="zh-CN" altLang="en-US" dirty="0"/>
-              <a:t>（</a:t>
-            </a:r>
-            <a:r>
-              <a:rPr lang="en-US" altLang="zh-CN" dirty="0"/>
-              <a:t>JAVA</a:t>
-            </a:r>
-            <a:r>
-              <a:rPr lang="zh-CN" altLang="en-US" dirty="0"/>
-              <a:t>）</a:t>
-            </a:r>
-            <a:endParaRPr lang="en-US" altLang="zh-CN" dirty="0"/>
-          </a:p>
-          <a:p>
-            <a:r>
-              <a:rPr lang="zh-CN" altLang="en-US" dirty="0"/>
-              <a:t>数据库：</a:t>
-            </a:r>
-            <a:r>
-              <a:rPr lang="en-US" altLang="zh-CN" dirty="0"/>
-              <a:t>MYSQL</a:t>
-            </a:r>
-          </a:p>
-          <a:p>
-            <a:r>
-              <a:rPr lang="zh-CN" altLang="en-US" dirty="0"/>
-              <a:t>网页端搭载：</a:t>
-            </a:r>
-            <a:r>
-              <a:rPr lang="en-US" altLang="zh-CN" dirty="0"/>
-              <a:t>Tomcat</a:t>
-            </a:r>
-          </a:p>
-          <a:p>
-            <a:r>
-              <a:rPr lang="en-US" altLang="zh-CN" dirty="0"/>
-              <a:t>UI</a:t>
-            </a:r>
-            <a:r>
-              <a:rPr lang="zh-CN" altLang="en-US" dirty="0"/>
-              <a:t>设计：墨刀</a:t>
+              <a:rPr lang="en-US" altLang="zh-CN" dirty="0">
+                <a:latin typeface="黑体" panose="02010609060101010101" pitchFamily="49" charset="-122"/>
+                <a:ea typeface="黑体" panose="02010609060101010101" pitchFamily="49" charset="-122"/>
+              </a:rPr>
+              <a:t>IDEA2020</a:t>
             </a:r>
           </a:p>
         </p:txBody>
@@ -3888,7 +3597,7 @@
         </p:blipFill>
         <p:spPr bwMode="auto">
           <a:xfrm>
-            <a:off x="5524696" y="1267562"/>
+            <a:off x="6934986" y="1690688"/>
             <a:ext cx="4762500" cy="3267075"/>
           </a:xfrm>
           <a:prstGeom prst="rect">
@@ -3919,7 +3628,7 @@
 </p:sld>
 </file>
 
-<file path=ppt/slides/slide5.xml><?xml version="1.0" encoding="utf-8"?>
+<file path=ppt/slides/slide11.xml><?xml version="1.0" encoding="utf-8"?>
 <p:sld xmlns:a="http://schemas.openxmlformats.org/drawingml/2006/main" xmlns:r="http://schemas.openxmlformats.org/officeDocument/2006/relationships" xmlns:p="http://schemas.openxmlformats.org/presentationml/2006/main">
   <p:cSld>
     <p:spTree>
@@ -3941,7 +3650,7 @@
           <p:cNvPr id="2" name="标题 1">
             <a:extLst>
               <a:ext uri="{FF2B5EF4-FFF2-40B4-BE49-F238E27FC236}">
-                <a16:creationId xmlns:a16="http://schemas.microsoft.com/office/drawing/2014/main" id="{FD1DB74C-C177-490C-877D-E340B884BA96}"/>
+                <a16:creationId xmlns:a16="http://schemas.microsoft.com/office/drawing/2014/main" id="{B812A9E4-8011-485D-961E-CCA6EE5F8B5B}"/>
               </a:ext>
             </a:extLst>
           </p:cNvPr>
@@ -3958,54 +3667,253 @@
           <a:lstStyle/>
           <a:p>
             <a:r>
+              <a:rPr lang="zh-CN" altLang="en-US" b="1" dirty="0">
+                <a:latin typeface="黑体" panose="02010609060101010101" pitchFamily="49" charset="-122"/>
+                <a:ea typeface="黑体" panose="02010609060101010101" pitchFamily="49" charset="-122"/>
+              </a:rPr>
+              <a:t>技术实现</a:t>
+            </a:r>
+          </a:p>
+        </p:txBody>
+      </p:sp>
+      <p:sp>
+        <p:nvSpPr>
+          <p:cNvPr id="3" name="内容占位符 2">
+            <a:extLst>
+              <a:ext uri="{FF2B5EF4-FFF2-40B4-BE49-F238E27FC236}">
+                <a16:creationId xmlns:a16="http://schemas.microsoft.com/office/drawing/2014/main" id="{7795E4C6-CC6A-42E9-894A-97E9F3C90867}"/>
+              </a:ext>
+            </a:extLst>
+          </p:cNvPr>
+          <p:cNvSpPr>
+            <a:spLocks noGrp="1"/>
+          </p:cNvSpPr>
+          <p:nvPr>
+            <p:ph idx="1"/>
+          </p:nvPr>
+        </p:nvSpPr>
+        <p:spPr/>
+        <p:txBody>
+          <a:bodyPr/>
+          <a:lstStyle/>
+          <a:p>
+            <a:pPr marL="0" indent="0">
+              <a:buNone/>
+            </a:pPr>
+            <a:r>
+              <a:rPr lang="en-US" altLang="zh-CN" dirty="0"/>
+              <a:t>  </a:t>
+            </a:r>
+            <a:r>
+              <a:rPr lang="zh-CN" altLang="en-US" sz="3600" dirty="0">
+                <a:latin typeface="黑体" panose="02010609060101010101" pitchFamily="49" charset="-122"/>
+                <a:ea typeface="黑体" panose="02010609060101010101" pitchFamily="49" charset="-122"/>
+              </a:rPr>
+              <a:t>前端</a:t>
+            </a:r>
+            <a:endParaRPr lang="en-US" altLang="zh-CN" dirty="0">
+              <a:latin typeface="黑体" panose="02010609060101010101" pitchFamily="49" charset="-122"/>
+              <a:ea typeface="黑体" panose="02010609060101010101" pitchFamily="49" charset="-122"/>
+            </a:endParaRPr>
+          </a:p>
+          <a:p>
+            <a:pPr marL="0" indent="0">
+              <a:buNone/>
+            </a:pPr>
+            <a:r>
               <a:rPr lang="zh-CN" altLang="en-US" dirty="0">
                 <a:latin typeface="黑体" panose="02010609060101010101" pitchFamily="49" charset="-122"/>
                 <a:ea typeface="黑体" panose="02010609060101010101" pitchFamily="49" charset="-122"/>
               </a:rPr>
-              <a:t>思维导图</a:t>
-            </a:r>
-          </a:p>
-        </p:txBody>
-      </p:sp>
-      <p:pic>
-        <p:nvPicPr>
-          <p:cNvPr id="5" name="内容占位符 4">
-            <a:extLst>
-              <a:ext uri="{FF2B5EF4-FFF2-40B4-BE49-F238E27FC236}">
-                <a16:creationId xmlns:a16="http://schemas.microsoft.com/office/drawing/2014/main" id="{C9E56555-10AB-4693-A3E0-90AA50A0F488}"/>
-              </a:ext>
-            </a:extLst>
-          </p:cNvPr>
-          <p:cNvPicPr>
-            <a:picLocks noGrp="1" noChangeAspect="1"/>
-          </p:cNvPicPr>
-          <p:nvPr>
-            <p:ph idx="1"/>
-          </p:nvPr>
-        </p:nvPicPr>
-        <p:blipFill>
-          <a:blip r:embed="rId2">
-            <a:extLst>
-              <a:ext uri="{28A0092B-C50C-407E-A947-70E740481C1C}">
-                <a14:useLocalDpi xmlns:a14="http://schemas.microsoft.com/office/drawing/2010/main" val="0"/>
-              </a:ext>
-            </a:extLst>
-          </a:blip>
-          <a:stretch>
-            <a:fillRect/>
-          </a:stretch>
-        </p:blipFill>
-        <p:spPr>
-          <a:xfrm>
-            <a:off x="3416551" y="674556"/>
-            <a:ext cx="7937249" cy="5818319"/>
-          </a:xfrm>
-        </p:spPr>
-      </p:pic>
+              <a:t>  使用</a:t>
+            </a:r>
+            <a:r>
+              <a:rPr lang="en-US" altLang="zh-CN" dirty="0">
+                <a:latin typeface="黑体" panose="02010609060101010101" pitchFamily="49" charset="-122"/>
+                <a:ea typeface="黑体" panose="02010609060101010101" pitchFamily="49" charset="-122"/>
+              </a:rPr>
+              <a:t>JAVA</a:t>
+            </a:r>
+            <a:r>
+              <a:rPr lang="zh-CN" altLang="en-US" dirty="0">
+                <a:latin typeface="黑体" panose="02010609060101010101" pitchFamily="49" charset="-122"/>
+                <a:ea typeface="黑体" panose="02010609060101010101" pitchFamily="49" charset="-122"/>
+              </a:rPr>
+              <a:t>语言，采用</a:t>
+            </a:r>
+            <a:r>
+              <a:rPr lang="en-US" altLang="zh-CN" dirty="0" err="1">
+                <a:latin typeface="黑体" panose="02010609060101010101" pitchFamily="49" charset="-122"/>
+                <a:ea typeface="黑体" panose="02010609060101010101" pitchFamily="49" charset="-122"/>
+              </a:rPr>
+              <a:t>JavaWeb</a:t>
+            </a:r>
+            <a:r>
+              <a:rPr lang="zh-CN" altLang="en-US" dirty="0">
+                <a:latin typeface="黑体" panose="02010609060101010101" pitchFamily="49" charset="-122"/>
+                <a:ea typeface="黑体" panose="02010609060101010101" pitchFamily="49" charset="-122"/>
+              </a:rPr>
+              <a:t>作为主体，辅以</a:t>
+            </a:r>
+            <a:r>
+              <a:rPr lang="en-US" altLang="zh-CN" dirty="0">
+                <a:latin typeface="黑体" panose="02010609060101010101" pitchFamily="49" charset="-122"/>
+                <a:ea typeface="黑体" panose="02010609060101010101" pitchFamily="49" charset="-122"/>
+              </a:rPr>
+              <a:t>HTML</a:t>
+            </a:r>
+            <a:r>
+              <a:rPr lang="zh-CN" altLang="en-US" dirty="0">
+                <a:latin typeface="黑体" panose="02010609060101010101" pitchFamily="49" charset="-122"/>
+                <a:ea typeface="黑体" panose="02010609060101010101" pitchFamily="49" charset="-122"/>
+              </a:rPr>
+              <a:t>和</a:t>
+            </a:r>
+            <a:r>
+              <a:rPr lang="en-US" altLang="zh-CN" dirty="0">
+                <a:latin typeface="黑体" panose="02010609060101010101" pitchFamily="49" charset="-122"/>
+                <a:ea typeface="黑体" panose="02010609060101010101" pitchFamily="49" charset="-122"/>
+              </a:rPr>
+              <a:t>CSS</a:t>
+            </a:r>
+            <a:r>
+              <a:rPr lang="zh-CN" altLang="en-US" dirty="0">
+                <a:latin typeface="黑体" panose="02010609060101010101" pitchFamily="49" charset="-122"/>
+                <a:ea typeface="黑体" panose="02010609060101010101" pitchFamily="49" charset="-122"/>
+              </a:rPr>
+              <a:t>的设计，   </a:t>
+            </a:r>
+            <a:endParaRPr lang="en-US" altLang="zh-CN" dirty="0">
+              <a:latin typeface="黑体" panose="02010609060101010101" pitchFamily="49" charset="-122"/>
+              <a:ea typeface="黑体" panose="02010609060101010101" pitchFamily="49" charset="-122"/>
+            </a:endParaRPr>
+          </a:p>
+          <a:p>
+            <a:pPr marL="0" indent="0">
+              <a:buNone/>
+            </a:pPr>
+            <a:r>
+              <a:rPr lang="en-US" altLang="zh-CN" dirty="0">
+                <a:latin typeface="黑体" panose="02010609060101010101" pitchFamily="49" charset="-122"/>
+                <a:ea typeface="黑体" panose="02010609060101010101" pitchFamily="49" charset="-122"/>
+              </a:rPr>
+              <a:t>  </a:t>
+            </a:r>
+            <a:r>
+              <a:rPr lang="zh-CN" altLang="en-US" dirty="0">
+                <a:latin typeface="黑体" panose="02010609060101010101" pitchFamily="49" charset="-122"/>
+                <a:ea typeface="黑体" panose="02010609060101010101" pitchFamily="49" charset="-122"/>
+              </a:rPr>
+              <a:t>配以集成的</a:t>
+            </a:r>
+            <a:r>
+              <a:rPr lang="en-US" altLang="zh-CN" dirty="0">
+                <a:latin typeface="黑体" panose="02010609060101010101" pitchFamily="49" charset="-122"/>
+                <a:ea typeface="黑体" panose="02010609060101010101" pitchFamily="49" charset="-122"/>
+              </a:rPr>
+              <a:t>SDK</a:t>
+            </a:r>
+          </a:p>
+          <a:p>
+            <a:endParaRPr lang="en-US" altLang="zh-CN" dirty="0">
+              <a:latin typeface="黑体" panose="02010609060101010101" pitchFamily="49" charset="-122"/>
+              <a:ea typeface="黑体" panose="02010609060101010101" pitchFamily="49" charset="-122"/>
+            </a:endParaRPr>
+          </a:p>
+          <a:p>
+            <a:endParaRPr lang="en-US" altLang="zh-CN" dirty="0">
+              <a:latin typeface="黑体" panose="02010609060101010101" pitchFamily="49" charset="-122"/>
+              <a:ea typeface="黑体" panose="02010609060101010101" pitchFamily="49" charset="-122"/>
+            </a:endParaRPr>
+          </a:p>
+          <a:p>
+            <a:pPr marL="0" indent="0">
+              <a:buNone/>
+            </a:pPr>
+            <a:r>
+              <a:rPr lang="zh-CN" altLang="en-US" dirty="0">
+                <a:latin typeface="黑体" panose="02010609060101010101" pitchFamily="49" charset="-122"/>
+                <a:ea typeface="黑体" panose="02010609060101010101" pitchFamily="49" charset="-122"/>
+              </a:rPr>
+              <a:t>  </a:t>
+            </a:r>
+            <a:r>
+              <a:rPr lang="zh-CN" altLang="en-US" sz="3600" dirty="0">
+                <a:latin typeface="黑体" panose="02010609060101010101" pitchFamily="49" charset="-122"/>
+                <a:ea typeface="黑体" panose="02010609060101010101" pitchFamily="49" charset="-122"/>
+              </a:rPr>
+              <a:t>后端</a:t>
+            </a:r>
+            <a:endParaRPr lang="en-US" altLang="zh-CN" sz="3600" dirty="0">
+              <a:latin typeface="黑体" panose="02010609060101010101" pitchFamily="49" charset="-122"/>
+              <a:ea typeface="黑体" panose="02010609060101010101" pitchFamily="49" charset="-122"/>
+            </a:endParaRPr>
+          </a:p>
+          <a:p>
+            <a:pPr marL="0" indent="0">
+              <a:buNone/>
+            </a:pPr>
+            <a:r>
+              <a:rPr lang="zh-CN" altLang="en-US" dirty="0">
+                <a:latin typeface="黑体" panose="02010609060101010101" pitchFamily="49" charset="-122"/>
+                <a:ea typeface="黑体" panose="02010609060101010101" pitchFamily="49" charset="-122"/>
+              </a:rPr>
+              <a:t>  采用</a:t>
+            </a:r>
+            <a:r>
+              <a:rPr lang="en-US" altLang="zh-CN" dirty="0">
+                <a:latin typeface="黑体" panose="02010609060101010101" pitchFamily="49" charset="-122"/>
+                <a:ea typeface="黑体" panose="02010609060101010101" pitchFamily="49" charset="-122"/>
+              </a:rPr>
+              <a:t>JAVA</a:t>
+            </a:r>
+            <a:r>
+              <a:rPr lang="zh-CN" altLang="en-US" dirty="0">
+                <a:latin typeface="黑体" panose="02010609060101010101" pitchFamily="49" charset="-122"/>
+                <a:ea typeface="黑体" panose="02010609060101010101" pitchFamily="49" charset="-122"/>
+              </a:rPr>
+              <a:t>语言，运用</a:t>
+            </a:r>
+            <a:r>
+              <a:rPr lang="en-US" altLang="zh-CN" dirty="0" err="1">
+                <a:latin typeface="黑体" panose="02010609060101010101" pitchFamily="49" charset="-122"/>
+                <a:ea typeface="黑体" panose="02010609060101010101" pitchFamily="49" charset="-122"/>
+              </a:rPr>
+              <a:t>Springboot+MyBatis+MySQL</a:t>
+            </a:r>
+            <a:r>
+              <a:rPr lang="zh-CN" altLang="en-US" dirty="0">
+                <a:latin typeface="黑体" panose="02010609060101010101" pitchFamily="49" charset="-122"/>
+                <a:ea typeface="黑体" panose="02010609060101010101" pitchFamily="49" charset="-122"/>
+              </a:rPr>
+              <a:t>三件套</a:t>
+            </a:r>
+            <a:endParaRPr lang="en-US" altLang="zh-CN" dirty="0">
+              <a:latin typeface="黑体" panose="02010609060101010101" pitchFamily="49" charset="-122"/>
+              <a:ea typeface="黑体" panose="02010609060101010101" pitchFamily="49" charset="-122"/>
+            </a:endParaRPr>
+          </a:p>
+          <a:p>
+            <a:pPr marL="0" indent="0">
+              <a:buNone/>
+            </a:pPr>
+            <a:endParaRPr lang="en-US" altLang="zh-CN" dirty="0">
+              <a:latin typeface="黑体" panose="02010609060101010101" pitchFamily="49" charset="-122"/>
+              <a:ea typeface="黑体" panose="02010609060101010101" pitchFamily="49" charset="-122"/>
+            </a:endParaRPr>
+          </a:p>
+          <a:p>
+            <a:pPr marL="0" indent="0">
+              <a:buNone/>
+            </a:pPr>
+            <a:endParaRPr lang="zh-CN" altLang="en-US" dirty="0"/>
+          </a:p>
+        </p:txBody>
+      </p:sp>
     </p:spTree>
     <p:extLst>
       <p:ext uri="{BB962C8B-B14F-4D97-AF65-F5344CB8AC3E}">
-        <p14:creationId xmlns:p14="http://schemas.microsoft.com/office/powerpoint/2010/main" val="1800023761"/>
+        <p14:creationId xmlns:p14="http://schemas.microsoft.com/office/powerpoint/2010/main" val="2372212117"/>
       </p:ext>
     </p:extLst>
   </p:cSld>
@@ -4015,7 +3923,1605 @@
 </p:sld>
 </file>
 
-<file path=ppt/slides/slide6.xml><?xml version="1.0" encoding="utf-8"?>
+<file path=ppt/slides/slide12.xml><?xml version="1.0" encoding="utf-8"?>
+<p:sld xmlns:a="http://schemas.openxmlformats.org/drawingml/2006/main" xmlns:r="http://schemas.openxmlformats.org/officeDocument/2006/relationships" xmlns:p="http://schemas.openxmlformats.org/presentationml/2006/main">
+  <p:cSld>
+    <p:spTree>
+      <p:nvGrpSpPr>
+        <p:cNvPr id="1" name=""/>
+        <p:cNvGrpSpPr/>
+        <p:nvPr/>
+      </p:nvGrpSpPr>
+      <p:grpSpPr>
+        <a:xfrm>
+          <a:off x="0" y="0"/>
+          <a:ext cx="0" cy="0"/>
+          <a:chOff x="0" y="0"/>
+          <a:chExt cx="0" cy="0"/>
+        </a:xfrm>
+      </p:grpSpPr>
+      <p:sp>
+        <p:nvSpPr>
+          <p:cNvPr id="2" name="标题 1">
+            <a:extLst>
+              <a:ext uri="{FF2B5EF4-FFF2-40B4-BE49-F238E27FC236}">
+                <a16:creationId xmlns:a16="http://schemas.microsoft.com/office/drawing/2014/main" id="{D3595D8F-7CA1-4282-B605-87524D74E509}"/>
+              </a:ext>
+            </a:extLst>
+          </p:cNvPr>
+          <p:cNvSpPr>
+            <a:spLocks noGrp="1"/>
+          </p:cNvSpPr>
+          <p:nvPr>
+            <p:ph type="title"/>
+          </p:nvPr>
+        </p:nvSpPr>
+        <p:spPr>
+          <a:xfrm>
+            <a:off x="687371" y="91748"/>
+            <a:ext cx="10515600" cy="1325563"/>
+          </a:xfrm>
+        </p:spPr>
+        <p:txBody>
+          <a:bodyPr/>
+          <a:lstStyle/>
+          <a:p>
+            <a:r>
+              <a:rPr lang="zh-CN" altLang="en-US" b="1" dirty="0">
+                <a:latin typeface="黑体" panose="02010609060101010101" pitchFamily="49" charset="-122"/>
+                <a:ea typeface="黑体" panose="02010609060101010101" pitchFamily="49" charset="-122"/>
+              </a:rPr>
+              <a:t>登录注册逻辑</a:t>
+            </a:r>
+          </a:p>
+        </p:txBody>
+      </p:sp>
+      <p:pic>
+        <p:nvPicPr>
+          <p:cNvPr id="5" name="图片 4">
+            <a:extLst>
+              <a:ext uri="{FF2B5EF4-FFF2-40B4-BE49-F238E27FC236}">
+                <a16:creationId xmlns:a16="http://schemas.microsoft.com/office/drawing/2014/main" id="{A3C5AA10-0CCF-45FA-8499-B1E18596EA43}"/>
+              </a:ext>
+            </a:extLst>
+          </p:cNvPr>
+          <p:cNvPicPr>
+            <a:picLocks noChangeAspect="1"/>
+          </p:cNvPicPr>
+          <p:nvPr/>
+        </p:nvPicPr>
+        <p:blipFill>
+          <a:blip r:embed="rId2" cstate="print">
+            <a:extLst>
+              <a:ext uri="{28A0092B-C50C-407E-A947-70E740481C1C}">
+                <a14:useLocalDpi xmlns:a14="http://schemas.microsoft.com/office/drawing/2010/main" val="0"/>
+              </a:ext>
+            </a:extLst>
+          </a:blip>
+          <a:srcRect/>
+          <a:stretch>
+            <a:fillRect/>
+          </a:stretch>
+        </p:blipFill>
+        <p:spPr bwMode="auto">
+          <a:xfrm>
+            <a:off x="482583" y="1292886"/>
+            <a:ext cx="2641600" cy="5120640"/>
+          </a:xfrm>
+          <a:prstGeom prst="rect">
+            <a:avLst/>
+          </a:prstGeom>
+          <a:noFill/>
+          <a:ln>
+            <a:noFill/>
+          </a:ln>
+        </p:spPr>
+      </p:pic>
+      <p:pic>
+        <p:nvPicPr>
+          <p:cNvPr id="6" name="图片 5">
+            <a:extLst>
+              <a:ext uri="{FF2B5EF4-FFF2-40B4-BE49-F238E27FC236}">
+                <a16:creationId xmlns:a16="http://schemas.microsoft.com/office/drawing/2014/main" id="{F20CB194-65CD-4F84-9737-FE9E78C3E6DE}"/>
+              </a:ext>
+            </a:extLst>
+          </p:cNvPr>
+          <p:cNvPicPr>
+            <a:picLocks noChangeAspect="1"/>
+          </p:cNvPicPr>
+          <p:nvPr/>
+        </p:nvPicPr>
+        <p:blipFill>
+          <a:blip r:embed="rId3" cstate="print">
+            <a:extLst>
+              <a:ext uri="{28A0092B-C50C-407E-A947-70E740481C1C}">
+                <a14:useLocalDpi xmlns:a14="http://schemas.microsoft.com/office/drawing/2010/main" val="0"/>
+              </a:ext>
+            </a:extLst>
+          </a:blip>
+          <a:srcRect/>
+          <a:stretch>
+            <a:fillRect/>
+          </a:stretch>
+        </p:blipFill>
+        <p:spPr bwMode="auto">
+          <a:xfrm>
+            <a:off x="3294639" y="1292887"/>
+            <a:ext cx="2629138" cy="5120640"/>
+          </a:xfrm>
+          <a:prstGeom prst="rect">
+            <a:avLst/>
+          </a:prstGeom>
+          <a:noFill/>
+          <a:ln>
+            <a:noFill/>
+          </a:ln>
+        </p:spPr>
+      </p:pic>
+      <p:pic>
+        <p:nvPicPr>
+          <p:cNvPr id="7" name="图片 6">
+            <a:extLst>
+              <a:ext uri="{FF2B5EF4-FFF2-40B4-BE49-F238E27FC236}">
+                <a16:creationId xmlns:a16="http://schemas.microsoft.com/office/drawing/2014/main" id="{E9C17175-8AC7-42AC-A340-5B2B74591761}"/>
+              </a:ext>
+            </a:extLst>
+          </p:cNvPr>
+          <p:cNvPicPr>
+            <a:picLocks noChangeAspect="1"/>
+          </p:cNvPicPr>
+          <p:nvPr/>
+        </p:nvPicPr>
+        <p:blipFill>
+          <a:blip r:embed="rId4" cstate="print">
+            <a:extLst>
+              <a:ext uri="{28A0092B-C50C-407E-A947-70E740481C1C}">
+                <a14:useLocalDpi xmlns:a14="http://schemas.microsoft.com/office/drawing/2010/main" val="0"/>
+              </a:ext>
+            </a:extLst>
+          </a:blip>
+          <a:srcRect/>
+          <a:stretch>
+            <a:fillRect/>
+          </a:stretch>
+        </p:blipFill>
+        <p:spPr bwMode="auto">
+          <a:xfrm>
+            <a:off x="6228657" y="1292886"/>
+            <a:ext cx="2668117" cy="5120640"/>
+          </a:xfrm>
+          <a:prstGeom prst="rect">
+            <a:avLst/>
+          </a:prstGeom>
+          <a:noFill/>
+          <a:ln>
+            <a:noFill/>
+          </a:ln>
+        </p:spPr>
+      </p:pic>
+      <p:pic>
+        <p:nvPicPr>
+          <p:cNvPr id="8" name="图片 7">
+            <a:extLst>
+              <a:ext uri="{FF2B5EF4-FFF2-40B4-BE49-F238E27FC236}">
+                <a16:creationId xmlns:a16="http://schemas.microsoft.com/office/drawing/2014/main" id="{CB382E5B-91F3-4A6F-A90D-3065A0B2A854}"/>
+              </a:ext>
+            </a:extLst>
+          </p:cNvPr>
+          <p:cNvPicPr>
+            <a:picLocks noChangeAspect="1"/>
+          </p:cNvPicPr>
+          <p:nvPr/>
+        </p:nvPicPr>
+        <p:blipFill>
+          <a:blip r:embed="rId5" cstate="print">
+            <a:extLst>
+              <a:ext uri="{28A0092B-C50C-407E-A947-70E740481C1C}">
+                <a14:useLocalDpi xmlns:a14="http://schemas.microsoft.com/office/drawing/2010/main" val="0"/>
+              </a:ext>
+            </a:extLst>
+          </a:blip>
+          <a:srcRect/>
+          <a:stretch>
+            <a:fillRect/>
+          </a:stretch>
+        </p:blipFill>
+        <p:spPr bwMode="auto">
+          <a:xfrm>
+            <a:off x="9201654" y="1292886"/>
+            <a:ext cx="2619633" cy="5120641"/>
+          </a:xfrm>
+          <a:prstGeom prst="rect">
+            <a:avLst/>
+          </a:prstGeom>
+          <a:noFill/>
+          <a:ln>
+            <a:noFill/>
+          </a:ln>
+        </p:spPr>
+      </p:pic>
+      <p:sp>
+        <p:nvSpPr>
+          <p:cNvPr id="9" name="箭头: 右 8">
+            <a:extLst>
+              <a:ext uri="{FF2B5EF4-FFF2-40B4-BE49-F238E27FC236}">
+                <a16:creationId xmlns:a16="http://schemas.microsoft.com/office/drawing/2014/main" id="{2D7A1733-7C12-44D5-9CF6-BF8724CD5218}"/>
+              </a:ext>
+            </a:extLst>
+          </p:cNvPr>
+          <p:cNvSpPr/>
+          <p:nvPr/>
+        </p:nvSpPr>
+        <p:spPr>
+          <a:xfrm>
+            <a:off x="2989759" y="3610890"/>
+            <a:ext cx="565608" cy="484632"/>
+          </a:xfrm>
+          <a:prstGeom prst="rightArrow">
+            <a:avLst/>
+          </a:prstGeom>
+        </p:spPr>
+        <p:style>
+          <a:lnRef idx="2">
+            <a:schemeClr val="accent1">
+              <a:shade val="50000"/>
+            </a:schemeClr>
+          </a:lnRef>
+          <a:fillRef idx="1">
+            <a:schemeClr val="accent1"/>
+          </a:fillRef>
+          <a:effectRef idx="0">
+            <a:schemeClr val="accent1"/>
+          </a:effectRef>
+          <a:fontRef idx="minor">
+            <a:schemeClr val="lt1"/>
+          </a:fontRef>
+        </p:style>
+        <p:txBody>
+          <a:bodyPr rtlCol="0" anchor="ctr"/>
+          <a:lstStyle/>
+          <a:p>
+            <a:pPr algn="ctr"/>
+            <a:endParaRPr lang="zh-CN" altLang="en-US"/>
+          </a:p>
+        </p:txBody>
+      </p:sp>
+      <p:sp>
+        <p:nvSpPr>
+          <p:cNvPr id="11" name="箭头: 右 10">
+            <a:extLst>
+              <a:ext uri="{FF2B5EF4-FFF2-40B4-BE49-F238E27FC236}">
+                <a16:creationId xmlns:a16="http://schemas.microsoft.com/office/drawing/2014/main" id="{A7556BDE-69D7-459E-8B6C-BD0CC2FF2CC3}"/>
+              </a:ext>
+            </a:extLst>
+          </p:cNvPr>
+          <p:cNvSpPr/>
+          <p:nvPr/>
+        </p:nvSpPr>
+        <p:spPr>
+          <a:xfrm>
+            <a:off x="5836452" y="3610890"/>
+            <a:ext cx="565608" cy="484632"/>
+          </a:xfrm>
+          <a:prstGeom prst="rightArrow">
+            <a:avLst/>
+          </a:prstGeom>
+        </p:spPr>
+        <p:style>
+          <a:lnRef idx="2">
+            <a:schemeClr val="accent1">
+              <a:shade val="50000"/>
+            </a:schemeClr>
+          </a:lnRef>
+          <a:fillRef idx="1">
+            <a:schemeClr val="accent1"/>
+          </a:fillRef>
+          <a:effectRef idx="0">
+            <a:schemeClr val="accent1"/>
+          </a:effectRef>
+          <a:fontRef idx="minor">
+            <a:schemeClr val="lt1"/>
+          </a:fontRef>
+        </p:style>
+        <p:txBody>
+          <a:bodyPr rtlCol="0" anchor="ctr"/>
+          <a:lstStyle/>
+          <a:p>
+            <a:pPr algn="ctr"/>
+            <a:endParaRPr lang="zh-CN" altLang="en-US"/>
+          </a:p>
+        </p:txBody>
+      </p:sp>
+      <p:sp>
+        <p:nvSpPr>
+          <p:cNvPr id="12" name="箭头: 右 11">
+            <a:extLst>
+              <a:ext uri="{FF2B5EF4-FFF2-40B4-BE49-F238E27FC236}">
+                <a16:creationId xmlns:a16="http://schemas.microsoft.com/office/drawing/2014/main" id="{5DEB2C5A-A548-4EC1-8131-7411FC575E58}"/>
+              </a:ext>
+            </a:extLst>
+          </p:cNvPr>
+          <p:cNvSpPr/>
+          <p:nvPr/>
+        </p:nvSpPr>
+        <p:spPr>
+          <a:xfrm>
+            <a:off x="8940926" y="3608533"/>
+            <a:ext cx="565608" cy="484632"/>
+          </a:xfrm>
+          <a:prstGeom prst="rightArrow">
+            <a:avLst/>
+          </a:prstGeom>
+        </p:spPr>
+        <p:style>
+          <a:lnRef idx="2">
+            <a:schemeClr val="accent1">
+              <a:shade val="50000"/>
+            </a:schemeClr>
+          </a:lnRef>
+          <a:fillRef idx="1">
+            <a:schemeClr val="accent1"/>
+          </a:fillRef>
+          <a:effectRef idx="0">
+            <a:schemeClr val="accent1"/>
+          </a:effectRef>
+          <a:fontRef idx="minor">
+            <a:schemeClr val="lt1"/>
+          </a:fontRef>
+        </p:style>
+        <p:txBody>
+          <a:bodyPr rtlCol="0" anchor="ctr"/>
+          <a:lstStyle/>
+          <a:p>
+            <a:pPr algn="ctr"/>
+            <a:endParaRPr lang="zh-CN" altLang="en-US"/>
+          </a:p>
+        </p:txBody>
+      </p:sp>
+    </p:spTree>
+    <p:extLst>
+      <p:ext uri="{BB962C8B-B14F-4D97-AF65-F5344CB8AC3E}">
+        <p14:creationId xmlns:p14="http://schemas.microsoft.com/office/powerpoint/2010/main" val="3017840852"/>
+      </p:ext>
+    </p:extLst>
+  </p:cSld>
+  <p:clrMapOvr>
+    <a:masterClrMapping/>
+  </p:clrMapOvr>
+</p:sld>
+</file>
+
+<file path=ppt/slides/slide13.xml><?xml version="1.0" encoding="utf-8"?>
+<p:sld xmlns:a="http://schemas.openxmlformats.org/drawingml/2006/main" xmlns:r="http://schemas.openxmlformats.org/officeDocument/2006/relationships" xmlns:p="http://schemas.openxmlformats.org/presentationml/2006/main">
+  <p:cSld>
+    <p:spTree>
+      <p:nvGrpSpPr>
+        <p:cNvPr id="1" name=""/>
+        <p:cNvGrpSpPr/>
+        <p:nvPr/>
+      </p:nvGrpSpPr>
+      <p:grpSpPr>
+        <a:xfrm>
+          <a:off x="0" y="0"/>
+          <a:ext cx="0" cy="0"/>
+          <a:chOff x="0" y="0"/>
+          <a:chExt cx="0" cy="0"/>
+        </a:xfrm>
+      </p:grpSpPr>
+      <p:sp>
+        <p:nvSpPr>
+          <p:cNvPr id="2" name="标题 1">
+            <a:extLst>
+              <a:ext uri="{FF2B5EF4-FFF2-40B4-BE49-F238E27FC236}">
+                <a16:creationId xmlns:a16="http://schemas.microsoft.com/office/drawing/2014/main" id="{39836BC2-5A55-4C4D-AC4A-21D8B419719E}"/>
+              </a:ext>
+            </a:extLst>
+          </p:cNvPr>
+          <p:cNvSpPr>
+            <a:spLocks noGrp="1"/>
+          </p:cNvSpPr>
+          <p:nvPr>
+            <p:ph type="title"/>
+          </p:nvPr>
+        </p:nvSpPr>
+        <p:spPr>
+          <a:xfrm>
+            <a:off x="753359" y="91748"/>
+            <a:ext cx="10515600" cy="1325563"/>
+          </a:xfrm>
+        </p:spPr>
+        <p:txBody>
+          <a:bodyPr/>
+          <a:lstStyle/>
+          <a:p>
+            <a:r>
+              <a:rPr lang="zh-CN" altLang="en-US" b="1" dirty="0">
+                <a:latin typeface="黑体" panose="02010609060101010101" pitchFamily="49" charset="-122"/>
+                <a:ea typeface="黑体" panose="02010609060101010101" pitchFamily="49" charset="-122"/>
+              </a:rPr>
+              <a:t>商城逻辑</a:t>
+            </a:r>
+          </a:p>
+        </p:txBody>
+      </p:sp>
+      <p:pic>
+        <p:nvPicPr>
+          <p:cNvPr id="4" name="图片 3">
+            <a:extLst>
+              <a:ext uri="{FF2B5EF4-FFF2-40B4-BE49-F238E27FC236}">
+                <a16:creationId xmlns:a16="http://schemas.microsoft.com/office/drawing/2014/main" id="{2E47470D-17D5-478C-9E19-5AF4D7416370}"/>
+              </a:ext>
+            </a:extLst>
+          </p:cNvPr>
+          <p:cNvPicPr>
+            <a:picLocks noChangeAspect="1"/>
+          </p:cNvPicPr>
+          <p:nvPr/>
+        </p:nvPicPr>
+        <p:blipFill>
+          <a:blip r:embed="rId2" cstate="print">
+            <a:extLst>
+              <a:ext uri="{28A0092B-C50C-407E-A947-70E740481C1C}">
+                <a14:useLocalDpi xmlns:a14="http://schemas.microsoft.com/office/drawing/2010/main" val="0"/>
+              </a:ext>
+            </a:extLst>
+          </a:blip>
+          <a:srcRect/>
+          <a:stretch>
+            <a:fillRect/>
+          </a:stretch>
+        </p:blipFill>
+        <p:spPr bwMode="auto">
+          <a:xfrm>
+            <a:off x="1300489" y="1145906"/>
+            <a:ext cx="2822575" cy="5471160"/>
+          </a:xfrm>
+          <a:prstGeom prst="rect">
+            <a:avLst/>
+          </a:prstGeom>
+          <a:noFill/>
+          <a:ln>
+            <a:noFill/>
+          </a:ln>
+        </p:spPr>
+      </p:pic>
+      <p:pic>
+        <p:nvPicPr>
+          <p:cNvPr id="5" name="图片 4">
+            <a:extLst>
+              <a:ext uri="{FF2B5EF4-FFF2-40B4-BE49-F238E27FC236}">
+                <a16:creationId xmlns:a16="http://schemas.microsoft.com/office/drawing/2014/main" id="{0714FCD2-B1CC-444A-A70A-61714830B84B}"/>
+              </a:ext>
+            </a:extLst>
+          </p:cNvPr>
+          <p:cNvPicPr>
+            <a:picLocks noChangeAspect="1"/>
+          </p:cNvPicPr>
+          <p:nvPr/>
+        </p:nvPicPr>
+        <p:blipFill>
+          <a:blip r:embed="rId3" cstate="print">
+            <a:extLst>
+              <a:ext uri="{28A0092B-C50C-407E-A947-70E740481C1C}">
+                <a14:useLocalDpi xmlns:a14="http://schemas.microsoft.com/office/drawing/2010/main" val="0"/>
+              </a:ext>
+            </a:extLst>
+          </a:blip>
+          <a:srcRect/>
+          <a:stretch>
+            <a:fillRect/>
+          </a:stretch>
+        </p:blipFill>
+        <p:spPr bwMode="auto">
+          <a:xfrm>
+            <a:off x="5968780" y="1145906"/>
+            <a:ext cx="2804025" cy="5471160"/>
+          </a:xfrm>
+          <a:prstGeom prst="rect">
+            <a:avLst/>
+          </a:prstGeom>
+          <a:noFill/>
+          <a:ln>
+            <a:noFill/>
+          </a:ln>
+        </p:spPr>
+      </p:pic>
+      <p:sp>
+        <p:nvSpPr>
+          <p:cNvPr id="6" name="箭头: 右 5">
+            <a:extLst>
+              <a:ext uri="{FF2B5EF4-FFF2-40B4-BE49-F238E27FC236}">
+                <a16:creationId xmlns:a16="http://schemas.microsoft.com/office/drawing/2014/main" id="{12767CB0-00F9-480E-8BC3-B440934F8434}"/>
+              </a:ext>
+            </a:extLst>
+          </p:cNvPr>
+          <p:cNvSpPr/>
+          <p:nvPr/>
+        </p:nvSpPr>
+        <p:spPr>
+          <a:xfrm>
+            <a:off x="4670194" y="3429000"/>
+            <a:ext cx="978408" cy="484632"/>
+          </a:xfrm>
+          <a:prstGeom prst="rightArrow">
+            <a:avLst/>
+          </a:prstGeom>
+        </p:spPr>
+        <p:style>
+          <a:lnRef idx="2">
+            <a:schemeClr val="accent1">
+              <a:shade val="50000"/>
+            </a:schemeClr>
+          </a:lnRef>
+          <a:fillRef idx="1">
+            <a:schemeClr val="accent1"/>
+          </a:fillRef>
+          <a:effectRef idx="0">
+            <a:schemeClr val="accent1"/>
+          </a:effectRef>
+          <a:fontRef idx="minor">
+            <a:schemeClr val="lt1"/>
+          </a:fontRef>
+        </p:style>
+        <p:txBody>
+          <a:bodyPr rtlCol="0" anchor="ctr"/>
+          <a:lstStyle/>
+          <a:p>
+            <a:pPr algn="ctr"/>
+            <a:endParaRPr lang="zh-CN" altLang="en-US"/>
+          </a:p>
+        </p:txBody>
+      </p:sp>
+    </p:spTree>
+    <p:extLst>
+      <p:ext uri="{BB962C8B-B14F-4D97-AF65-F5344CB8AC3E}">
+        <p14:creationId xmlns:p14="http://schemas.microsoft.com/office/powerpoint/2010/main" val="192011773"/>
+      </p:ext>
+    </p:extLst>
+  </p:cSld>
+  <p:clrMapOvr>
+    <a:masterClrMapping/>
+  </p:clrMapOvr>
+</p:sld>
+</file>
+
+<file path=ppt/slides/slide14.xml><?xml version="1.0" encoding="utf-8"?>
+<p:sld xmlns:a="http://schemas.openxmlformats.org/drawingml/2006/main" xmlns:r="http://schemas.openxmlformats.org/officeDocument/2006/relationships" xmlns:p="http://schemas.openxmlformats.org/presentationml/2006/main">
+  <p:cSld>
+    <p:spTree>
+      <p:nvGrpSpPr>
+        <p:cNvPr id="1" name=""/>
+        <p:cNvGrpSpPr/>
+        <p:nvPr/>
+      </p:nvGrpSpPr>
+      <p:grpSpPr>
+        <a:xfrm>
+          <a:off x="0" y="0"/>
+          <a:ext cx="0" cy="0"/>
+          <a:chOff x="0" y="0"/>
+          <a:chExt cx="0" cy="0"/>
+        </a:xfrm>
+      </p:grpSpPr>
+      <p:sp>
+        <p:nvSpPr>
+          <p:cNvPr id="2" name="标题 1">
+            <a:extLst>
+              <a:ext uri="{FF2B5EF4-FFF2-40B4-BE49-F238E27FC236}">
+                <a16:creationId xmlns:a16="http://schemas.microsoft.com/office/drawing/2014/main" id="{47018EB5-D505-406B-9F91-5412CA72A6A0}"/>
+              </a:ext>
+            </a:extLst>
+          </p:cNvPr>
+          <p:cNvSpPr>
+            <a:spLocks noGrp="1"/>
+          </p:cNvSpPr>
+          <p:nvPr>
+            <p:ph type="title"/>
+          </p:nvPr>
+        </p:nvSpPr>
+        <p:spPr>
+          <a:xfrm>
+            <a:off x="838200" y="18255"/>
+            <a:ext cx="10515600" cy="1325563"/>
+          </a:xfrm>
+        </p:spPr>
+        <p:txBody>
+          <a:bodyPr/>
+          <a:lstStyle/>
+          <a:p>
+            <a:r>
+              <a:rPr lang="zh-CN" altLang="en-US" b="1" dirty="0">
+                <a:latin typeface="黑体" panose="02010609060101010101" pitchFamily="49" charset="-122"/>
+                <a:ea typeface="黑体" panose="02010609060101010101" pitchFamily="49" charset="-122"/>
+              </a:rPr>
+              <a:t>搜索逻辑</a:t>
+            </a:r>
+          </a:p>
+        </p:txBody>
+      </p:sp>
+      <p:pic>
+        <p:nvPicPr>
+          <p:cNvPr id="4" name="图片 3">
+            <a:extLst>
+              <a:ext uri="{FF2B5EF4-FFF2-40B4-BE49-F238E27FC236}">
+                <a16:creationId xmlns:a16="http://schemas.microsoft.com/office/drawing/2014/main" id="{AEF9F7E5-6792-4BEE-9CEC-974D0F3676A4}"/>
+              </a:ext>
+            </a:extLst>
+          </p:cNvPr>
+          <p:cNvPicPr>
+            <a:picLocks noChangeAspect="1"/>
+          </p:cNvPicPr>
+          <p:nvPr/>
+        </p:nvPicPr>
+        <p:blipFill>
+          <a:blip r:embed="rId2" cstate="print">
+            <a:extLst>
+              <a:ext uri="{28A0092B-C50C-407E-A947-70E740481C1C}">
+                <a14:useLocalDpi xmlns:a14="http://schemas.microsoft.com/office/drawing/2010/main" val="0"/>
+              </a:ext>
+            </a:extLst>
+          </a:blip>
+          <a:srcRect/>
+          <a:stretch>
+            <a:fillRect/>
+          </a:stretch>
+        </p:blipFill>
+        <p:spPr bwMode="auto">
+          <a:xfrm>
+            <a:off x="1607757" y="1206631"/>
+            <a:ext cx="2652155" cy="5184927"/>
+          </a:xfrm>
+          <a:prstGeom prst="rect">
+            <a:avLst/>
+          </a:prstGeom>
+          <a:noFill/>
+          <a:ln>
+            <a:noFill/>
+          </a:ln>
+        </p:spPr>
+      </p:pic>
+      <p:pic>
+        <p:nvPicPr>
+          <p:cNvPr id="5" name="图片 4">
+            <a:extLst>
+              <a:ext uri="{FF2B5EF4-FFF2-40B4-BE49-F238E27FC236}">
+                <a16:creationId xmlns:a16="http://schemas.microsoft.com/office/drawing/2014/main" id="{958BB640-3CA4-4C68-B4E6-B1BD7DFC8C41}"/>
+              </a:ext>
+            </a:extLst>
+          </p:cNvPr>
+          <p:cNvPicPr>
+            <a:picLocks noChangeAspect="1"/>
+          </p:cNvPicPr>
+          <p:nvPr/>
+        </p:nvPicPr>
+        <p:blipFill>
+          <a:blip r:embed="rId3" cstate="print">
+            <a:extLst>
+              <a:ext uri="{28A0092B-C50C-407E-A947-70E740481C1C}">
+                <a14:useLocalDpi xmlns:a14="http://schemas.microsoft.com/office/drawing/2010/main" val="0"/>
+              </a:ext>
+            </a:extLst>
+          </a:blip>
+          <a:srcRect/>
+          <a:stretch>
+            <a:fillRect/>
+          </a:stretch>
+        </p:blipFill>
+        <p:spPr bwMode="auto">
+          <a:xfrm>
+            <a:off x="5511331" y="1206631"/>
+            <a:ext cx="2750540" cy="5184927"/>
+          </a:xfrm>
+          <a:prstGeom prst="rect">
+            <a:avLst/>
+          </a:prstGeom>
+          <a:noFill/>
+          <a:ln>
+            <a:noFill/>
+          </a:ln>
+        </p:spPr>
+      </p:pic>
+      <p:sp>
+        <p:nvSpPr>
+          <p:cNvPr id="6" name="箭头: 右 5">
+            <a:extLst>
+              <a:ext uri="{FF2B5EF4-FFF2-40B4-BE49-F238E27FC236}">
+                <a16:creationId xmlns:a16="http://schemas.microsoft.com/office/drawing/2014/main" id="{082EBCA1-2C8E-4FA3-B7A5-A8BA06609772}"/>
+              </a:ext>
+            </a:extLst>
+          </p:cNvPr>
+          <p:cNvSpPr/>
+          <p:nvPr/>
+        </p:nvSpPr>
+        <p:spPr>
+          <a:xfrm>
+            <a:off x="4519052" y="3556778"/>
+            <a:ext cx="978408" cy="484632"/>
+          </a:xfrm>
+          <a:prstGeom prst="rightArrow">
+            <a:avLst/>
+          </a:prstGeom>
+        </p:spPr>
+        <p:style>
+          <a:lnRef idx="2">
+            <a:schemeClr val="accent1">
+              <a:shade val="50000"/>
+            </a:schemeClr>
+          </a:lnRef>
+          <a:fillRef idx="1">
+            <a:schemeClr val="accent1"/>
+          </a:fillRef>
+          <a:effectRef idx="0">
+            <a:schemeClr val="accent1"/>
+          </a:effectRef>
+          <a:fontRef idx="minor">
+            <a:schemeClr val="lt1"/>
+          </a:fontRef>
+        </p:style>
+        <p:txBody>
+          <a:bodyPr rtlCol="0" anchor="ctr"/>
+          <a:lstStyle/>
+          <a:p>
+            <a:pPr algn="ctr"/>
+            <a:endParaRPr lang="zh-CN" altLang="en-US"/>
+          </a:p>
+        </p:txBody>
+      </p:sp>
+    </p:spTree>
+    <p:extLst>
+      <p:ext uri="{BB962C8B-B14F-4D97-AF65-F5344CB8AC3E}">
+        <p14:creationId xmlns:p14="http://schemas.microsoft.com/office/powerpoint/2010/main" val="3893742467"/>
+      </p:ext>
+    </p:extLst>
+  </p:cSld>
+  <p:clrMapOvr>
+    <a:masterClrMapping/>
+  </p:clrMapOvr>
+</p:sld>
+</file>
+
+<file path=ppt/slides/slide15.xml><?xml version="1.0" encoding="utf-8"?>
+<p:sld xmlns:a="http://schemas.openxmlformats.org/drawingml/2006/main" xmlns:r="http://schemas.openxmlformats.org/officeDocument/2006/relationships" xmlns:p="http://schemas.openxmlformats.org/presentationml/2006/main">
+  <p:cSld>
+    <p:spTree>
+      <p:nvGrpSpPr>
+        <p:cNvPr id="1" name=""/>
+        <p:cNvGrpSpPr/>
+        <p:nvPr/>
+      </p:nvGrpSpPr>
+      <p:grpSpPr>
+        <a:xfrm>
+          <a:off x="0" y="0"/>
+          <a:ext cx="0" cy="0"/>
+          <a:chOff x="0" y="0"/>
+          <a:chExt cx="0" cy="0"/>
+        </a:xfrm>
+      </p:grpSpPr>
+      <p:sp>
+        <p:nvSpPr>
+          <p:cNvPr id="2" name="标题 1">
+            <a:extLst>
+              <a:ext uri="{FF2B5EF4-FFF2-40B4-BE49-F238E27FC236}">
+                <a16:creationId xmlns:a16="http://schemas.microsoft.com/office/drawing/2014/main" id="{B9E9B96A-5B22-4139-B744-9743647E71E8}"/>
+              </a:ext>
+            </a:extLst>
+          </p:cNvPr>
+          <p:cNvSpPr>
+            <a:spLocks noGrp="1"/>
+          </p:cNvSpPr>
+          <p:nvPr>
+            <p:ph type="title"/>
+          </p:nvPr>
+        </p:nvSpPr>
+        <p:spPr>
+          <a:xfrm>
+            <a:off x="838200" y="157735"/>
+            <a:ext cx="10515600" cy="1325563"/>
+          </a:xfrm>
+        </p:spPr>
+        <p:txBody>
+          <a:bodyPr/>
+          <a:lstStyle/>
+          <a:p>
+            <a:r>
+              <a:rPr lang="zh-CN" altLang="en-US" b="1" dirty="0">
+                <a:latin typeface="黑体" panose="02010609060101010101" pitchFamily="49" charset="-122"/>
+                <a:ea typeface="黑体" panose="02010609060101010101" pitchFamily="49" charset="-122"/>
+              </a:rPr>
+              <a:t>支付逻辑</a:t>
+            </a:r>
+          </a:p>
+        </p:txBody>
+      </p:sp>
+      <p:pic>
+        <p:nvPicPr>
+          <p:cNvPr id="5" name="图片 4">
+            <a:extLst>
+              <a:ext uri="{FF2B5EF4-FFF2-40B4-BE49-F238E27FC236}">
+                <a16:creationId xmlns:a16="http://schemas.microsoft.com/office/drawing/2014/main" id="{35AF2C37-8B35-4088-82C8-2B4ED91046B5}"/>
+              </a:ext>
+            </a:extLst>
+          </p:cNvPr>
+          <p:cNvPicPr>
+            <a:picLocks noChangeAspect="1"/>
+          </p:cNvPicPr>
+          <p:nvPr/>
+        </p:nvPicPr>
+        <p:blipFill>
+          <a:blip r:embed="rId2">
+            <a:extLst>
+              <a:ext uri="{28A0092B-C50C-407E-A947-70E740481C1C}">
+                <a14:useLocalDpi xmlns:a14="http://schemas.microsoft.com/office/drawing/2010/main" val="0"/>
+              </a:ext>
+            </a:extLst>
+          </a:blip>
+          <a:stretch>
+            <a:fillRect/>
+          </a:stretch>
+        </p:blipFill>
+        <p:spPr>
+          <a:xfrm>
+            <a:off x="415492" y="1760254"/>
+            <a:ext cx="2258289" cy="4317477"/>
+          </a:xfrm>
+          <a:prstGeom prst="rect">
+            <a:avLst/>
+          </a:prstGeom>
+        </p:spPr>
+      </p:pic>
+      <p:pic>
+        <p:nvPicPr>
+          <p:cNvPr id="7" name="图片 6">
+            <a:extLst>
+              <a:ext uri="{FF2B5EF4-FFF2-40B4-BE49-F238E27FC236}">
+                <a16:creationId xmlns:a16="http://schemas.microsoft.com/office/drawing/2014/main" id="{08686828-C945-448A-8C3C-1FAB77A76F1F}"/>
+              </a:ext>
+            </a:extLst>
+          </p:cNvPr>
+          <p:cNvPicPr>
+            <a:picLocks noChangeAspect="1"/>
+          </p:cNvPicPr>
+          <p:nvPr/>
+        </p:nvPicPr>
+        <p:blipFill>
+          <a:blip r:embed="rId3">
+            <a:extLst>
+              <a:ext uri="{28A0092B-C50C-407E-A947-70E740481C1C}">
+                <a14:useLocalDpi xmlns:a14="http://schemas.microsoft.com/office/drawing/2010/main" val="0"/>
+              </a:ext>
+            </a:extLst>
+          </a:blip>
+          <a:stretch>
+            <a:fillRect/>
+          </a:stretch>
+        </p:blipFill>
+        <p:spPr>
+          <a:xfrm>
+            <a:off x="3155800" y="1760254"/>
+            <a:ext cx="2209438" cy="4317477"/>
+          </a:xfrm>
+          <a:prstGeom prst="rect">
+            <a:avLst/>
+          </a:prstGeom>
+        </p:spPr>
+      </p:pic>
+      <p:pic>
+        <p:nvPicPr>
+          <p:cNvPr id="9" name="图片 8">
+            <a:extLst>
+              <a:ext uri="{FF2B5EF4-FFF2-40B4-BE49-F238E27FC236}">
+                <a16:creationId xmlns:a16="http://schemas.microsoft.com/office/drawing/2014/main" id="{FF17E90D-A3BF-48CB-B2DF-33898E7ABB18}"/>
+              </a:ext>
+            </a:extLst>
+          </p:cNvPr>
+          <p:cNvPicPr>
+            <a:picLocks noChangeAspect="1"/>
+          </p:cNvPicPr>
+          <p:nvPr/>
+        </p:nvPicPr>
+        <p:blipFill>
+          <a:blip r:embed="rId4">
+            <a:extLst>
+              <a:ext uri="{28A0092B-C50C-407E-A947-70E740481C1C}">
+                <a14:useLocalDpi xmlns:a14="http://schemas.microsoft.com/office/drawing/2010/main" val="0"/>
+              </a:ext>
+            </a:extLst>
+          </a:blip>
+          <a:stretch>
+            <a:fillRect/>
+          </a:stretch>
+        </p:blipFill>
+        <p:spPr>
+          <a:xfrm>
+            <a:off x="5959841" y="1760254"/>
+            <a:ext cx="2307857" cy="4317477"/>
+          </a:xfrm>
+          <a:prstGeom prst="rect">
+            <a:avLst/>
+          </a:prstGeom>
+        </p:spPr>
+      </p:pic>
+      <p:sp>
+        <p:nvSpPr>
+          <p:cNvPr id="10" name="箭头: 右 9">
+            <a:extLst>
+              <a:ext uri="{FF2B5EF4-FFF2-40B4-BE49-F238E27FC236}">
+                <a16:creationId xmlns:a16="http://schemas.microsoft.com/office/drawing/2014/main" id="{9727C4DF-EBCD-49A6-A128-22AE62A8E4B2}"/>
+              </a:ext>
+            </a:extLst>
+          </p:cNvPr>
+          <p:cNvSpPr/>
+          <p:nvPr/>
+        </p:nvSpPr>
+        <p:spPr>
+          <a:xfrm>
+            <a:off x="2743633" y="3676676"/>
+            <a:ext cx="609968" cy="484632"/>
+          </a:xfrm>
+          <a:prstGeom prst="rightArrow">
+            <a:avLst/>
+          </a:prstGeom>
+        </p:spPr>
+        <p:style>
+          <a:lnRef idx="2">
+            <a:schemeClr val="accent1">
+              <a:shade val="50000"/>
+            </a:schemeClr>
+          </a:lnRef>
+          <a:fillRef idx="1">
+            <a:schemeClr val="accent1"/>
+          </a:fillRef>
+          <a:effectRef idx="0">
+            <a:schemeClr val="accent1"/>
+          </a:effectRef>
+          <a:fontRef idx="minor">
+            <a:schemeClr val="lt1"/>
+          </a:fontRef>
+        </p:style>
+        <p:txBody>
+          <a:bodyPr rtlCol="0" anchor="ctr"/>
+          <a:lstStyle/>
+          <a:p>
+            <a:pPr algn="ctr"/>
+            <a:endParaRPr lang="zh-CN" altLang="en-US"/>
+          </a:p>
+        </p:txBody>
+      </p:sp>
+      <p:sp>
+        <p:nvSpPr>
+          <p:cNvPr id="11" name="箭头: 右 10">
+            <a:extLst>
+              <a:ext uri="{FF2B5EF4-FFF2-40B4-BE49-F238E27FC236}">
+                <a16:creationId xmlns:a16="http://schemas.microsoft.com/office/drawing/2014/main" id="{0507D7DA-9521-4EF2-9093-0AA55E038ECC}"/>
+              </a:ext>
+            </a:extLst>
+          </p:cNvPr>
+          <p:cNvSpPr/>
+          <p:nvPr/>
+        </p:nvSpPr>
+        <p:spPr>
+          <a:xfrm>
+            <a:off x="5472421" y="3676676"/>
+            <a:ext cx="609968" cy="484632"/>
+          </a:xfrm>
+          <a:prstGeom prst="rightArrow">
+            <a:avLst/>
+          </a:prstGeom>
+        </p:spPr>
+        <p:style>
+          <a:lnRef idx="2">
+            <a:schemeClr val="accent1">
+              <a:shade val="50000"/>
+            </a:schemeClr>
+          </a:lnRef>
+          <a:fillRef idx="1">
+            <a:schemeClr val="accent1"/>
+          </a:fillRef>
+          <a:effectRef idx="0">
+            <a:schemeClr val="accent1"/>
+          </a:effectRef>
+          <a:fontRef idx="minor">
+            <a:schemeClr val="lt1"/>
+          </a:fontRef>
+        </p:style>
+        <p:txBody>
+          <a:bodyPr rtlCol="0" anchor="ctr"/>
+          <a:lstStyle/>
+          <a:p>
+            <a:pPr algn="ctr"/>
+            <a:endParaRPr lang="zh-CN" altLang="en-US"/>
+          </a:p>
+        </p:txBody>
+      </p:sp>
+      <p:pic>
+        <p:nvPicPr>
+          <p:cNvPr id="13" name="图片 12">
+            <a:extLst>
+              <a:ext uri="{FF2B5EF4-FFF2-40B4-BE49-F238E27FC236}">
+                <a16:creationId xmlns:a16="http://schemas.microsoft.com/office/drawing/2014/main" id="{4B994B67-1AAC-4E98-87DB-922A889C2906}"/>
+              </a:ext>
+            </a:extLst>
+          </p:cNvPr>
+          <p:cNvPicPr>
+            <a:picLocks noChangeAspect="1"/>
+          </p:cNvPicPr>
+          <p:nvPr/>
+        </p:nvPicPr>
+        <p:blipFill>
+          <a:blip r:embed="rId5"/>
+          <a:stretch>
+            <a:fillRect/>
+          </a:stretch>
+        </p:blipFill>
+        <p:spPr>
+          <a:xfrm>
+            <a:off x="8862301" y="1760254"/>
+            <a:ext cx="2412503" cy="4317477"/>
+          </a:xfrm>
+          <a:prstGeom prst="rect">
+            <a:avLst/>
+          </a:prstGeom>
+        </p:spPr>
+      </p:pic>
+      <p:sp>
+        <p:nvSpPr>
+          <p:cNvPr id="14" name="箭头: 右 13">
+            <a:extLst>
+              <a:ext uri="{FF2B5EF4-FFF2-40B4-BE49-F238E27FC236}">
+                <a16:creationId xmlns:a16="http://schemas.microsoft.com/office/drawing/2014/main" id="{5A5C72EB-A78F-49C5-A5ED-59493094DA32}"/>
+              </a:ext>
+            </a:extLst>
+          </p:cNvPr>
+          <p:cNvSpPr/>
+          <p:nvPr/>
+        </p:nvSpPr>
+        <p:spPr>
+          <a:xfrm>
+            <a:off x="8145150" y="3676676"/>
+            <a:ext cx="609968" cy="484632"/>
+          </a:xfrm>
+          <a:prstGeom prst="rightArrow">
+            <a:avLst/>
+          </a:prstGeom>
+        </p:spPr>
+        <p:style>
+          <a:lnRef idx="2">
+            <a:schemeClr val="accent1">
+              <a:shade val="50000"/>
+            </a:schemeClr>
+          </a:lnRef>
+          <a:fillRef idx="1">
+            <a:schemeClr val="accent1"/>
+          </a:fillRef>
+          <a:effectRef idx="0">
+            <a:schemeClr val="accent1"/>
+          </a:effectRef>
+          <a:fontRef idx="minor">
+            <a:schemeClr val="lt1"/>
+          </a:fontRef>
+        </p:style>
+        <p:txBody>
+          <a:bodyPr rtlCol="0" anchor="ctr"/>
+          <a:lstStyle/>
+          <a:p>
+            <a:pPr algn="ctr"/>
+            <a:endParaRPr lang="zh-CN" altLang="en-US"/>
+          </a:p>
+        </p:txBody>
+      </p:sp>
+    </p:spTree>
+    <p:extLst>
+      <p:ext uri="{BB962C8B-B14F-4D97-AF65-F5344CB8AC3E}">
+        <p14:creationId xmlns:p14="http://schemas.microsoft.com/office/powerpoint/2010/main" val="1675901308"/>
+      </p:ext>
+    </p:extLst>
+  </p:cSld>
+  <p:clrMapOvr>
+    <a:masterClrMapping/>
+  </p:clrMapOvr>
+</p:sld>
+</file>
+
+<file path=ppt/slides/slide16.xml><?xml version="1.0" encoding="utf-8"?>
+<p:sld xmlns:a="http://schemas.openxmlformats.org/drawingml/2006/main" xmlns:r="http://schemas.openxmlformats.org/officeDocument/2006/relationships" xmlns:p="http://schemas.openxmlformats.org/presentationml/2006/main">
+  <p:cSld>
+    <p:spTree>
+      <p:nvGrpSpPr>
+        <p:cNvPr id="1" name=""/>
+        <p:cNvGrpSpPr/>
+        <p:nvPr/>
+      </p:nvGrpSpPr>
+      <p:grpSpPr>
+        <a:xfrm>
+          <a:off x="0" y="0"/>
+          <a:ext cx="0" cy="0"/>
+          <a:chOff x="0" y="0"/>
+          <a:chExt cx="0" cy="0"/>
+        </a:xfrm>
+      </p:grpSpPr>
+      <p:sp>
+        <p:nvSpPr>
+          <p:cNvPr id="2" name="标题 1">
+            <a:extLst>
+              <a:ext uri="{FF2B5EF4-FFF2-40B4-BE49-F238E27FC236}">
+                <a16:creationId xmlns:a16="http://schemas.microsoft.com/office/drawing/2014/main" id="{6B4AF6B8-F3A2-4514-97B3-B992B6F12F02}"/>
+              </a:ext>
+            </a:extLst>
+          </p:cNvPr>
+          <p:cNvSpPr>
+            <a:spLocks noGrp="1"/>
+          </p:cNvSpPr>
+          <p:nvPr>
+            <p:ph type="title"/>
+          </p:nvPr>
+        </p:nvSpPr>
+        <p:spPr/>
+        <p:txBody>
+          <a:bodyPr/>
+          <a:lstStyle/>
+          <a:p>
+            <a:r>
+              <a:rPr lang="zh-CN" altLang="en-US" b="1" dirty="0">
+                <a:latin typeface="黑体" panose="02010609060101010101" pitchFamily="49" charset="-122"/>
+                <a:ea typeface="黑体" panose="02010609060101010101" pitchFamily="49" charset="-122"/>
+              </a:rPr>
+              <a:t>用户系统</a:t>
+            </a:r>
+          </a:p>
+        </p:txBody>
+      </p:sp>
+      <p:sp>
+        <p:nvSpPr>
+          <p:cNvPr id="3" name="内容占位符 2">
+            <a:extLst>
+              <a:ext uri="{FF2B5EF4-FFF2-40B4-BE49-F238E27FC236}">
+                <a16:creationId xmlns:a16="http://schemas.microsoft.com/office/drawing/2014/main" id="{1D8395E8-BC0D-425F-BB1C-E5E82E158DCD}"/>
+              </a:ext>
+            </a:extLst>
+          </p:cNvPr>
+          <p:cNvSpPr>
+            <a:spLocks noGrp="1"/>
+          </p:cNvSpPr>
+          <p:nvPr>
+            <p:ph idx="1"/>
+          </p:nvPr>
+        </p:nvSpPr>
+        <p:spPr>
+          <a:xfrm>
+            <a:off x="787964" y="1429699"/>
+            <a:ext cx="10515600" cy="4351338"/>
+          </a:xfrm>
+        </p:spPr>
+        <p:txBody>
+          <a:bodyPr/>
+          <a:lstStyle/>
+          <a:p>
+            <a:r>
+              <a:rPr lang="zh-CN" altLang="en-US" dirty="0"/>
+              <a:t>      主图                     设置                              账号</a:t>
+            </a:r>
+          </a:p>
+        </p:txBody>
+      </p:sp>
+      <p:pic>
+        <p:nvPicPr>
+          <p:cNvPr id="5" name="图片 4">
+            <a:extLst>
+              <a:ext uri="{FF2B5EF4-FFF2-40B4-BE49-F238E27FC236}">
+                <a16:creationId xmlns:a16="http://schemas.microsoft.com/office/drawing/2014/main" id="{78E7FD50-A4BC-4E9B-B3C4-A90EA930AD7F}"/>
+              </a:ext>
+            </a:extLst>
+          </p:cNvPr>
+          <p:cNvPicPr>
+            <a:picLocks noChangeAspect="1"/>
+          </p:cNvPicPr>
+          <p:nvPr/>
+        </p:nvPicPr>
+        <p:blipFill>
+          <a:blip r:embed="rId2">
+            <a:extLst>
+              <a:ext uri="{28A0092B-C50C-407E-A947-70E740481C1C}">
+                <a14:useLocalDpi xmlns:a14="http://schemas.microsoft.com/office/drawing/2010/main" val="0"/>
+              </a:ext>
+            </a:extLst>
+          </a:blip>
+          <a:stretch>
+            <a:fillRect/>
+          </a:stretch>
+        </p:blipFill>
+        <p:spPr>
+          <a:xfrm>
+            <a:off x="737728" y="1825625"/>
+            <a:ext cx="2555519" cy="4712895"/>
+          </a:xfrm>
+          <a:prstGeom prst="rect">
+            <a:avLst/>
+          </a:prstGeom>
+        </p:spPr>
+      </p:pic>
+      <p:pic>
+        <p:nvPicPr>
+          <p:cNvPr id="6" name="图片 5">
+            <a:extLst>
+              <a:ext uri="{FF2B5EF4-FFF2-40B4-BE49-F238E27FC236}">
+                <a16:creationId xmlns:a16="http://schemas.microsoft.com/office/drawing/2014/main" id="{FA0D3419-6ACC-4614-9A64-7835015E957E}"/>
+              </a:ext>
+            </a:extLst>
+          </p:cNvPr>
+          <p:cNvPicPr>
+            <a:picLocks noChangeAspect="1"/>
+          </p:cNvPicPr>
+          <p:nvPr/>
+        </p:nvPicPr>
+        <p:blipFill>
+          <a:blip r:embed="rId3" cstate="print">
+            <a:extLst>
+              <a:ext uri="{28A0092B-C50C-407E-A947-70E740481C1C}">
+                <a14:useLocalDpi xmlns:a14="http://schemas.microsoft.com/office/drawing/2010/main" val="0"/>
+              </a:ext>
+            </a:extLst>
+          </a:blip>
+          <a:srcRect/>
+          <a:stretch>
+            <a:fillRect/>
+          </a:stretch>
+        </p:blipFill>
+        <p:spPr bwMode="auto">
+          <a:xfrm>
+            <a:off x="3910165" y="1825625"/>
+            <a:ext cx="2555519" cy="4876528"/>
+          </a:xfrm>
+          <a:prstGeom prst="rect">
+            <a:avLst/>
+          </a:prstGeom>
+          <a:noFill/>
+          <a:ln>
+            <a:noFill/>
+          </a:ln>
+        </p:spPr>
+      </p:pic>
+      <p:pic>
+        <p:nvPicPr>
+          <p:cNvPr id="7" name="图片 6">
+            <a:extLst>
+              <a:ext uri="{FF2B5EF4-FFF2-40B4-BE49-F238E27FC236}">
+                <a16:creationId xmlns:a16="http://schemas.microsoft.com/office/drawing/2014/main" id="{D6FDA151-E827-4D0B-B783-E034FE7ADD53}"/>
+              </a:ext>
+            </a:extLst>
+          </p:cNvPr>
+          <p:cNvPicPr>
+            <a:picLocks noChangeAspect="1"/>
+          </p:cNvPicPr>
+          <p:nvPr/>
+        </p:nvPicPr>
+        <p:blipFill>
+          <a:blip r:embed="rId4" cstate="print">
+            <a:extLst>
+              <a:ext uri="{28A0092B-C50C-407E-A947-70E740481C1C}">
+                <a14:useLocalDpi xmlns:a14="http://schemas.microsoft.com/office/drawing/2010/main" val="0"/>
+              </a:ext>
+            </a:extLst>
+          </a:blip>
+          <a:srcRect/>
+          <a:stretch>
+            <a:fillRect/>
+          </a:stretch>
+        </p:blipFill>
+        <p:spPr bwMode="auto">
+          <a:xfrm>
+            <a:off x="7010920" y="1825625"/>
+            <a:ext cx="2507797" cy="4667250"/>
+          </a:xfrm>
+          <a:prstGeom prst="rect">
+            <a:avLst/>
+          </a:prstGeom>
+          <a:noFill/>
+          <a:ln>
+            <a:noFill/>
+          </a:ln>
+        </p:spPr>
+      </p:pic>
+    </p:spTree>
+    <p:extLst>
+      <p:ext uri="{BB962C8B-B14F-4D97-AF65-F5344CB8AC3E}">
+        <p14:creationId xmlns:p14="http://schemas.microsoft.com/office/powerpoint/2010/main" val="1213218981"/>
+      </p:ext>
+    </p:extLst>
+  </p:cSld>
+  <p:clrMapOvr>
+    <a:masterClrMapping/>
+  </p:clrMapOvr>
+</p:sld>
+</file>
+
+<file path=ppt/slides/slide17.xml><?xml version="1.0" encoding="utf-8"?>
+<p:sld xmlns:a="http://schemas.openxmlformats.org/drawingml/2006/main" xmlns:r="http://schemas.openxmlformats.org/officeDocument/2006/relationships" xmlns:p="http://schemas.openxmlformats.org/presentationml/2006/main">
+  <p:cSld>
+    <p:spTree>
+      <p:nvGrpSpPr>
+        <p:cNvPr id="1" name=""/>
+        <p:cNvGrpSpPr/>
+        <p:nvPr/>
+      </p:nvGrpSpPr>
+      <p:grpSpPr>
+        <a:xfrm>
+          <a:off x="0" y="0"/>
+          <a:ext cx="0" cy="0"/>
+          <a:chOff x="0" y="0"/>
+          <a:chExt cx="0" cy="0"/>
+        </a:xfrm>
+      </p:grpSpPr>
+      <p:sp>
+        <p:nvSpPr>
+          <p:cNvPr id="2" name="标题 1">
+            <a:extLst>
+              <a:ext uri="{FF2B5EF4-FFF2-40B4-BE49-F238E27FC236}">
+                <a16:creationId xmlns:a16="http://schemas.microsoft.com/office/drawing/2014/main" id="{15359BA9-3B55-41A0-98DD-D66C8C68AFBB}"/>
+              </a:ext>
+            </a:extLst>
+          </p:cNvPr>
+          <p:cNvSpPr>
+            <a:spLocks noGrp="1"/>
+          </p:cNvSpPr>
+          <p:nvPr>
+            <p:ph type="title"/>
+          </p:nvPr>
+        </p:nvSpPr>
+        <p:spPr/>
+        <p:txBody>
+          <a:bodyPr/>
+          <a:lstStyle/>
+          <a:p>
+            <a:r>
+              <a:rPr lang="zh-CN" altLang="en-US" b="1" dirty="0">
+                <a:latin typeface="黑体" panose="02010609060101010101" pitchFamily="49" charset="-122"/>
+                <a:ea typeface="黑体" panose="02010609060101010101" pitchFamily="49" charset="-122"/>
+              </a:rPr>
+              <a:t>用户系统（地址管理）</a:t>
+            </a:r>
+          </a:p>
+        </p:txBody>
+      </p:sp>
+      <p:pic>
+        <p:nvPicPr>
+          <p:cNvPr id="4" name="图片 3">
+            <a:extLst>
+              <a:ext uri="{FF2B5EF4-FFF2-40B4-BE49-F238E27FC236}">
+                <a16:creationId xmlns:a16="http://schemas.microsoft.com/office/drawing/2014/main" id="{FE246779-86AC-4BF0-97F6-A9F308F86333}"/>
+              </a:ext>
+            </a:extLst>
+          </p:cNvPr>
+          <p:cNvPicPr>
+            <a:picLocks noChangeAspect="1"/>
+          </p:cNvPicPr>
+          <p:nvPr/>
+        </p:nvPicPr>
+        <p:blipFill>
+          <a:blip r:embed="rId2" cstate="print">
+            <a:extLst>
+              <a:ext uri="{28A0092B-C50C-407E-A947-70E740481C1C}">
+                <a14:useLocalDpi xmlns:a14="http://schemas.microsoft.com/office/drawing/2010/main" val="0"/>
+              </a:ext>
+            </a:extLst>
+          </a:blip>
+          <a:srcRect/>
+          <a:stretch>
+            <a:fillRect/>
+          </a:stretch>
+        </p:blipFill>
+        <p:spPr bwMode="auto">
+          <a:xfrm>
+            <a:off x="2131752" y="1396155"/>
+            <a:ext cx="2777496" cy="5096720"/>
+          </a:xfrm>
+          <a:prstGeom prst="rect">
+            <a:avLst/>
+          </a:prstGeom>
+          <a:noFill/>
+          <a:ln>
+            <a:noFill/>
+          </a:ln>
+        </p:spPr>
+      </p:pic>
+      <p:pic>
+        <p:nvPicPr>
+          <p:cNvPr id="8" name="图片 7">
+            <a:extLst>
+              <a:ext uri="{FF2B5EF4-FFF2-40B4-BE49-F238E27FC236}">
+                <a16:creationId xmlns:a16="http://schemas.microsoft.com/office/drawing/2014/main" id="{9540E42A-7D3B-42FE-B2F0-67E1857206EE}"/>
+              </a:ext>
+            </a:extLst>
+          </p:cNvPr>
+          <p:cNvPicPr>
+            <a:picLocks noChangeAspect="1"/>
+          </p:cNvPicPr>
+          <p:nvPr/>
+        </p:nvPicPr>
+        <p:blipFill>
+          <a:blip r:embed="rId3">
+            <a:extLst>
+              <a:ext uri="{28A0092B-C50C-407E-A947-70E740481C1C}">
+                <a14:useLocalDpi xmlns:a14="http://schemas.microsoft.com/office/drawing/2010/main" val="0"/>
+              </a:ext>
+            </a:extLst>
+          </a:blip>
+          <a:stretch>
+            <a:fillRect/>
+          </a:stretch>
+        </p:blipFill>
+        <p:spPr>
+          <a:xfrm>
+            <a:off x="6096000" y="1396155"/>
+            <a:ext cx="2752827" cy="5096720"/>
+          </a:xfrm>
+          <a:prstGeom prst="rect">
+            <a:avLst/>
+          </a:prstGeom>
+        </p:spPr>
+      </p:pic>
+    </p:spTree>
+    <p:extLst>
+      <p:ext uri="{BB962C8B-B14F-4D97-AF65-F5344CB8AC3E}">
+        <p14:creationId xmlns:p14="http://schemas.microsoft.com/office/powerpoint/2010/main" val="1410162828"/>
+      </p:ext>
+    </p:extLst>
+  </p:cSld>
+  <p:clrMapOvr>
+    <a:masterClrMapping/>
+  </p:clrMapOvr>
+</p:sld>
+</file>
+
+<file path=ppt/slides/slide18.xml><?xml version="1.0" encoding="utf-8"?>
+<p:sld xmlns:a="http://schemas.openxmlformats.org/drawingml/2006/main" xmlns:r="http://schemas.openxmlformats.org/officeDocument/2006/relationships" xmlns:p="http://schemas.openxmlformats.org/presentationml/2006/main">
+  <p:cSld>
+    <p:spTree>
+      <p:nvGrpSpPr>
+        <p:cNvPr id="1" name=""/>
+        <p:cNvGrpSpPr/>
+        <p:nvPr/>
+      </p:nvGrpSpPr>
+      <p:grpSpPr>
+        <a:xfrm>
+          <a:off x="0" y="0"/>
+          <a:ext cx="0" cy="0"/>
+          <a:chOff x="0" y="0"/>
+          <a:chExt cx="0" cy="0"/>
+        </a:xfrm>
+      </p:grpSpPr>
+      <p:sp>
+        <p:nvSpPr>
+          <p:cNvPr id="2" name="标题 1">
+            <a:extLst>
+              <a:ext uri="{FF2B5EF4-FFF2-40B4-BE49-F238E27FC236}">
+                <a16:creationId xmlns:a16="http://schemas.microsoft.com/office/drawing/2014/main" id="{0C9514A2-E77C-425A-AD32-7C67868E4E4B}"/>
+              </a:ext>
+            </a:extLst>
+          </p:cNvPr>
+          <p:cNvSpPr>
+            <a:spLocks noGrp="1"/>
+          </p:cNvSpPr>
+          <p:nvPr>
+            <p:ph type="title"/>
+          </p:nvPr>
+        </p:nvSpPr>
+        <p:spPr>
+          <a:xfrm>
+            <a:off x="976223" y="0"/>
+            <a:ext cx="10515600" cy="1325563"/>
+          </a:xfrm>
+        </p:spPr>
+        <p:txBody>
+          <a:bodyPr/>
+          <a:lstStyle/>
+          <a:p>
+            <a:r>
+              <a:rPr lang="zh-CN" altLang="en-US" b="1" dirty="0">
+                <a:latin typeface="黑体" panose="02010609060101010101" pitchFamily="49" charset="-122"/>
+                <a:ea typeface="黑体" panose="02010609060101010101" pitchFamily="49" charset="-122"/>
+              </a:rPr>
+              <a:t>其他功能（客服</a:t>
+            </a:r>
+            <a:r>
+              <a:rPr lang="en-US" altLang="zh-CN" b="1" dirty="0">
+                <a:latin typeface="黑体" panose="02010609060101010101" pitchFamily="49" charset="-122"/>
+                <a:ea typeface="黑体" panose="02010609060101010101" pitchFamily="49" charset="-122"/>
+              </a:rPr>
+              <a:t>+</a:t>
+            </a:r>
+            <a:r>
+              <a:rPr lang="zh-CN" altLang="en-US" b="1" dirty="0">
+                <a:latin typeface="黑体" panose="02010609060101010101" pitchFamily="49" charset="-122"/>
+                <a:ea typeface="黑体" panose="02010609060101010101" pitchFamily="49" charset="-122"/>
+              </a:rPr>
+              <a:t>收藏）</a:t>
+            </a:r>
+          </a:p>
+        </p:txBody>
+      </p:sp>
+      <p:pic>
+        <p:nvPicPr>
+          <p:cNvPr id="8" name="图片 7">
+            <a:extLst>
+              <a:ext uri="{FF2B5EF4-FFF2-40B4-BE49-F238E27FC236}">
+                <a16:creationId xmlns:a16="http://schemas.microsoft.com/office/drawing/2014/main" id="{4CED5768-2CB1-4858-BF80-E637D7302073}"/>
+              </a:ext>
+            </a:extLst>
+          </p:cNvPr>
+          <p:cNvPicPr>
+            <a:picLocks noChangeAspect="1"/>
+          </p:cNvPicPr>
+          <p:nvPr/>
+        </p:nvPicPr>
+        <p:blipFill rotWithShape="1">
+          <a:blip r:embed="rId2"/>
+          <a:srcRect l="4287"/>
+          <a:stretch/>
+        </p:blipFill>
+        <p:spPr>
+          <a:xfrm>
+            <a:off x="1781666" y="1688698"/>
+            <a:ext cx="2618531" cy="4724809"/>
+          </a:xfrm>
+          <a:prstGeom prst="rect">
+            <a:avLst/>
+          </a:prstGeom>
+        </p:spPr>
+      </p:pic>
+      <p:pic>
+        <p:nvPicPr>
+          <p:cNvPr id="9" name="图片 8">
+            <a:extLst>
+              <a:ext uri="{FF2B5EF4-FFF2-40B4-BE49-F238E27FC236}">
+                <a16:creationId xmlns:a16="http://schemas.microsoft.com/office/drawing/2014/main" id="{7C4E6D2E-15C0-47FD-B282-8ACDF159B1F0}"/>
+              </a:ext>
+            </a:extLst>
+          </p:cNvPr>
+          <p:cNvPicPr>
+            <a:picLocks noChangeAspect="1"/>
+          </p:cNvPicPr>
+          <p:nvPr/>
+        </p:nvPicPr>
+        <p:blipFill>
+          <a:blip r:embed="rId3">
+            <a:extLst>
+              <a:ext uri="{28A0092B-C50C-407E-A947-70E740481C1C}">
+                <a14:useLocalDpi xmlns:a14="http://schemas.microsoft.com/office/drawing/2010/main" val="0"/>
+              </a:ext>
+            </a:extLst>
+          </a:blip>
+          <a:srcRect/>
+          <a:stretch>
+            <a:fillRect/>
+          </a:stretch>
+        </p:blipFill>
+        <p:spPr bwMode="auto">
+          <a:xfrm>
+            <a:off x="6480712" y="1690688"/>
+            <a:ext cx="2408764" cy="4722819"/>
+          </a:xfrm>
+          <a:prstGeom prst="rect">
+            <a:avLst/>
+          </a:prstGeom>
+          <a:noFill/>
+          <a:ln>
+            <a:noFill/>
+          </a:ln>
+        </p:spPr>
+      </p:pic>
+    </p:spTree>
+    <p:extLst>
+      <p:ext uri="{BB962C8B-B14F-4D97-AF65-F5344CB8AC3E}">
+        <p14:creationId xmlns:p14="http://schemas.microsoft.com/office/powerpoint/2010/main" val="1867782538"/>
+      </p:ext>
+    </p:extLst>
+  </p:cSld>
+  <p:clrMapOvr>
+    <a:masterClrMapping/>
+  </p:clrMapOvr>
+</p:sld>
+</file>
+
+<file path=ppt/slides/slide19.xml><?xml version="1.0" encoding="utf-8"?>
 <p:sld xmlns:a="http://schemas.openxmlformats.org/drawingml/2006/main" xmlns:r="http://schemas.openxmlformats.org/officeDocument/2006/relationships" xmlns:p="http://schemas.openxmlformats.org/presentationml/2006/main">
   <p:cSld>
     <p:spTree>
@@ -4162,7 +5668,167 @@
 </p:sld>
 </file>
 
-<file path=ppt/slides/slide7.xml><?xml version="1.0" encoding="utf-8"?>
+<file path=ppt/slides/slide2.xml><?xml version="1.0" encoding="utf-8"?>
+<p:sld xmlns:a="http://schemas.openxmlformats.org/drawingml/2006/main" xmlns:r="http://schemas.openxmlformats.org/officeDocument/2006/relationships" xmlns:p="http://schemas.openxmlformats.org/presentationml/2006/main">
+  <p:cSld>
+    <p:spTree>
+      <p:nvGrpSpPr>
+        <p:cNvPr id="1" name=""/>
+        <p:cNvGrpSpPr/>
+        <p:nvPr/>
+      </p:nvGrpSpPr>
+      <p:grpSpPr>
+        <a:xfrm>
+          <a:off x="0" y="0"/>
+          <a:ext cx="0" cy="0"/>
+          <a:chOff x="0" y="0"/>
+          <a:chExt cx="0" cy="0"/>
+        </a:xfrm>
+      </p:grpSpPr>
+      <p:sp>
+        <p:nvSpPr>
+          <p:cNvPr id="2" name="标题 1">
+            <a:extLst>
+              <a:ext uri="{FF2B5EF4-FFF2-40B4-BE49-F238E27FC236}">
+                <a16:creationId xmlns:a16="http://schemas.microsoft.com/office/drawing/2014/main" id="{C03563CA-0455-4C9E-A189-8E004D6E74F9}"/>
+              </a:ext>
+            </a:extLst>
+          </p:cNvPr>
+          <p:cNvSpPr>
+            <a:spLocks noGrp="1"/>
+          </p:cNvSpPr>
+          <p:nvPr>
+            <p:ph type="title"/>
+          </p:nvPr>
+        </p:nvSpPr>
+        <p:spPr/>
+        <p:txBody>
+          <a:bodyPr/>
+          <a:lstStyle/>
+          <a:p>
+            <a:r>
+              <a:rPr lang="zh-CN" altLang="en-US" dirty="0">
+                <a:latin typeface="黑体" panose="02010609060101010101" pitchFamily="49" charset="-122"/>
+                <a:ea typeface="黑体" panose="02010609060101010101" pitchFamily="49" charset="-122"/>
+              </a:rPr>
+              <a:t>项目背景</a:t>
+            </a:r>
+          </a:p>
+        </p:txBody>
+      </p:sp>
+      <p:sp>
+        <p:nvSpPr>
+          <p:cNvPr id="3" name="内容占位符 2">
+            <a:extLst>
+              <a:ext uri="{FF2B5EF4-FFF2-40B4-BE49-F238E27FC236}">
+                <a16:creationId xmlns:a16="http://schemas.microsoft.com/office/drawing/2014/main" id="{1DBDAFC2-53F7-412C-813A-4E2FC1AA0DCE}"/>
+              </a:ext>
+            </a:extLst>
+          </p:cNvPr>
+          <p:cNvSpPr>
+            <a:spLocks noGrp="1"/>
+          </p:cNvSpPr>
+          <p:nvPr>
+            <p:ph idx="1"/>
+          </p:nvPr>
+        </p:nvSpPr>
+        <p:spPr/>
+        <p:txBody>
+          <a:bodyPr/>
+          <a:lstStyle/>
+          <a:p>
+            <a:r>
+              <a:rPr lang="zh-CN" altLang="en-US" dirty="0">
+                <a:latin typeface="黑体" panose="02010609060101010101" pitchFamily="49" charset="-122"/>
+                <a:ea typeface="黑体" panose="02010609060101010101" pitchFamily="49" charset="-122"/>
+              </a:rPr>
+              <a:t>随着互联网技术的不断发展，线上支付在我们的日常生活中的普及程度不断提高，网购的便利使得人们的生活渐渐离不开它。</a:t>
+            </a:r>
+            <a:endParaRPr lang="en-US" altLang="zh-CN" dirty="0">
+              <a:latin typeface="黑体" panose="02010609060101010101" pitchFamily="49" charset="-122"/>
+              <a:ea typeface="黑体" panose="02010609060101010101" pitchFamily="49" charset="-122"/>
+            </a:endParaRPr>
+          </a:p>
+          <a:p>
+            <a:r>
+              <a:rPr lang="zh-CN" altLang="en-US" dirty="0">
+                <a:latin typeface="黑体" panose="02010609060101010101" pitchFamily="49" charset="-122"/>
+                <a:ea typeface="黑体" panose="02010609060101010101" pitchFamily="49" charset="-122"/>
+              </a:rPr>
+              <a:t>我们开发这样一个适合学生使用的电商平台的初衷在于丰富大学生对于处于该年龄段时应该拥有的属于该年龄段的生活。因此，我们的商品的主要受众人群是大学生，里面的商品也会以适用于大学生的新潮一点的商品为主。</a:t>
+            </a:r>
+            <a:endParaRPr lang="en-US" altLang="zh-CN" dirty="0">
+              <a:latin typeface="黑体" panose="02010609060101010101" pitchFamily="49" charset="-122"/>
+              <a:ea typeface="黑体" panose="02010609060101010101" pitchFamily="49" charset="-122"/>
+            </a:endParaRPr>
+          </a:p>
+          <a:p>
+            <a:r>
+              <a:rPr lang="zh-CN" altLang="en-US" dirty="0">
+                <a:latin typeface="黑体" panose="02010609060101010101" pitchFamily="49" charset="-122"/>
+                <a:ea typeface="黑体" panose="02010609060101010101" pitchFamily="49" charset="-122"/>
+              </a:rPr>
+              <a:t>我们要制作的电商平台，与其说是线上购物</a:t>
+            </a:r>
+            <a:r>
+              <a:rPr lang="en-US" altLang="zh-CN" dirty="0">
+                <a:latin typeface="黑体" panose="02010609060101010101" pitchFamily="49" charset="-122"/>
+                <a:ea typeface="黑体" panose="02010609060101010101" pitchFamily="49" charset="-122"/>
+              </a:rPr>
+              <a:t>APP</a:t>
+            </a:r>
+            <a:r>
+              <a:rPr lang="zh-CN" altLang="en-US" dirty="0">
+                <a:latin typeface="黑体" panose="02010609060101010101" pitchFamily="49" charset="-122"/>
+                <a:ea typeface="黑体" panose="02010609060101010101" pitchFamily="49" charset="-122"/>
+              </a:rPr>
+              <a:t>，更像是类似于小红书</a:t>
+            </a:r>
+            <a:r>
+              <a:rPr lang="en-US" altLang="zh-CN" dirty="0">
+                <a:latin typeface="黑体" panose="02010609060101010101" pitchFamily="49" charset="-122"/>
+                <a:ea typeface="黑体" panose="02010609060101010101" pitchFamily="49" charset="-122"/>
+              </a:rPr>
+              <a:t>APP</a:t>
+            </a:r>
+            <a:r>
+              <a:rPr lang="zh-CN" altLang="en-US" dirty="0">
+                <a:latin typeface="黑体" panose="02010609060101010101" pitchFamily="49" charset="-122"/>
+                <a:ea typeface="黑体" panose="02010609060101010101" pitchFamily="49" charset="-122"/>
+              </a:rPr>
+              <a:t>内的基于相关人群为生活购物推荐式的</a:t>
+            </a:r>
+            <a:r>
+              <a:rPr lang="en-US" altLang="zh-CN" dirty="0">
+                <a:latin typeface="黑体" panose="02010609060101010101" pitchFamily="49" charset="-122"/>
+                <a:ea typeface="黑体" panose="02010609060101010101" pitchFamily="49" charset="-122"/>
+              </a:rPr>
+              <a:t>APP</a:t>
+            </a:r>
+            <a:r>
+              <a:rPr lang="zh-CN" altLang="en-US" dirty="0">
+                <a:latin typeface="黑体" panose="02010609060101010101" pitchFamily="49" charset="-122"/>
+                <a:ea typeface="黑体" panose="02010609060101010101" pitchFamily="49" charset="-122"/>
+              </a:rPr>
+              <a:t>。</a:t>
+            </a:r>
+          </a:p>
+        </p:txBody>
+      </p:sp>
+    </p:spTree>
+    <p:extLst>
+      <p:ext uri="{BB962C8B-B14F-4D97-AF65-F5344CB8AC3E}">
+        <p14:creationId xmlns:p14="http://schemas.microsoft.com/office/powerpoint/2010/main" val="1367719616"/>
+      </p:ext>
+    </p:extLst>
+  </p:cSld>
+  <p:clrMapOvr>
+    <a:masterClrMapping/>
+  </p:clrMapOvr>
+</p:sld>
+</file>
+
+<file path=ppt/slides/slide20.xml><?xml version="1.0" encoding="utf-8"?>
 <p:sld xmlns:a="http://schemas.openxmlformats.org/drawingml/2006/main" xmlns:r="http://schemas.openxmlformats.org/officeDocument/2006/relationships" xmlns:p="http://schemas.openxmlformats.org/presentationml/2006/main">
   <p:cSld>
     <p:spTree>
@@ -4266,6 +5932,1010 @@
     <p:extLst>
       <p:ext uri="{BB962C8B-B14F-4D97-AF65-F5344CB8AC3E}">
         <p14:creationId xmlns:p14="http://schemas.microsoft.com/office/powerpoint/2010/main" val="2708037198"/>
+      </p:ext>
+    </p:extLst>
+  </p:cSld>
+  <p:clrMapOvr>
+    <a:masterClrMapping/>
+  </p:clrMapOvr>
+</p:sld>
+</file>
+
+<file path=ppt/slides/slide3.xml><?xml version="1.0" encoding="utf-8"?>
+<p:sld xmlns:a="http://schemas.openxmlformats.org/drawingml/2006/main" xmlns:r="http://schemas.openxmlformats.org/officeDocument/2006/relationships" xmlns:p="http://schemas.openxmlformats.org/presentationml/2006/main">
+  <p:cSld>
+    <p:spTree>
+      <p:nvGrpSpPr>
+        <p:cNvPr id="1" name=""/>
+        <p:cNvGrpSpPr/>
+        <p:nvPr/>
+      </p:nvGrpSpPr>
+      <p:grpSpPr>
+        <a:xfrm>
+          <a:off x="0" y="0"/>
+          <a:ext cx="0" cy="0"/>
+          <a:chOff x="0" y="0"/>
+          <a:chExt cx="0" cy="0"/>
+        </a:xfrm>
+      </p:grpSpPr>
+      <p:sp>
+        <p:nvSpPr>
+          <p:cNvPr id="2" name="标题 1">
+            <a:extLst>
+              <a:ext uri="{FF2B5EF4-FFF2-40B4-BE49-F238E27FC236}">
+                <a16:creationId xmlns:a16="http://schemas.microsoft.com/office/drawing/2014/main" id="{F1C7B870-A388-4C0D-861C-8A4742A9F46D}"/>
+              </a:ext>
+            </a:extLst>
+          </p:cNvPr>
+          <p:cNvSpPr>
+            <a:spLocks noGrp="1"/>
+          </p:cNvSpPr>
+          <p:nvPr>
+            <p:ph type="title"/>
+          </p:nvPr>
+        </p:nvSpPr>
+        <p:spPr/>
+        <p:txBody>
+          <a:bodyPr/>
+          <a:lstStyle/>
+          <a:p>
+            <a:r>
+              <a:rPr lang="zh-CN" altLang="en-US" b="1" dirty="0">
+                <a:latin typeface="黑体" panose="02010609060101010101" pitchFamily="49" charset="-122"/>
+                <a:ea typeface="黑体" panose="02010609060101010101" pitchFamily="49" charset="-122"/>
+              </a:rPr>
+              <a:t>产品介绍</a:t>
+            </a:r>
+          </a:p>
+        </p:txBody>
+      </p:sp>
+      <p:sp>
+        <p:nvSpPr>
+          <p:cNvPr id="3" name="内容占位符 2">
+            <a:extLst>
+              <a:ext uri="{FF2B5EF4-FFF2-40B4-BE49-F238E27FC236}">
+                <a16:creationId xmlns:a16="http://schemas.microsoft.com/office/drawing/2014/main" id="{0E30865F-1E51-4B28-AF50-4980D3EE69E0}"/>
+              </a:ext>
+            </a:extLst>
+          </p:cNvPr>
+          <p:cNvSpPr>
+            <a:spLocks noGrp="1"/>
+          </p:cNvSpPr>
+          <p:nvPr>
+            <p:ph idx="1"/>
+          </p:nvPr>
+        </p:nvSpPr>
+        <p:spPr>
+          <a:xfrm>
+            <a:off x="838200" y="1825625"/>
+            <a:ext cx="6896100" cy="4351338"/>
+          </a:xfrm>
+        </p:spPr>
+        <p:txBody>
+          <a:bodyPr/>
+          <a:lstStyle/>
+          <a:p>
+            <a:pPr indent="266700" algn="just"/>
+            <a:r>
+              <a:rPr lang="zh-CN" altLang="zh-CN" sz="2400" b="1" kern="0" dirty="0">
+                <a:solidFill>
+                  <a:srgbClr val="000000"/>
+                </a:solidFill>
+                <a:effectLst/>
+                <a:latin typeface="黑体" panose="02010609060101010101" pitchFamily="49" charset="-122"/>
+                <a:ea typeface="黑体" panose="02010609060101010101" pitchFamily="49" charset="-122"/>
+                <a:cs typeface="宋体" panose="02010600030101010101" pitchFamily="2" charset="-122"/>
+              </a:rPr>
+              <a:t>好物（</a:t>
+            </a:r>
+            <a:r>
+              <a:rPr lang="en-US" altLang="zh-CN" sz="2400" b="1" kern="0" dirty="0">
+                <a:solidFill>
+                  <a:srgbClr val="000000"/>
+                </a:solidFill>
+                <a:effectLst/>
+                <a:latin typeface="黑体" panose="02010609060101010101" pitchFamily="49" charset="-122"/>
+                <a:ea typeface="黑体" panose="02010609060101010101" pitchFamily="49" charset="-122"/>
+                <a:cs typeface="宋体" panose="02010600030101010101" pitchFamily="2" charset="-122"/>
+              </a:rPr>
+              <a:t>Good Goods</a:t>
+            </a:r>
+            <a:r>
+              <a:rPr lang="zh-CN" altLang="zh-CN" sz="2400" b="1" kern="0" dirty="0">
+                <a:solidFill>
+                  <a:srgbClr val="000000"/>
+                </a:solidFill>
+                <a:effectLst/>
+                <a:latin typeface="黑体" panose="02010609060101010101" pitchFamily="49" charset="-122"/>
+                <a:ea typeface="黑体" panose="02010609060101010101" pitchFamily="49" charset="-122"/>
+                <a:cs typeface="宋体" panose="02010600030101010101" pitchFamily="2" charset="-122"/>
+              </a:rPr>
+              <a:t>）</a:t>
+            </a:r>
+            <a:r>
+              <a:rPr lang="zh-CN" altLang="zh-CN" sz="2400" kern="0" dirty="0">
+                <a:solidFill>
+                  <a:srgbClr val="000000"/>
+                </a:solidFill>
+                <a:effectLst/>
+                <a:latin typeface="黑体" panose="02010609060101010101" pitchFamily="49" charset="-122"/>
+                <a:ea typeface="黑体" panose="02010609060101010101" pitchFamily="49" charset="-122"/>
+                <a:cs typeface="宋体" panose="02010600030101010101" pitchFamily="2" charset="-122"/>
+              </a:rPr>
+              <a:t>是一款网上购物平台，拥有各式各样的商品，是一种基于校园生活的电子商务平台。其底层逻辑是</a:t>
+            </a:r>
+            <a:r>
+              <a:rPr lang="en-US" altLang="zh-CN" sz="2400" kern="0" dirty="0">
+                <a:solidFill>
+                  <a:srgbClr val="000000"/>
+                </a:solidFill>
+                <a:effectLst/>
+                <a:latin typeface="黑体" panose="02010609060101010101" pitchFamily="49" charset="-122"/>
+                <a:ea typeface="黑体" panose="02010609060101010101" pitchFamily="49" charset="-122"/>
+                <a:cs typeface="宋体" panose="02010600030101010101" pitchFamily="2" charset="-122"/>
+              </a:rPr>
+              <a:t>"</a:t>
+            </a:r>
+            <a:r>
+              <a:rPr lang="zh-CN" altLang="zh-CN" sz="2400" kern="0" dirty="0">
+                <a:solidFill>
+                  <a:srgbClr val="000000"/>
+                </a:solidFill>
+                <a:effectLst/>
+                <a:latin typeface="黑体" panose="02010609060101010101" pitchFamily="49" charset="-122"/>
+                <a:ea typeface="黑体" panose="02010609060101010101" pitchFamily="49" charset="-122"/>
+                <a:cs typeface="宋体" panose="02010600030101010101" pitchFamily="2" charset="-122"/>
+              </a:rPr>
+              <a:t>人找货</a:t>
+            </a:r>
+            <a:r>
+              <a:rPr lang="en-US" altLang="zh-CN" sz="2400" kern="0" dirty="0">
+                <a:solidFill>
+                  <a:srgbClr val="000000"/>
+                </a:solidFill>
+                <a:effectLst/>
+                <a:latin typeface="黑体" panose="02010609060101010101" pitchFamily="49" charset="-122"/>
+                <a:ea typeface="黑体" panose="02010609060101010101" pitchFamily="49" charset="-122"/>
+                <a:cs typeface="宋体" panose="02010600030101010101" pitchFamily="2" charset="-122"/>
+              </a:rPr>
+              <a:t>"</a:t>
+            </a:r>
+            <a:r>
+              <a:rPr lang="zh-CN" altLang="zh-CN" sz="2400" kern="0" dirty="0">
+                <a:solidFill>
+                  <a:srgbClr val="000000"/>
+                </a:solidFill>
+                <a:effectLst/>
+                <a:latin typeface="黑体" panose="02010609060101010101" pitchFamily="49" charset="-122"/>
+                <a:ea typeface="黑体" panose="02010609060101010101" pitchFamily="49" charset="-122"/>
+                <a:cs typeface="宋体" panose="02010600030101010101" pitchFamily="2" charset="-122"/>
+              </a:rPr>
+              <a:t>，相当于传统线下商务的线上化。比线下货架强的地方在于，电子商务的货架展示成本更低，而且浏览起来更有效率（因为用户可以同时在页面上看许多店铺），降低了整个商业链路的信息成本，再加上后来的电子支付，降低了信用传递成本。</a:t>
+            </a:r>
+            <a:endParaRPr lang="zh-CN" altLang="zh-CN" sz="2400" kern="100" dirty="0">
+              <a:effectLst/>
+              <a:latin typeface="黑体" panose="02010609060101010101" pitchFamily="49" charset="-122"/>
+              <a:ea typeface="黑体" panose="02010609060101010101" pitchFamily="49" charset="-122"/>
+              <a:cs typeface="Times New Roman" panose="02020603050405020304" pitchFamily="18" charset="0"/>
+            </a:endParaRPr>
+          </a:p>
+          <a:p>
+            <a:pPr indent="266700" algn="just"/>
+            <a:r>
+              <a:rPr lang="zh-CN" altLang="zh-CN" sz="2400" kern="0" dirty="0">
+                <a:solidFill>
+                  <a:srgbClr val="000000"/>
+                </a:solidFill>
+                <a:effectLst/>
+                <a:latin typeface="黑体" panose="02010609060101010101" pitchFamily="49" charset="-122"/>
+                <a:ea typeface="黑体" panose="02010609060101010101" pitchFamily="49" charset="-122"/>
+                <a:cs typeface="宋体" panose="02010600030101010101" pitchFamily="2" charset="-122"/>
+              </a:rPr>
+              <a:t>我们根据偏向于大学生的思维方式来设计这一款电商平台，会更新上架那些现在流行什么、什么实用、什么好用的“校园必备神器”，丰富大学生的线上购物体验。</a:t>
+            </a:r>
+            <a:endParaRPr lang="zh-CN" altLang="zh-CN" sz="2400" kern="100" dirty="0">
+              <a:effectLst/>
+              <a:latin typeface="黑体" panose="02010609060101010101" pitchFamily="49" charset="-122"/>
+              <a:ea typeface="黑体" panose="02010609060101010101" pitchFamily="49" charset="-122"/>
+              <a:cs typeface="Times New Roman" panose="02020603050405020304" pitchFamily="18" charset="0"/>
+            </a:endParaRPr>
+          </a:p>
+          <a:p>
+            <a:endParaRPr lang="zh-CN" altLang="en-US" dirty="0"/>
+          </a:p>
+        </p:txBody>
+      </p:sp>
+      <p:pic>
+        <p:nvPicPr>
+          <p:cNvPr id="5" name="图片 4">
+            <a:extLst>
+              <a:ext uri="{FF2B5EF4-FFF2-40B4-BE49-F238E27FC236}">
+                <a16:creationId xmlns:a16="http://schemas.microsoft.com/office/drawing/2014/main" id="{A9F656C7-2D23-467A-AFA7-85B4148DFCC2}"/>
+              </a:ext>
+            </a:extLst>
+          </p:cNvPr>
+          <p:cNvPicPr>
+            <a:picLocks noChangeAspect="1"/>
+          </p:cNvPicPr>
+          <p:nvPr/>
+        </p:nvPicPr>
+        <p:blipFill>
+          <a:blip r:embed="rId2">
+            <a:extLst>
+              <a:ext uri="{28A0092B-C50C-407E-A947-70E740481C1C}">
+                <a14:useLocalDpi xmlns:a14="http://schemas.microsoft.com/office/drawing/2010/main" val="0"/>
+              </a:ext>
+            </a:extLst>
+          </a:blip>
+          <a:stretch>
+            <a:fillRect/>
+          </a:stretch>
+        </p:blipFill>
+        <p:spPr>
+          <a:xfrm>
+            <a:off x="7852310" y="2292350"/>
+            <a:ext cx="4086832" cy="2273300"/>
+          </a:xfrm>
+          <a:prstGeom prst="rect">
+            <a:avLst/>
+          </a:prstGeom>
+        </p:spPr>
+      </p:pic>
+    </p:spTree>
+    <p:extLst>
+      <p:ext uri="{BB962C8B-B14F-4D97-AF65-F5344CB8AC3E}">
+        <p14:creationId xmlns:p14="http://schemas.microsoft.com/office/powerpoint/2010/main" val="3401208594"/>
+      </p:ext>
+    </p:extLst>
+  </p:cSld>
+  <p:clrMapOvr>
+    <a:masterClrMapping/>
+  </p:clrMapOvr>
+</p:sld>
+</file>
+
+<file path=ppt/slides/slide4.xml><?xml version="1.0" encoding="utf-8"?>
+<p:sld xmlns:a="http://schemas.openxmlformats.org/drawingml/2006/main" xmlns:r="http://schemas.openxmlformats.org/officeDocument/2006/relationships" xmlns:p="http://schemas.openxmlformats.org/presentationml/2006/main">
+  <p:cSld>
+    <p:spTree>
+      <p:nvGrpSpPr>
+        <p:cNvPr id="1" name=""/>
+        <p:cNvGrpSpPr/>
+        <p:nvPr/>
+      </p:nvGrpSpPr>
+      <p:grpSpPr>
+        <a:xfrm>
+          <a:off x="0" y="0"/>
+          <a:ext cx="0" cy="0"/>
+          <a:chOff x="0" y="0"/>
+          <a:chExt cx="0" cy="0"/>
+        </a:xfrm>
+      </p:grpSpPr>
+      <p:sp>
+        <p:nvSpPr>
+          <p:cNvPr id="2" name="标题 1">
+            <a:extLst>
+              <a:ext uri="{FF2B5EF4-FFF2-40B4-BE49-F238E27FC236}">
+                <a16:creationId xmlns:a16="http://schemas.microsoft.com/office/drawing/2014/main" id="{D559878A-2FBC-4083-AB2C-4E5C63BA9565}"/>
+              </a:ext>
+            </a:extLst>
+          </p:cNvPr>
+          <p:cNvSpPr>
+            <a:spLocks noGrp="1"/>
+          </p:cNvSpPr>
+          <p:nvPr>
+            <p:ph type="title"/>
+          </p:nvPr>
+        </p:nvSpPr>
+        <p:spPr/>
+        <p:txBody>
+          <a:bodyPr/>
+          <a:lstStyle/>
+          <a:p>
+            <a:r>
+              <a:rPr lang="zh-CN" altLang="en-US" dirty="0">
+                <a:latin typeface="黑体" panose="02010609060101010101" pitchFamily="49" charset="-122"/>
+                <a:ea typeface="黑体" panose="02010609060101010101" pitchFamily="49" charset="-122"/>
+              </a:rPr>
+              <a:t>     成员项目分工</a:t>
+            </a:r>
+          </a:p>
+        </p:txBody>
+      </p:sp>
+      <p:sp>
+        <p:nvSpPr>
+          <p:cNvPr id="3" name="内容占位符 2">
+            <a:extLst>
+              <a:ext uri="{FF2B5EF4-FFF2-40B4-BE49-F238E27FC236}">
+                <a16:creationId xmlns:a16="http://schemas.microsoft.com/office/drawing/2014/main" id="{9094F2B0-1D98-4E53-BE47-A433BD2CE190}"/>
+              </a:ext>
+            </a:extLst>
+          </p:cNvPr>
+          <p:cNvSpPr>
+            <a:spLocks noGrp="1"/>
+          </p:cNvSpPr>
+          <p:nvPr>
+            <p:ph idx="1"/>
+          </p:nvPr>
+        </p:nvSpPr>
+        <p:spPr/>
+        <p:txBody>
+          <a:bodyPr>
+            <a:normAutofit/>
+          </a:bodyPr>
+          <a:lstStyle/>
+          <a:p>
+            <a:endParaRPr lang="en-US" altLang="zh-CN" dirty="0"/>
+          </a:p>
+          <a:p>
+            <a:endParaRPr lang="en-US" altLang="zh-CN" dirty="0"/>
+          </a:p>
+          <a:p>
+            <a:r>
+              <a:rPr lang="zh-CN" altLang="en-US" dirty="0">
+                <a:latin typeface="黑体" panose="02010609060101010101" pitchFamily="49" charset="-122"/>
+                <a:ea typeface="黑体" panose="02010609060101010101" pitchFamily="49" charset="-122"/>
+              </a:rPr>
+              <a:t>陈嘉诚：主要负责后端开发</a:t>
+            </a:r>
+            <a:endParaRPr lang="en-US" altLang="zh-CN" dirty="0">
+              <a:latin typeface="黑体" panose="02010609060101010101" pitchFamily="49" charset="-122"/>
+              <a:ea typeface="黑体" panose="02010609060101010101" pitchFamily="49" charset="-122"/>
+            </a:endParaRPr>
+          </a:p>
+          <a:p>
+            <a:endParaRPr lang="en-US" altLang="zh-CN" dirty="0">
+              <a:latin typeface="黑体" panose="02010609060101010101" pitchFamily="49" charset="-122"/>
+              <a:ea typeface="黑体" panose="02010609060101010101" pitchFamily="49" charset="-122"/>
+            </a:endParaRPr>
+          </a:p>
+          <a:p>
+            <a:r>
+              <a:rPr lang="zh-CN" altLang="en-US" dirty="0">
+                <a:latin typeface="黑体" panose="02010609060101010101" pitchFamily="49" charset="-122"/>
+                <a:ea typeface="黑体" panose="02010609060101010101" pitchFamily="49" charset="-122"/>
+              </a:rPr>
+              <a:t>徐晨凯：主要负责前端开发</a:t>
+            </a:r>
+            <a:endParaRPr lang="en-US" altLang="zh-CN" dirty="0">
+              <a:latin typeface="黑体" panose="02010609060101010101" pitchFamily="49" charset="-122"/>
+              <a:ea typeface="黑体" panose="02010609060101010101" pitchFamily="49" charset="-122"/>
+            </a:endParaRPr>
+          </a:p>
+          <a:p>
+            <a:endParaRPr lang="en-US" altLang="zh-CN" dirty="0">
+              <a:latin typeface="黑体" panose="02010609060101010101" pitchFamily="49" charset="-122"/>
+              <a:ea typeface="黑体" panose="02010609060101010101" pitchFamily="49" charset="-122"/>
+            </a:endParaRPr>
+          </a:p>
+          <a:p>
+            <a:r>
+              <a:rPr lang="zh-CN" altLang="en-US" dirty="0">
+                <a:latin typeface="黑体" panose="02010609060101010101" pitchFamily="49" charset="-122"/>
+                <a:ea typeface="黑体" panose="02010609060101010101" pitchFamily="49" charset="-122"/>
+              </a:rPr>
+              <a:t>靳洋洋：主要负责前后端的交互</a:t>
+            </a:r>
+            <a:endParaRPr lang="en-US" altLang="zh-CN" dirty="0">
+              <a:latin typeface="黑体" panose="02010609060101010101" pitchFamily="49" charset="-122"/>
+              <a:ea typeface="黑体" panose="02010609060101010101" pitchFamily="49" charset="-122"/>
+            </a:endParaRPr>
+          </a:p>
+          <a:p>
+            <a:pPr marL="0" indent="0">
+              <a:buNone/>
+            </a:pPr>
+            <a:r>
+              <a:rPr lang="zh-CN" altLang="en-US" dirty="0">
+                <a:latin typeface="黑体" panose="02010609060101010101" pitchFamily="49" charset="-122"/>
+                <a:ea typeface="黑体" panose="02010609060101010101" pitchFamily="49" charset="-122"/>
+              </a:rPr>
+              <a:t>工作，参与前后端开发</a:t>
+            </a:r>
+          </a:p>
+        </p:txBody>
+      </p:sp>
+      <p:pic>
+        <p:nvPicPr>
+          <p:cNvPr id="4" name="图片 3">
+            <a:extLst>
+              <a:ext uri="{FF2B5EF4-FFF2-40B4-BE49-F238E27FC236}">
+                <a16:creationId xmlns:a16="http://schemas.microsoft.com/office/drawing/2014/main" id="{D269FB17-C318-43CF-91C6-030B70C4B346}"/>
+              </a:ext>
+            </a:extLst>
+          </p:cNvPr>
+          <p:cNvPicPr>
+            <a:picLocks noChangeAspect="1"/>
+          </p:cNvPicPr>
+          <p:nvPr/>
+        </p:nvPicPr>
+        <p:blipFill>
+          <a:blip r:embed="rId2"/>
+          <a:stretch>
+            <a:fillRect/>
+          </a:stretch>
+        </p:blipFill>
+        <p:spPr>
+          <a:xfrm>
+            <a:off x="6654800" y="2562225"/>
+            <a:ext cx="4436533" cy="3327400"/>
+          </a:xfrm>
+          <a:prstGeom prst="rect">
+            <a:avLst/>
+          </a:prstGeom>
+        </p:spPr>
+      </p:pic>
+    </p:spTree>
+    <p:extLst>
+      <p:ext uri="{BB962C8B-B14F-4D97-AF65-F5344CB8AC3E}">
+        <p14:creationId xmlns:p14="http://schemas.microsoft.com/office/powerpoint/2010/main" val="4191261892"/>
+      </p:ext>
+    </p:extLst>
+  </p:cSld>
+  <p:clrMapOvr>
+    <a:masterClrMapping/>
+  </p:clrMapOvr>
+</p:sld>
+</file>
+
+<file path=ppt/slides/slide5.xml><?xml version="1.0" encoding="utf-8"?>
+<p:sld xmlns:a="http://schemas.openxmlformats.org/drawingml/2006/main" xmlns:r="http://schemas.openxmlformats.org/officeDocument/2006/relationships" xmlns:p="http://schemas.openxmlformats.org/presentationml/2006/main">
+  <p:cSld>
+    <p:spTree>
+      <p:nvGrpSpPr>
+        <p:cNvPr id="1" name=""/>
+        <p:cNvGrpSpPr/>
+        <p:nvPr/>
+      </p:nvGrpSpPr>
+      <p:grpSpPr>
+        <a:xfrm>
+          <a:off x="0" y="0"/>
+          <a:ext cx="0" cy="0"/>
+          <a:chOff x="0" y="0"/>
+          <a:chExt cx="0" cy="0"/>
+        </a:xfrm>
+      </p:grpSpPr>
+      <p:sp>
+        <p:nvSpPr>
+          <p:cNvPr id="2" name="标题 1">
+            <a:extLst>
+              <a:ext uri="{FF2B5EF4-FFF2-40B4-BE49-F238E27FC236}">
+                <a16:creationId xmlns:a16="http://schemas.microsoft.com/office/drawing/2014/main" id="{E0D7E466-0DA6-4D76-B3CF-B56D35141DA4}"/>
+              </a:ext>
+            </a:extLst>
+          </p:cNvPr>
+          <p:cNvSpPr>
+            <a:spLocks noGrp="1"/>
+          </p:cNvSpPr>
+          <p:nvPr>
+            <p:ph type="title"/>
+          </p:nvPr>
+        </p:nvSpPr>
+        <p:spPr/>
+        <p:txBody>
+          <a:bodyPr/>
+          <a:lstStyle/>
+          <a:p>
+            <a:r>
+              <a:rPr lang="zh-CN" altLang="en-US" b="1" dirty="0">
+                <a:latin typeface="黑体" panose="02010609060101010101" pitchFamily="49" charset="-122"/>
+                <a:ea typeface="黑体" panose="02010609060101010101" pitchFamily="49" charset="-122"/>
+              </a:rPr>
+              <a:t>系统构架设计概况</a:t>
+            </a:r>
+          </a:p>
+        </p:txBody>
+      </p:sp>
+      <p:pic>
+        <p:nvPicPr>
+          <p:cNvPr id="7" name="图片 6">
+            <a:extLst>
+              <a:ext uri="{FF2B5EF4-FFF2-40B4-BE49-F238E27FC236}">
+                <a16:creationId xmlns:a16="http://schemas.microsoft.com/office/drawing/2014/main" id="{824A9B21-15D6-48E9-851B-3F088C600251}"/>
+              </a:ext>
+            </a:extLst>
+          </p:cNvPr>
+          <p:cNvPicPr>
+            <a:picLocks noChangeAspect="1"/>
+          </p:cNvPicPr>
+          <p:nvPr/>
+        </p:nvPicPr>
+        <p:blipFill>
+          <a:blip r:embed="rId2">
+            <a:extLst>
+              <a:ext uri="{28A0092B-C50C-407E-A947-70E740481C1C}">
+                <a14:useLocalDpi xmlns:a14="http://schemas.microsoft.com/office/drawing/2010/main" val="0"/>
+              </a:ext>
+            </a:extLst>
+          </a:blip>
+          <a:stretch>
+            <a:fillRect/>
+          </a:stretch>
+        </p:blipFill>
+        <p:spPr>
+          <a:xfrm>
+            <a:off x="1090738" y="1690688"/>
+            <a:ext cx="8915402" cy="5743391"/>
+          </a:xfrm>
+          <a:prstGeom prst="rect">
+            <a:avLst/>
+          </a:prstGeom>
+        </p:spPr>
+      </p:pic>
+    </p:spTree>
+    <p:extLst>
+      <p:ext uri="{BB962C8B-B14F-4D97-AF65-F5344CB8AC3E}">
+        <p14:creationId xmlns:p14="http://schemas.microsoft.com/office/powerpoint/2010/main" val="258354604"/>
+      </p:ext>
+    </p:extLst>
+  </p:cSld>
+  <p:clrMapOvr>
+    <a:masterClrMapping/>
+  </p:clrMapOvr>
+</p:sld>
+</file>
+
+<file path=ppt/slides/slide6.xml><?xml version="1.0" encoding="utf-8"?>
+<p:sld xmlns:a="http://schemas.openxmlformats.org/drawingml/2006/main" xmlns:r="http://schemas.openxmlformats.org/officeDocument/2006/relationships" xmlns:p="http://schemas.openxmlformats.org/presentationml/2006/main">
+  <p:cSld>
+    <p:spTree>
+      <p:nvGrpSpPr>
+        <p:cNvPr id="1" name=""/>
+        <p:cNvGrpSpPr/>
+        <p:nvPr/>
+      </p:nvGrpSpPr>
+      <p:grpSpPr>
+        <a:xfrm>
+          <a:off x="0" y="0"/>
+          <a:ext cx="0" cy="0"/>
+          <a:chOff x="0" y="0"/>
+          <a:chExt cx="0" cy="0"/>
+        </a:xfrm>
+      </p:grpSpPr>
+      <p:sp>
+        <p:nvSpPr>
+          <p:cNvPr id="2" name="标题 1">
+            <a:extLst>
+              <a:ext uri="{FF2B5EF4-FFF2-40B4-BE49-F238E27FC236}">
+                <a16:creationId xmlns:a16="http://schemas.microsoft.com/office/drawing/2014/main" id="{FD1DB74C-C177-490C-877D-E340B884BA96}"/>
+              </a:ext>
+            </a:extLst>
+          </p:cNvPr>
+          <p:cNvSpPr>
+            <a:spLocks noGrp="1"/>
+          </p:cNvSpPr>
+          <p:nvPr>
+            <p:ph type="title"/>
+          </p:nvPr>
+        </p:nvSpPr>
+        <p:spPr/>
+        <p:txBody>
+          <a:bodyPr/>
+          <a:lstStyle/>
+          <a:p>
+            <a:r>
+              <a:rPr lang="zh-CN" altLang="en-US" dirty="0">
+                <a:latin typeface="黑体" panose="02010609060101010101" pitchFamily="49" charset="-122"/>
+                <a:ea typeface="黑体" panose="02010609060101010101" pitchFamily="49" charset="-122"/>
+              </a:rPr>
+              <a:t>思维导图</a:t>
+            </a:r>
+          </a:p>
+        </p:txBody>
+      </p:sp>
+      <p:pic>
+        <p:nvPicPr>
+          <p:cNvPr id="5" name="内容占位符 4">
+            <a:extLst>
+              <a:ext uri="{FF2B5EF4-FFF2-40B4-BE49-F238E27FC236}">
+                <a16:creationId xmlns:a16="http://schemas.microsoft.com/office/drawing/2014/main" id="{C9E56555-10AB-4693-A3E0-90AA50A0F488}"/>
+              </a:ext>
+            </a:extLst>
+          </p:cNvPr>
+          <p:cNvPicPr>
+            <a:picLocks noGrp="1" noChangeAspect="1"/>
+          </p:cNvPicPr>
+          <p:nvPr>
+            <p:ph idx="1"/>
+          </p:nvPr>
+        </p:nvPicPr>
+        <p:blipFill>
+          <a:blip r:embed="rId2">
+            <a:extLst>
+              <a:ext uri="{28A0092B-C50C-407E-A947-70E740481C1C}">
+                <a14:useLocalDpi xmlns:a14="http://schemas.microsoft.com/office/drawing/2010/main" val="0"/>
+              </a:ext>
+            </a:extLst>
+          </a:blip>
+          <a:stretch>
+            <a:fillRect/>
+          </a:stretch>
+        </p:blipFill>
+        <p:spPr>
+          <a:xfrm>
+            <a:off x="3416551" y="519840"/>
+            <a:ext cx="7937249" cy="5818319"/>
+          </a:xfrm>
+        </p:spPr>
+      </p:pic>
+    </p:spTree>
+    <p:extLst>
+      <p:ext uri="{BB962C8B-B14F-4D97-AF65-F5344CB8AC3E}">
+        <p14:creationId xmlns:p14="http://schemas.microsoft.com/office/powerpoint/2010/main" val="1800023761"/>
+      </p:ext>
+    </p:extLst>
+  </p:cSld>
+  <p:clrMapOvr>
+    <a:masterClrMapping/>
+  </p:clrMapOvr>
+</p:sld>
+</file>
+
+<file path=ppt/slides/slide7.xml><?xml version="1.0" encoding="utf-8"?>
+<p:sld xmlns:a="http://schemas.openxmlformats.org/drawingml/2006/main" xmlns:r="http://schemas.openxmlformats.org/officeDocument/2006/relationships" xmlns:p="http://schemas.openxmlformats.org/presentationml/2006/main">
+  <p:cSld>
+    <p:spTree>
+      <p:nvGrpSpPr>
+        <p:cNvPr id="1" name=""/>
+        <p:cNvGrpSpPr/>
+        <p:nvPr/>
+      </p:nvGrpSpPr>
+      <p:grpSpPr>
+        <a:xfrm>
+          <a:off x="0" y="0"/>
+          <a:ext cx="0" cy="0"/>
+          <a:chOff x="0" y="0"/>
+          <a:chExt cx="0" cy="0"/>
+        </a:xfrm>
+      </p:grpSpPr>
+      <p:sp>
+        <p:nvSpPr>
+          <p:cNvPr id="2" name="标题 1">
+            <a:extLst>
+              <a:ext uri="{FF2B5EF4-FFF2-40B4-BE49-F238E27FC236}">
+                <a16:creationId xmlns:a16="http://schemas.microsoft.com/office/drawing/2014/main" id="{94EF4397-2EE0-4F1C-8B1F-90ECD08A572E}"/>
+              </a:ext>
+            </a:extLst>
+          </p:cNvPr>
+          <p:cNvSpPr>
+            <a:spLocks noGrp="1"/>
+          </p:cNvSpPr>
+          <p:nvPr>
+            <p:ph type="title"/>
+          </p:nvPr>
+        </p:nvSpPr>
+        <p:spPr/>
+        <p:txBody>
+          <a:bodyPr/>
+          <a:lstStyle/>
+          <a:p>
+            <a:r>
+              <a:rPr lang="zh-CN" altLang="en-US" b="1" dirty="0">
+                <a:latin typeface="黑体" panose="02010609060101010101" pitchFamily="49" charset="-122"/>
+                <a:ea typeface="黑体" panose="02010609060101010101" pitchFamily="49" charset="-122"/>
+              </a:rPr>
+              <a:t>功能介绍（登录注册</a:t>
+            </a:r>
+            <a:r>
+              <a:rPr lang="en-US" altLang="zh-CN" b="1" dirty="0">
+                <a:latin typeface="黑体" panose="02010609060101010101" pitchFamily="49" charset="-122"/>
+                <a:ea typeface="黑体" panose="02010609060101010101" pitchFamily="49" charset="-122"/>
+              </a:rPr>
+              <a:t>+</a:t>
+            </a:r>
+            <a:r>
+              <a:rPr lang="zh-CN" altLang="en-US" b="1" dirty="0">
+                <a:latin typeface="黑体" panose="02010609060101010101" pitchFamily="49" charset="-122"/>
+                <a:ea typeface="黑体" panose="02010609060101010101" pitchFamily="49" charset="-122"/>
+              </a:rPr>
+              <a:t>商城搜索）</a:t>
+            </a:r>
+          </a:p>
+        </p:txBody>
+      </p:sp>
+      <p:pic>
+        <p:nvPicPr>
+          <p:cNvPr id="15" name="图片 14">
+            <a:extLst>
+              <a:ext uri="{FF2B5EF4-FFF2-40B4-BE49-F238E27FC236}">
+                <a16:creationId xmlns:a16="http://schemas.microsoft.com/office/drawing/2014/main" id="{71AB1846-BE6E-4535-A389-BD652A0737BC}"/>
+              </a:ext>
+            </a:extLst>
+          </p:cNvPr>
+          <p:cNvPicPr>
+            <a:picLocks noChangeAspect="1"/>
+          </p:cNvPicPr>
+          <p:nvPr/>
+        </p:nvPicPr>
+        <p:blipFill>
+          <a:blip r:embed="rId2"/>
+          <a:stretch>
+            <a:fillRect/>
+          </a:stretch>
+        </p:blipFill>
+        <p:spPr>
+          <a:xfrm>
+            <a:off x="520700" y="2027583"/>
+            <a:ext cx="5700254" cy="3535986"/>
+          </a:xfrm>
+          <a:prstGeom prst="rect">
+            <a:avLst/>
+          </a:prstGeom>
+        </p:spPr>
+      </p:pic>
+      <p:pic>
+        <p:nvPicPr>
+          <p:cNvPr id="17" name="图片 16">
+            <a:extLst>
+              <a:ext uri="{FF2B5EF4-FFF2-40B4-BE49-F238E27FC236}">
+                <a16:creationId xmlns:a16="http://schemas.microsoft.com/office/drawing/2014/main" id="{2796B1D4-FD56-4FD8-ACDB-EBFBAEF48D04}"/>
+              </a:ext>
+            </a:extLst>
+          </p:cNvPr>
+          <p:cNvPicPr>
+            <a:picLocks noChangeAspect="1"/>
+          </p:cNvPicPr>
+          <p:nvPr/>
+        </p:nvPicPr>
+        <p:blipFill>
+          <a:blip r:embed="rId3"/>
+          <a:stretch>
+            <a:fillRect/>
+          </a:stretch>
+        </p:blipFill>
+        <p:spPr>
+          <a:xfrm>
+            <a:off x="6220954" y="2214289"/>
+            <a:ext cx="5654530" cy="3162574"/>
+          </a:xfrm>
+          <a:prstGeom prst="rect">
+            <a:avLst/>
+          </a:prstGeom>
+        </p:spPr>
+      </p:pic>
+    </p:spTree>
+    <p:extLst>
+      <p:ext uri="{BB962C8B-B14F-4D97-AF65-F5344CB8AC3E}">
+        <p14:creationId xmlns:p14="http://schemas.microsoft.com/office/powerpoint/2010/main" val="3554518905"/>
+      </p:ext>
+    </p:extLst>
+  </p:cSld>
+  <p:clrMapOvr>
+    <a:masterClrMapping/>
+  </p:clrMapOvr>
+</p:sld>
+</file>
+
+<file path=ppt/slides/slide8.xml><?xml version="1.0" encoding="utf-8"?>
+<p:sld xmlns:a="http://schemas.openxmlformats.org/drawingml/2006/main" xmlns:r="http://schemas.openxmlformats.org/officeDocument/2006/relationships" xmlns:p="http://schemas.openxmlformats.org/presentationml/2006/main">
+  <p:cSld>
+    <p:spTree>
+      <p:nvGrpSpPr>
+        <p:cNvPr id="1" name=""/>
+        <p:cNvGrpSpPr/>
+        <p:nvPr/>
+      </p:nvGrpSpPr>
+      <p:grpSpPr>
+        <a:xfrm>
+          <a:off x="0" y="0"/>
+          <a:ext cx="0" cy="0"/>
+          <a:chOff x="0" y="0"/>
+          <a:chExt cx="0" cy="0"/>
+        </a:xfrm>
+      </p:grpSpPr>
+      <p:sp>
+        <p:nvSpPr>
+          <p:cNvPr id="2" name="标题 1">
+            <a:extLst>
+              <a:ext uri="{FF2B5EF4-FFF2-40B4-BE49-F238E27FC236}">
+                <a16:creationId xmlns:a16="http://schemas.microsoft.com/office/drawing/2014/main" id="{3786D08E-F6E7-4394-8D65-AFF06A8F2563}"/>
+              </a:ext>
+            </a:extLst>
+          </p:cNvPr>
+          <p:cNvSpPr>
+            <a:spLocks noGrp="1"/>
+          </p:cNvSpPr>
+          <p:nvPr>
+            <p:ph type="title"/>
+          </p:nvPr>
+        </p:nvSpPr>
+        <p:spPr/>
+        <p:txBody>
+          <a:bodyPr/>
+          <a:lstStyle/>
+          <a:p>
+            <a:r>
+              <a:rPr lang="zh-CN" altLang="en-US" b="1" dirty="0">
+                <a:latin typeface="黑体" panose="02010609060101010101" pitchFamily="49" charset="-122"/>
+                <a:ea typeface="黑体" panose="02010609060101010101" pitchFamily="49" charset="-122"/>
+              </a:rPr>
+              <a:t>功能介绍（商品</a:t>
+            </a:r>
+            <a:r>
+              <a:rPr lang="en-US" altLang="zh-CN" b="1" dirty="0">
+                <a:latin typeface="黑体" panose="02010609060101010101" pitchFamily="49" charset="-122"/>
+                <a:ea typeface="黑体" panose="02010609060101010101" pitchFamily="49" charset="-122"/>
+              </a:rPr>
+              <a:t>+</a:t>
+            </a:r>
+            <a:r>
+              <a:rPr lang="zh-CN" altLang="en-US" b="1" dirty="0">
+                <a:latin typeface="黑体" panose="02010609060101010101" pitchFamily="49" charset="-122"/>
+                <a:ea typeface="黑体" panose="02010609060101010101" pitchFamily="49" charset="-122"/>
+              </a:rPr>
+              <a:t>购物车</a:t>
+            </a:r>
+            <a:r>
+              <a:rPr lang="en-US" altLang="zh-CN" b="1" dirty="0">
+                <a:latin typeface="黑体" panose="02010609060101010101" pitchFamily="49" charset="-122"/>
+                <a:ea typeface="黑体" panose="02010609060101010101" pitchFamily="49" charset="-122"/>
+              </a:rPr>
+              <a:t>+</a:t>
+            </a:r>
+            <a:r>
+              <a:rPr lang="zh-CN" altLang="en-US" b="1" dirty="0">
+                <a:latin typeface="黑体" panose="02010609060101010101" pitchFamily="49" charset="-122"/>
+                <a:ea typeface="黑体" panose="02010609060101010101" pitchFamily="49" charset="-122"/>
+              </a:rPr>
+              <a:t>订单）</a:t>
+            </a:r>
+          </a:p>
+        </p:txBody>
+      </p:sp>
+      <p:pic>
+        <p:nvPicPr>
+          <p:cNvPr id="5" name="图片 4">
+            <a:extLst>
+              <a:ext uri="{FF2B5EF4-FFF2-40B4-BE49-F238E27FC236}">
+                <a16:creationId xmlns:a16="http://schemas.microsoft.com/office/drawing/2014/main" id="{319D41DB-F5DE-4839-A791-C0E7C9636CF9}"/>
+              </a:ext>
+            </a:extLst>
+          </p:cNvPr>
+          <p:cNvPicPr>
+            <a:picLocks noChangeAspect="1"/>
+          </p:cNvPicPr>
+          <p:nvPr/>
+        </p:nvPicPr>
+        <p:blipFill>
+          <a:blip r:embed="rId2"/>
+          <a:stretch>
+            <a:fillRect/>
+          </a:stretch>
+        </p:blipFill>
+        <p:spPr>
+          <a:xfrm>
+            <a:off x="552200" y="2243931"/>
+            <a:ext cx="5753599" cy="3665538"/>
+          </a:xfrm>
+          <a:prstGeom prst="rect">
+            <a:avLst/>
+          </a:prstGeom>
+        </p:spPr>
+      </p:pic>
+      <p:pic>
+        <p:nvPicPr>
+          <p:cNvPr id="7" name="图片 6">
+            <a:extLst>
+              <a:ext uri="{FF2B5EF4-FFF2-40B4-BE49-F238E27FC236}">
+                <a16:creationId xmlns:a16="http://schemas.microsoft.com/office/drawing/2014/main" id="{2F5D39D8-FF1A-45D8-A6DE-96FA3080C337}"/>
+              </a:ext>
+            </a:extLst>
+          </p:cNvPr>
+          <p:cNvPicPr>
+            <a:picLocks noChangeAspect="1"/>
+          </p:cNvPicPr>
+          <p:nvPr/>
+        </p:nvPicPr>
+        <p:blipFill>
+          <a:blip r:embed="rId3"/>
+          <a:stretch>
+            <a:fillRect/>
+          </a:stretch>
+        </p:blipFill>
+        <p:spPr>
+          <a:xfrm>
+            <a:off x="6305799" y="1794312"/>
+            <a:ext cx="5837426" cy="4115157"/>
+          </a:xfrm>
+          <a:prstGeom prst="rect">
+            <a:avLst/>
+          </a:prstGeom>
+        </p:spPr>
+      </p:pic>
+    </p:spTree>
+    <p:extLst>
+      <p:ext uri="{BB962C8B-B14F-4D97-AF65-F5344CB8AC3E}">
+        <p14:creationId xmlns:p14="http://schemas.microsoft.com/office/powerpoint/2010/main" val="2600731496"/>
+      </p:ext>
+    </p:extLst>
+  </p:cSld>
+  <p:clrMapOvr>
+    <a:masterClrMapping/>
+  </p:clrMapOvr>
+</p:sld>
+</file>
+
+<file path=ppt/slides/slide9.xml><?xml version="1.0" encoding="utf-8"?>
+<p:sld xmlns:a="http://schemas.openxmlformats.org/drawingml/2006/main" xmlns:r="http://schemas.openxmlformats.org/officeDocument/2006/relationships" xmlns:p="http://schemas.openxmlformats.org/presentationml/2006/main">
+  <p:cSld>
+    <p:spTree>
+      <p:nvGrpSpPr>
+        <p:cNvPr id="1" name=""/>
+        <p:cNvGrpSpPr/>
+        <p:nvPr/>
+      </p:nvGrpSpPr>
+      <p:grpSpPr>
+        <a:xfrm>
+          <a:off x="0" y="0"/>
+          <a:ext cx="0" cy="0"/>
+          <a:chOff x="0" y="0"/>
+          <a:chExt cx="0" cy="0"/>
+        </a:xfrm>
+      </p:grpSpPr>
+      <p:sp>
+        <p:nvSpPr>
+          <p:cNvPr id="2" name="标题 1">
+            <a:extLst>
+              <a:ext uri="{FF2B5EF4-FFF2-40B4-BE49-F238E27FC236}">
+                <a16:creationId xmlns:a16="http://schemas.microsoft.com/office/drawing/2014/main" id="{3976519F-F37E-47EF-AF40-3D1B37B424F3}"/>
+              </a:ext>
+            </a:extLst>
+          </p:cNvPr>
+          <p:cNvSpPr>
+            <a:spLocks noGrp="1"/>
+          </p:cNvSpPr>
+          <p:nvPr>
+            <p:ph type="title"/>
+          </p:nvPr>
+        </p:nvSpPr>
+        <p:spPr/>
+        <p:txBody>
+          <a:bodyPr/>
+          <a:lstStyle/>
+          <a:p>
+            <a:r>
+              <a:rPr lang="zh-CN" altLang="en-US" b="1" dirty="0">
+                <a:latin typeface="黑体" panose="02010609060101010101" pitchFamily="49" charset="-122"/>
+                <a:ea typeface="黑体" panose="02010609060101010101" pitchFamily="49" charset="-122"/>
+              </a:rPr>
+              <a:t>功能介绍（用户）</a:t>
+            </a:r>
+          </a:p>
+        </p:txBody>
+      </p:sp>
+      <p:pic>
+        <p:nvPicPr>
+          <p:cNvPr id="5" name="内容占位符 4">
+            <a:extLst>
+              <a:ext uri="{FF2B5EF4-FFF2-40B4-BE49-F238E27FC236}">
+                <a16:creationId xmlns:a16="http://schemas.microsoft.com/office/drawing/2014/main" id="{31B8D6BA-BD8D-45F2-A88F-2F87D35DD94E}"/>
+              </a:ext>
+            </a:extLst>
+          </p:cNvPr>
+          <p:cNvPicPr>
+            <a:picLocks noGrp="1" noChangeAspect="1"/>
+          </p:cNvPicPr>
+          <p:nvPr>
+            <p:ph idx="1"/>
+          </p:nvPr>
+        </p:nvPicPr>
+        <p:blipFill>
+          <a:blip r:embed="rId2"/>
+          <a:stretch>
+            <a:fillRect/>
+          </a:stretch>
+        </p:blipFill>
+        <p:spPr>
+          <a:xfrm>
+            <a:off x="3117893" y="1690688"/>
+            <a:ext cx="5295814" cy="4351338"/>
+          </a:xfrm>
+        </p:spPr>
+      </p:pic>
+    </p:spTree>
+    <p:extLst>
+      <p:ext uri="{BB962C8B-B14F-4D97-AF65-F5344CB8AC3E}">
+        <p14:creationId xmlns:p14="http://schemas.microsoft.com/office/powerpoint/2010/main" val="3856812031"/>
       </p:ext>
     </p:extLst>
   </p:cSld>

--- a/design/好物.pptx
+++ b/design/好物.pptx
@@ -6,25 +6,26 @@
   </p:sldMasterIdLst>
   <p:sldIdLst>
     <p:sldId id="256" r:id="rId2"/>
-    <p:sldId id="257" r:id="rId3"/>
-    <p:sldId id="266" r:id="rId4"/>
-    <p:sldId id="258" r:id="rId5"/>
-    <p:sldId id="263" r:id="rId6"/>
-    <p:sldId id="261" r:id="rId7"/>
-    <p:sldId id="265" r:id="rId8"/>
-    <p:sldId id="267" r:id="rId9"/>
-    <p:sldId id="268" r:id="rId10"/>
-    <p:sldId id="259" r:id="rId11"/>
-    <p:sldId id="264" r:id="rId12"/>
-    <p:sldId id="269" r:id="rId13"/>
-    <p:sldId id="270" r:id="rId14"/>
-    <p:sldId id="271" r:id="rId15"/>
-    <p:sldId id="272" r:id="rId16"/>
-    <p:sldId id="273" r:id="rId17"/>
-    <p:sldId id="274" r:id="rId18"/>
-    <p:sldId id="275" r:id="rId19"/>
-    <p:sldId id="260" r:id="rId20"/>
-    <p:sldId id="262" r:id="rId21"/>
+    <p:sldId id="276" r:id="rId3"/>
+    <p:sldId id="257" r:id="rId4"/>
+    <p:sldId id="266" r:id="rId5"/>
+    <p:sldId id="258" r:id="rId6"/>
+    <p:sldId id="263" r:id="rId7"/>
+    <p:sldId id="261" r:id="rId8"/>
+    <p:sldId id="265" r:id="rId9"/>
+    <p:sldId id="267" r:id="rId10"/>
+    <p:sldId id="268" r:id="rId11"/>
+    <p:sldId id="259" r:id="rId12"/>
+    <p:sldId id="264" r:id="rId13"/>
+    <p:sldId id="269" r:id="rId14"/>
+    <p:sldId id="270" r:id="rId15"/>
+    <p:sldId id="271" r:id="rId16"/>
+    <p:sldId id="272" r:id="rId17"/>
+    <p:sldId id="273" r:id="rId18"/>
+    <p:sldId id="274" r:id="rId19"/>
+    <p:sldId id="275" r:id="rId20"/>
+    <p:sldId id="260" r:id="rId21"/>
+    <p:sldId id="262" r:id="rId22"/>
   </p:sldIdLst>
   <p:sldSz cx="12192000" cy="6858000"/>
   <p:notesSz cx="6858000" cy="9144000"/>
@@ -278,7 +279,7 @@
           <a:p>
             <a:fld id="{3998C694-0124-40E9-9192-E3F899CEA6F0}" type="datetimeFigureOut">
               <a:rPr lang="zh-CN" altLang="en-US" smtClean="0"/>
-              <a:t>2022/3/17</a:t>
+              <a:t>2022/3/18</a:t>
             </a:fld>
             <a:endParaRPr lang="zh-CN" altLang="en-US"/>
           </a:p>
@@ -476,7 +477,7 @@
           <a:p>
             <a:fld id="{3998C694-0124-40E9-9192-E3F899CEA6F0}" type="datetimeFigureOut">
               <a:rPr lang="zh-CN" altLang="en-US" smtClean="0"/>
-              <a:t>2022/3/17</a:t>
+              <a:t>2022/3/18</a:t>
             </a:fld>
             <a:endParaRPr lang="zh-CN" altLang="en-US"/>
           </a:p>
@@ -684,7 +685,7 @@
           <a:p>
             <a:fld id="{3998C694-0124-40E9-9192-E3F899CEA6F0}" type="datetimeFigureOut">
               <a:rPr lang="zh-CN" altLang="en-US" smtClean="0"/>
-              <a:t>2022/3/17</a:t>
+              <a:t>2022/3/18</a:t>
             </a:fld>
             <a:endParaRPr lang="zh-CN" altLang="en-US"/>
           </a:p>
@@ -882,7 +883,7 @@
           <a:p>
             <a:fld id="{3998C694-0124-40E9-9192-E3F899CEA6F0}" type="datetimeFigureOut">
               <a:rPr lang="zh-CN" altLang="en-US" smtClean="0"/>
-              <a:t>2022/3/17</a:t>
+              <a:t>2022/3/18</a:t>
             </a:fld>
             <a:endParaRPr lang="zh-CN" altLang="en-US"/>
           </a:p>
@@ -1157,7 +1158,7 @@
           <a:p>
             <a:fld id="{3998C694-0124-40E9-9192-E3F899CEA6F0}" type="datetimeFigureOut">
               <a:rPr lang="zh-CN" altLang="en-US" smtClean="0"/>
-              <a:t>2022/3/17</a:t>
+              <a:t>2022/3/18</a:t>
             </a:fld>
             <a:endParaRPr lang="zh-CN" altLang="en-US"/>
           </a:p>
@@ -1422,7 +1423,7 @@
           <a:p>
             <a:fld id="{3998C694-0124-40E9-9192-E3F899CEA6F0}" type="datetimeFigureOut">
               <a:rPr lang="zh-CN" altLang="en-US" smtClean="0"/>
-              <a:t>2022/3/17</a:t>
+              <a:t>2022/3/18</a:t>
             </a:fld>
             <a:endParaRPr lang="zh-CN" altLang="en-US"/>
           </a:p>
@@ -1834,7 +1835,7 @@
           <a:p>
             <a:fld id="{3998C694-0124-40E9-9192-E3F899CEA6F0}" type="datetimeFigureOut">
               <a:rPr lang="zh-CN" altLang="en-US" smtClean="0"/>
-              <a:t>2022/3/17</a:t>
+              <a:t>2022/3/18</a:t>
             </a:fld>
             <a:endParaRPr lang="zh-CN" altLang="en-US"/>
           </a:p>
@@ -1975,7 +1976,7 @@
           <a:p>
             <a:fld id="{3998C694-0124-40E9-9192-E3F899CEA6F0}" type="datetimeFigureOut">
               <a:rPr lang="zh-CN" altLang="en-US" smtClean="0"/>
-              <a:t>2022/3/17</a:t>
+              <a:t>2022/3/18</a:t>
             </a:fld>
             <a:endParaRPr lang="zh-CN" altLang="en-US"/>
           </a:p>
@@ -2088,7 +2089,7 @@
           <a:p>
             <a:fld id="{3998C694-0124-40E9-9192-E3F899CEA6F0}" type="datetimeFigureOut">
               <a:rPr lang="zh-CN" altLang="en-US" smtClean="0"/>
-              <a:t>2022/3/17</a:t>
+              <a:t>2022/3/18</a:t>
             </a:fld>
             <a:endParaRPr lang="zh-CN" altLang="en-US"/>
           </a:p>
@@ -2399,7 +2400,7 @@
           <a:p>
             <a:fld id="{3998C694-0124-40E9-9192-E3F899CEA6F0}" type="datetimeFigureOut">
               <a:rPr lang="zh-CN" altLang="en-US" smtClean="0"/>
-              <a:t>2022/3/17</a:t>
+              <a:t>2022/3/18</a:t>
             </a:fld>
             <a:endParaRPr lang="zh-CN" altLang="en-US"/>
           </a:p>
@@ -2687,7 +2688,7 @@
           <a:p>
             <a:fld id="{3998C694-0124-40E9-9192-E3F899CEA6F0}" type="datetimeFigureOut">
               <a:rPr lang="zh-CN" altLang="en-US" smtClean="0"/>
-              <a:t>2022/3/17</a:t>
+              <a:t>2022/3/18</a:t>
             </a:fld>
             <a:endParaRPr lang="zh-CN" altLang="en-US"/>
           </a:p>
@@ -2928,7 +2929,7 @@
           <a:p>
             <a:fld id="{3998C694-0124-40E9-9192-E3F899CEA6F0}" type="datetimeFigureOut">
               <a:rPr lang="zh-CN" altLang="en-US" smtClean="0"/>
-              <a:t>2022/3/17</a:t>
+              <a:t>2022/3/18</a:t>
             </a:fld>
             <a:endParaRPr lang="zh-CN" altLang="en-US"/>
           </a:p>
@@ -3473,6 +3474,96 @@
           <p:cNvPr id="2" name="标题 1">
             <a:extLst>
               <a:ext uri="{FF2B5EF4-FFF2-40B4-BE49-F238E27FC236}">
+                <a16:creationId xmlns:a16="http://schemas.microsoft.com/office/drawing/2014/main" id="{3976519F-F37E-47EF-AF40-3D1B37B424F3}"/>
+              </a:ext>
+            </a:extLst>
+          </p:cNvPr>
+          <p:cNvSpPr>
+            <a:spLocks noGrp="1"/>
+          </p:cNvSpPr>
+          <p:nvPr>
+            <p:ph type="title"/>
+          </p:nvPr>
+        </p:nvSpPr>
+        <p:spPr/>
+        <p:txBody>
+          <a:bodyPr/>
+          <a:lstStyle/>
+          <a:p>
+            <a:r>
+              <a:rPr lang="zh-CN" altLang="en-US" b="1" dirty="0">
+                <a:latin typeface="黑体" panose="02010609060101010101" pitchFamily="49" charset="-122"/>
+                <a:ea typeface="黑体" panose="02010609060101010101" pitchFamily="49" charset="-122"/>
+              </a:rPr>
+              <a:t>功能介绍（用户）</a:t>
+            </a:r>
+          </a:p>
+        </p:txBody>
+      </p:sp>
+      <p:pic>
+        <p:nvPicPr>
+          <p:cNvPr id="5" name="内容占位符 4">
+            <a:extLst>
+              <a:ext uri="{FF2B5EF4-FFF2-40B4-BE49-F238E27FC236}">
+                <a16:creationId xmlns:a16="http://schemas.microsoft.com/office/drawing/2014/main" id="{31B8D6BA-BD8D-45F2-A88F-2F87D35DD94E}"/>
+              </a:ext>
+            </a:extLst>
+          </p:cNvPr>
+          <p:cNvPicPr>
+            <a:picLocks noGrp="1" noChangeAspect="1"/>
+          </p:cNvPicPr>
+          <p:nvPr>
+            <p:ph idx="1"/>
+          </p:nvPr>
+        </p:nvPicPr>
+        <p:blipFill>
+          <a:blip r:embed="rId2"/>
+          <a:stretch>
+            <a:fillRect/>
+          </a:stretch>
+        </p:blipFill>
+        <p:spPr>
+          <a:xfrm>
+            <a:off x="3117893" y="1690688"/>
+            <a:ext cx="5295814" cy="4351338"/>
+          </a:xfrm>
+        </p:spPr>
+      </p:pic>
+    </p:spTree>
+    <p:extLst>
+      <p:ext uri="{BB962C8B-B14F-4D97-AF65-F5344CB8AC3E}">
+        <p14:creationId xmlns:p14="http://schemas.microsoft.com/office/powerpoint/2010/main" val="3856812031"/>
+      </p:ext>
+    </p:extLst>
+  </p:cSld>
+  <p:clrMapOvr>
+    <a:masterClrMapping/>
+  </p:clrMapOvr>
+</p:sld>
+</file>
+
+<file path=ppt/slides/slide11.xml><?xml version="1.0" encoding="utf-8"?>
+<p:sld xmlns:a="http://schemas.openxmlformats.org/drawingml/2006/main" xmlns:r="http://schemas.openxmlformats.org/officeDocument/2006/relationships" xmlns:p="http://schemas.openxmlformats.org/presentationml/2006/main">
+  <p:cSld>
+    <p:spTree>
+      <p:nvGrpSpPr>
+        <p:cNvPr id="1" name=""/>
+        <p:cNvGrpSpPr/>
+        <p:nvPr/>
+      </p:nvGrpSpPr>
+      <p:grpSpPr>
+        <a:xfrm>
+          <a:off x="0" y="0"/>
+          <a:ext cx="0" cy="0"/>
+          <a:chOff x="0" y="0"/>
+          <a:chExt cx="0" cy="0"/>
+        </a:xfrm>
+      </p:grpSpPr>
+      <p:sp>
+        <p:nvSpPr>
+          <p:cNvPr id="2" name="标题 1">
+            <a:extLst>
+              <a:ext uri="{FF2B5EF4-FFF2-40B4-BE49-F238E27FC236}">
                 <a16:creationId xmlns:a16="http://schemas.microsoft.com/office/drawing/2014/main" id="{2530390B-582C-4E87-B413-979BA2BDCAB3}"/>
               </a:ext>
             </a:extLst>
@@ -3628,301 +3719,6 @@
 </p:sld>
 </file>
 
-<file path=ppt/slides/slide11.xml><?xml version="1.0" encoding="utf-8"?>
-<p:sld xmlns:a="http://schemas.openxmlformats.org/drawingml/2006/main" xmlns:r="http://schemas.openxmlformats.org/officeDocument/2006/relationships" xmlns:p="http://schemas.openxmlformats.org/presentationml/2006/main">
-  <p:cSld>
-    <p:spTree>
-      <p:nvGrpSpPr>
-        <p:cNvPr id="1" name=""/>
-        <p:cNvGrpSpPr/>
-        <p:nvPr/>
-      </p:nvGrpSpPr>
-      <p:grpSpPr>
-        <a:xfrm>
-          <a:off x="0" y="0"/>
-          <a:ext cx="0" cy="0"/>
-          <a:chOff x="0" y="0"/>
-          <a:chExt cx="0" cy="0"/>
-        </a:xfrm>
-      </p:grpSpPr>
-      <p:sp>
-        <p:nvSpPr>
-          <p:cNvPr id="2" name="标题 1">
-            <a:extLst>
-              <a:ext uri="{FF2B5EF4-FFF2-40B4-BE49-F238E27FC236}">
-                <a16:creationId xmlns:a16="http://schemas.microsoft.com/office/drawing/2014/main" id="{B812A9E4-8011-485D-961E-CCA6EE5F8B5B}"/>
-              </a:ext>
-            </a:extLst>
-          </p:cNvPr>
-          <p:cNvSpPr>
-            <a:spLocks noGrp="1"/>
-          </p:cNvSpPr>
-          <p:nvPr>
-            <p:ph type="title"/>
-          </p:nvPr>
-        </p:nvSpPr>
-        <p:spPr/>
-        <p:txBody>
-          <a:bodyPr/>
-          <a:lstStyle/>
-          <a:p>
-            <a:r>
-              <a:rPr lang="zh-CN" altLang="en-US" b="1" dirty="0">
-                <a:latin typeface="黑体" panose="02010609060101010101" pitchFamily="49" charset="-122"/>
-                <a:ea typeface="黑体" panose="02010609060101010101" pitchFamily="49" charset="-122"/>
-              </a:rPr>
-              <a:t>技术实现</a:t>
-            </a:r>
-          </a:p>
-        </p:txBody>
-      </p:sp>
-      <p:sp>
-        <p:nvSpPr>
-          <p:cNvPr id="3" name="内容占位符 2">
-            <a:extLst>
-              <a:ext uri="{FF2B5EF4-FFF2-40B4-BE49-F238E27FC236}">
-                <a16:creationId xmlns:a16="http://schemas.microsoft.com/office/drawing/2014/main" id="{7795E4C6-CC6A-42E9-894A-97E9F3C90867}"/>
-              </a:ext>
-            </a:extLst>
-          </p:cNvPr>
-          <p:cNvSpPr>
-            <a:spLocks noGrp="1"/>
-          </p:cNvSpPr>
-          <p:nvPr>
-            <p:ph idx="1"/>
-          </p:nvPr>
-        </p:nvSpPr>
-        <p:spPr/>
-        <p:txBody>
-          <a:bodyPr/>
-          <a:lstStyle/>
-          <a:p>
-            <a:pPr marL="0" indent="0">
-              <a:buNone/>
-            </a:pPr>
-            <a:r>
-              <a:rPr lang="en-US" altLang="zh-CN" dirty="0"/>
-              <a:t>  </a:t>
-            </a:r>
-            <a:r>
-              <a:rPr lang="zh-CN" altLang="en-US" sz="3600" dirty="0">
-                <a:latin typeface="黑体" panose="02010609060101010101" pitchFamily="49" charset="-122"/>
-                <a:ea typeface="黑体" panose="02010609060101010101" pitchFamily="49" charset="-122"/>
-              </a:rPr>
-              <a:t>前端</a:t>
-            </a:r>
-            <a:endParaRPr lang="en-US" altLang="zh-CN" dirty="0">
-              <a:latin typeface="黑体" panose="02010609060101010101" pitchFamily="49" charset="-122"/>
-              <a:ea typeface="黑体" panose="02010609060101010101" pitchFamily="49" charset="-122"/>
-            </a:endParaRPr>
-          </a:p>
-          <a:p>
-            <a:pPr marL="0" indent="0">
-              <a:buNone/>
-            </a:pPr>
-            <a:r>
-              <a:rPr lang="zh-CN" altLang="en-US" dirty="0">
-                <a:latin typeface="黑体" panose="02010609060101010101" pitchFamily="49" charset="-122"/>
-                <a:ea typeface="黑体" panose="02010609060101010101" pitchFamily="49" charset="-122"/>
-              </a:rPr>
-              <a:t>  使用</a:t>
-            </a:r>
-            <a:r>
-              <a:rPr lang="en-US" altLang="zh-CN" dirty="0">
-                <a:latin typeface="黑体" panose="02010609060101010101" pitchFamily="49" charset="-122"/>
-                <a:ea typeface="黑体" panose="02010609060101010101" pitchFamily="49" charset="-122"/>
-              </a:rPr>
-              <a:t>JAVA</a:t>
-            </a:r>
-            <a:r>
-              <a:rPr lang="zh-CN" altLang="en-US" dirty="0">
-                <a:latin typeface="黑体" panose="02010609060101010101" pitchFamily="49" charset="-122"/>
-                <a:ea typeface="黑体" panose="02010609060101010101" pitchFamily="49" charset="-122"/>
-              </a:rPr>
-              <a:t>语言，采用</a:t>
-            </a:r>
-            <a:r>
-              <a:rPr lang="en-US" altLang="zh-CN" dirty="0" err="1">
-                <a:latin typeface="黑体" panose="02010609060101010101" pitchFamily="49" charset="-122"/>
-                <a:ea typeface="黑体" panose="02010609060101010101" pitchFamily="49" charset="-122"/>
-              </a:rPr>
-              <a:t>JavaWeb</a:t>
-            </a:r>
-            <a:r>
-              <a:rPr lang="zh-CN" altLang="en-US" dirty="0">
-                <a:latin typeface="黑体" panose="02010609060101010101" pitchFamily="49" charset="-122"/>
-                <a:ea typeface="黑体" panose="02010609060101010101" pitchFamily="49" charset="-122"/>
-              </a:rPr>
-              <a:t>作为主体，辅以</a:t>
-            </a:r>
-            <a:r>
-              <a:rPr lang="en-US" altLang="zh-CN" dirty="0">
-                <a:latin typeface="黑体" panose="02010609060101010101" pitchFamily="49" charset="-122"/>
-                <a:ea typeface="黑体" panose="02010609060101010101" pitchFamily="49" charset="-122"/>
-              </a:rPr>
-              <a:t>HTML</a:t>
-            </a:r>
-            <a:r>
-              <a:rPr lang="zh-CN" altLang="en-US" dirty="0">
-                <a:latin typeface="黑体" panose="02010609060101010101" pitchFamily="49" charset="-122"/>
-                <a:ea typeface="黑体" panose="02010609060101010101" pitchFamily="49" charset="-122"/>
-              </a:rPr>
-              <a:t>和</a:t>
-            </a:r>
-            <a:r>
-              <a:rPr lang="en-US" altLang="zh-CN" dirty="0">
-                <a:latin typeface="黑体" panose="02010609060101010101" pitchFamily="49" charset="-122"/>
-                <a:ea typeface="黑体" panose="02010609060101010101" pitchFamily="49" charset="-122"/>
-              </a:rPr>
-              <a:t>CSS</a:t>
-            </a:r>
-            <a:r>
-              <a:rPr lang="zh-CN" altLang="en-US" dirty="0">
-                <a:latin typeface="黑体" panose="02010609060101010101" pitchFamily="49" charset="-122"/>
-                <a:ea typeface="黑体" panose="02010609060101010101" pitchFamily="49" charset="-122"/>
-              </a:rPr>
-              <a:t>的设计，   </a:t>
-            </a:r>
-            <a:endParaRPr lang="en-US" altLang="zh-CN" dirty="0">
-              <a:latin typeface="黑体" panose="02010609060101010101" pitchFamily="49" charset="-122"/>
-              <a:ea typeface="黑体" panose="02010609060101010101" pitchFamily="49" charset="-122"/>
-            </a:endParaRPr>
-          </a:p>
-          <a:p>
-            <a:pPr marL="0" indent="0">
-              <a:buNone/>
-            </a:pPr>
-            <a:r>
-              <a:rPr lang="en-US" altLang="zh-CN" dirty="0">
-                <a:latin typeface="黑体" panose="02010609060101010101" pitchFamily="49" charset="-122"/>
-                <a:ea typeface="黑体" panose="02010609060101010101" pitchFamily="49" charset="-122"/>
-              </a:rPr>
-              <a:t>  </a:t>
-            </a:r>
-            <a:r>
-              <a:rPr lang="zh-CN" altLang="en-US" dirty="0">
-                <a:latin typeface="黑体" panose="02010609060101010101" pitchFamily="49" charset="-122"/>
-                <a:ea typeface="黑体" panose="02010609060101010101" pitchFamily="49" charset="-122"/>
-              </a:rPr>
-              <a:t>配以集成的</a:t>
-            </a:r>
-            <a:r>
-              <a:rPr lang="en-US" altLang="zh-CN" dirty="0">
-                <a:latin typeface="黑体" panose="02010609060101010101" pitchFamily="49" charset="-122"/>
-                <a:ea typeface="黑体" panose="02010609060101010101" pitchFamily="49" charset="-122"/>
-              </a:rPr>
-              <a:t>SDK</a:t>
-            </a:r>
-          </a:p>
-          <a:p>
-            <a:endParaRPr lang="en-US" altLang="zh-CN" dirty="0">
-              <a:latin typeface="黑体" panose="02010609060101010101" pitchFamily="49" charset="-122"/>
-              <a:ea typeface="黑体" panose="02010609060101010101" pitchFamily="49" charset="-122"/>
-            </a:endParaRPr>
-          </a:p>
-          <a:p>
-            <a:endParaRPr lang="en-US" altLang="zh-CN" dirty="0">
-              <a:latin typeface="黑体" panose="02010609060101010101" pitchFamily="49" charset="-122"/>
-              <a:ea typeface="黑体" panose="02010609060101010101" pitchFamily="49" charset="-122"/>
-            </a:endParaRPr>
-          </a:p>
-          <a:p>
-            <a:pPr marL="0" indent="0">
-              <a:buNone/>
-            </a:pPr>
-            <a:r>
-              <a:rPr lang="zh-CN" altLang="en-US" dirty="0">
-                <a:latin typeface="黑体" panose="02010609060101010101" pitchFamily="49" charset="-122"/>
-                <a:ea typeface="黑体" panose="02010609060101010101" pitchFamily="49" charset="-122"/>
-              </a:rPr>
-              <a:t>  </a:t>
-            </a:r>
-            <a:r>
-              <a:rPr lang="zh-CN" altLang="en-US" sz="3600" dirty="0">
-                <a:latin typeface="黑体" panose="02010609060101010101" pitchFamily="49" charset="-122"/>
-                <a:ea typeface="黑体" panose="02010609060101010101" pitchFamily="49" charset="-122"/>
-              </a:rPr>
-              <a:t>后端</a:t>
-            </a:r>
-            <a:endParaRPr lang="en-US" altLang="zh-CN" sz="3600" dirty="0">
-              <a:latin typeface="黑体" panose="02010609060101010101" pitchFamily="49" charset="-122"/>
-              <a:ea typeface="黑体" panose="02010609060101010101" pitchFamily="49" charset="-122"/>
-            </a:endParaRPr>
-          </a:p>
-          <a:p>
-            <a:pPr marL="0" indent="0">
-              <a:buNone/>
-            </a:pPr>
-            <a:r>
-              <a:rPr lang="zh-CN" altLang="en-US" dirty="0">
-                <a:latin typeface="黑体" panose="02010609060101010101" pitchFamily="49" charset="-122"/>
-                <a:ea typeface="黑体" panose="02010609060101010101" pitchFamily="49" charset="-122"/>
-              </a:rPr>
-              <a:t>  采用</a:t>
-            </a:r>
-            <a:r>
-              <a:rPr lang="en-US" altLang="zh-CN" dirty="0">
-                <a:latin typeface="黑体" panose="02010609060101010101" pitchFamily="49" charset="-122"/>
-                <a:ea typeface="黑体" panose="02010609060101010101" pitchFamily="49" charset="-122"/>
-              </a:rPr>
-              <a:t>JAVA</a:t>
-            </a:r>
-            <a:r>
-              <a:rPr lang="zh-CN" altLang="en-US" dirty="0">
-                <a:latin typeface="黑体" panose="02010609060101010101" pitchFamily="49" charset="-122"/>
-                <a:ea typeface="黑体" panose="02010609060101010101" pitchFamily="49" charset="-122"/>
-              </a:rPr>
-              <a:t>语言，运用</a:t>
-            </a:r>
-            <a:r>
-              <a:rPr lang="en-US" altLang="zh-CN" dirty="0" err="1">
-                <a:latin typeface="黑体" panose="02010609060101010101" pitchFamily="49" charset="-122"/>
-                <a:ea typeface="黑体" panose="02010609060101010101" pitchFamily="49" charset="-122"/>
-              </a:rPr>
-              <a:t>Springboot+MyBatis+MySQL</a:t>
-            </a:r>
-            <a:r>
-              <a:rPr lang="zh-CN" altLang="en-US" dirty="0">
-                <a:latin typeface="黑体" panose="02010609060101010101" pitchFamily="49" charset="-122"/>
-                <a:ea typeface="黑体" panose="02010609060101010101" pitchFamily="49" charset="-122"/>
-              </a:rPr>
-              <a:t>三件套</a:t>
-            </a:r>
-            <a:endParaRPr lang="en-US" altLang="zh-CN" dirty="0">
-              <a:latin typeface="黑体" panose="02010609060101010101" pitchFamily="49" charset="-122"/>
-              <a:ea typeface="黑体" panose="02010609060101010101" pitchFamily="49" charset="-122"/>
-            </a:endParaRPr>
-          </a:p>
-          <a:p>
-            <a:pPr marL="0" indent="0">
-              <a:buNone/>
-            </a:pPr>
-            <a:endParaRPr lang="en-US" altLang="zh-CN" dirty="0">
-              <a:latin typeface="黑体" panose="02010609060101010101" pitchFamily="49" charset="-122"/>
-              <a:ea typeface="黑体" panose="02010609060101010101" pitchFamily="49" charset="-122"/>
-            </a:endParaRPr>
-          </a:p>
-          <a:p>
-            <a:pPr marL="0" indent="0">
-              <a:buNone/>
-            </a:pPr>
-            <a:endParaRPr lang="zh-CN" altLang="en-US" dirty="0"/>
-          </a:p>
-        </p:txBody>
-      </p:sp>
-    </p:spTree>
-    <p:extLst>
-      <p:ext uri="{BB962C8B-B14F-4D97-AF65-F5344CB8AC3E}">
-        <p14:creationId xmlns:p14="http://schemas.microsoft.com/office/powerpoint/2010/main" val="2372212117"/>
-      </p:ext>
-    </p:extLst>
-  </p:cSld>
-  <p:clrMapOvr>
-    <a:masterClrMapping/>
-  </p:clrMapOvr>
-</p:sld>
-</file>
-
 <file path=ppt/slides/slide12.xml><?xml version="1.0" encoding="utf-8"?>
 <p:sld xmlns:a="http://schemas.openxmlformats.org/drawingml/2006/main" xmlns:r="http://schemas.openxmlformats.org/officeDocument/2006/relationships" xmlns:p="http://schemas.openxmlformats.org/presentationml/2006/main">
   <p:cSld>
@@ -3945,7 +3741,7 @@
           <p:cNvPr id="2" name="标题 1">
             <a:extLst>
               <a:ext uri="{FF2B5EF4-FFF2-40B4-BE49-F238E27FC236}">
-                <a16:creationId xmlns:a16="http://schemas.microsoft.com/office/drawing/2014/main" id="{D3595D8F-7CA1-4282-B605-87524D74E509}"/>
+                <a16:creationId xmlns:a16="http://schemas.microsoft.com/office/drawing/2014/main" id="{B812A9E4-8011-485D-961E-CCA6EE5F8B5B}"/>
               </a:ext>
             </a:extLst>
           </p:cNvPr>
@@ -3956,12 +3752,7 @@
             <p:ph type="title"/>
           </p:nvPr>
         </p:nvSpPr>
-        <p:spPr>
-          <a:xfrm>
-            <a:off x="687371" y="91748"/>
-            <a:ext cx="10515600" cy="1325563"/>
-          </a:xfrm>
-        </p:spPr>
+        <p:spPr/>
         <p:txBody>
           <a:bodyPr/>
           <a:lstStyle/>
@@ -3971,317 +3762,249 @@
                 <a:latin typeface="黑体" panose="02010609060101010101" pitchFamily="49" charset="-122"/>
                 <a:ea typeface="黑体" panose="02010609060101010101" pitchFamily="49" charset="-122"/>
               </a:rPr>
-              <a:t>登录注册逻辑</a:t>
-            </a:r>
-          </a:p>
-        </p:txBody>
-      </p:sp>
-      <p:pic>
-        <p:nvPicPr>
-          <p:cNvPr id="5" name="图片 4">
-            <a:extLst>
-              <a:ext uri="{FF2B5EF4-FFF2-40B4-BE49-F238E27FC236}">
-                <a16:creationId xmlns:a16="http://schemas.microsoft.com/office/drawing/2014/main" id="{A3C5AA10-0CCF-45FA-8499-B1E18596EA43}"/>
-              </a:ext>
-            </a:extLst>
-          </p:cNvPr>
-          <p:cNvPicPr>
-            <a:picLocks noChangeAspect="1"/>
-          </p:cNvPicPr>
-          <p:nvPr/>
-        </p:nvPicPr>
-        <p:blipFill>
-          <a:blip r:embed="rId2" cstate="print">
-            <a:extLst>
-              <a:ext uri="{28A0092B-C50C-407E-A947-70E740481C1C}">
-                <a14:useLocalDpi xmlns:a14="http://schemas.microsoft.com/office/drawing/2010/main" val="0"/>
-              </a:ext>
-            </a:extLst>
-          </a:blip>
-          <a:srcRect/>
-          <a:stretch>
-            <a:fillRect/>
-          </a:stretch>
-        </p:blipFill>
-        <p:spPr bwMode="auto">
-          <a:xfrm>
-            <a:off x="482583" y="1292886"/>
-            <a:ext cx="2641600" cy="5120640"/>
-          </a:xfrm>
-          <a:prstGeom prst="rect">
-            <a:avLst/>
-          </a:prstGeom>
-          <a:noFill/>
-          <a:ln>
-            <a:noFill/>
-          </a:ln>
-        </p:spPr>
-      </p:pic>
-      <p:pic>
-        <p:nvPicPr>
-          <p:cNvPr id="6" name="图片 5">
-            <a:extLst>
-              <a:ext uri="{FF2B5EF4-FFF2-40B4-BE49-F238E27FC236}">
-                <a16:creationId xmlns:a16="http://schemas.microsoft.com/office/drawing/2014/main" id="{F20CB194-65CD-4F84-9737-FE9E78C3E6DE}"/>
-              </a:ext>
-            </a:extLst>
-          </p:cNvPr>
-          <p:cNvPicPr>
-            <a:picLocks noChangeAspect="1"/>
-          </p:cNvPicPr>
-          <p:nvPr/>
-        </p:nvPicPr>
-        <p:blipFill>
-          <a:blip r:embed="rId3" cstate="print">
-            <a:extLst>
-              <a:ext uri="{28A0092B-C50C-407E-A947-70E740481C1C}">
-                <a14:useLocalDpi xmlns:a14="http://schemas.microsoft.com/office/drawing/2010/main" val="0"/>
-              </a:ext>
-            </a:extLst>
-          </a:blip>
-          <a:srcRect/>
-          <a:stretch>
-            <a:fillRect/>
-          </a:stretch>
-        </p:blipFill>
-        <p:spPr bwMode="auto">
-          <a:xfrm>
-            <a:off x="3294639" y="1292887"/>
-            <a:ext cx="2629138" cy="5120640"/>
-          </a:xfrm>
-          <a:prstGeom prst="rect">
-            <a:avLst/>
-          </a:prstGeom>
-          <a:noFill/>
-          <a:ln>
-            <a:noFill/>
-          </a:ln>
-        </p:spPr>
-      </p:pic>
-      <p:pic>
-        <p:nvPicPr>
-          <p:cNvPr id="7" name="图片 6">
-            <a:extLst>
-              <a:ext uri="{FF2B5EF4-FFF2-40B4-BE49-F238E27FC236}">
-                <a16:creationId xmlns:a16="http://schemas.microsoft.com/office/drawing/2014/main" id="{E9C17175-8AC7-42AC-A340-5B2B74591761}"/>
-              </a:ext>
-            </a:extLst>
-          </p:cNvPr>
-          <p:cNvPicPr>
-            <a:picLocks noChangeAspect="1"/>
-          </p:cNvPicPr>
-          <p:nvPr/>
-        </p:nvPicPr>
-        <p:blipFill>
-          <a:blip r:embed="rId4" cstate="print">
-            <a:extLst>
-              <a:ext uri="{28A0092B-C50C-407E-A947-70E740481C1C}">
-                <a14:useLocalDpi xmlns:a14="http://schemas.microsoft.com/office/drawing/2010/main" val="0"/>
-              </a:ext>
-            </a:extLst>
-          </a:blip>
-          <a:srcRect/>
-          <a:stretch>
-            <a:fillRect/>
-          </a:stretch>
-        </p:blipFill>
-        <p:spPr bwMode="auto">
-          <a:xfrm>
-            <a:off x="6228657" y="1292886"/>
-            <a:ext cx="2668117" cy="5120640"/>
-          </a:xfrm>
-          <a:prstGeom prst="rect">
-            <a:avLst/>
-          </a:prstGeom>
-          <a:noFill/>
-          <a:ln>
-            <a:noFill/>
-          </a:ln>
-        </p:spPr>
-      </p:pic>
-      <p:pic>
-        <p:nvPicPr>
-          <p:cNvPr id="8" name="图片 7">
-            <a:extLst>
-              <a:ext uri="{FF2B5EF4-FFF2-40B4-BE49-F238E27FC236}">
-                <a16:creationId xmlns:a16="http://schemas.microsoft.com/office/drawing/2014/main" id="{CB382E5B-91F3-4A6F-A90D-3065A0B2A854}"/>
-              </a:ext>
-            </a:extLst>
-          </p:cNvPr>
-          <p:cNvPicPr>
-            <a:picLocks noChangeAspect="1"/>
-          </p:cNvPicPr>
-          <p:nvPr/>
-        </p:nvPicPr>
-        <p:blipFill>
-          <a:blip r:embed="rId5" cstate="print">
-            <a:extLst>
-              <a:ext uri="{28A0092B-C50C-407E-A947-70E740481C1C}">
-                <a14:useLocalDpi xmlns:a14="http://schemas.microsoft.com/office/drawing/2010/main" val="0"/>
-              </a:ext>
-            </a:extLst>
-          </a:blip>
-          <a:srcRect/>
-          <a:stretch>
-            <a:fillRect/>
-          </a:stretch>
-        </p:blipFill>
-        <p:spPr bwMode="auto">
-          <a:xfrm>
-            <a:off x="9201654" y="1292886"/>
-            <a:ext cx="2619633" cy="5120641"/>
-          </a:xfrm>
-          <a:prstGeom prst="rect">
-            <a:avLst/>
-          </a:prstGeom>
-          <a:noFill/>
-          <a:ln>
-            <a:noFill/>
-          </a:ln>
-        </p:spPr>
-      </p:pic>
-      <p:sp>
-        <p:nvSpPr>
-          <p:cNvPr id="9" name="箭头: 右 8">
-            <a:extLst>
-              <a:ext uri="{FF2B5EF4-FFF2-40B4-BE49-F238E27FC236}">
-                <a16:creationId xmlns:a16="http://schemas.microsoft.com/office/drawing/2014/main" id="{2D7A1733-7C12-44D5-9CF6-BF8724CD5218}"/>
-              </a:ext>
-            </a:extLst>
-          </p:cNvPr>
-          <p:cNvSpPr/>
-          <p:nvPr/>
-        </p:nvSpPr>
-        <p:spPr>
-          <a:xfrm>
-            <a:off x="2989759" y="3610890"/>
-            <a:ext cx="565608" cy="484632"/>
-          </a:xfrm>
-          <a:prstGeom prst="rightArrow">
-            <a:avLst/>
-          </a:prstGeom>
-        </p:spPr>
-        <p:style>
-          <a:lnRef idx="2">
-            <a:schemeClr val="accent1">
-              <a:shade val="50000"/>
-            </a:schemeClr>
-          </a:lnRef>
-          <a:fillRef idx="1">
-            <a:schemeClr val="accent1"/>
-          </a:fillRef>
-          <a:effectRef idx="0">
-            <a:schemeClr val="accent1"/>
-          </a:effectRef>
-          <a:fontRef idx="minor">
-            <a:schemeClr val="lt1"/>
-          </a:fontRef>
-        </p:style>
-        <p:txBody>
-          <a:bodyPr rtlCol="0" anchor="ctr"/>
-          <a:lstStyle/>
-          <a:p>
-            <a:pPr algn="ctr"/>
-            <a:endParaRPr lang="zh-CN" altLang="en-US"/>
-          </a:p>
-        </p:txBody>
-      </p:sp>
-      <p:sp>
-        <p:nvSpPr>
-          <p:cNvPr id="11" name="箭头: 右 10">
-            <a:extLst>
-              <a:ext uri="{FF2B5EF4-FFF2-40B4-BE49-F238E27FC236}">
-                <a16:creationId xmlns:a16="http://schemas.microsoft.com/office/drawing/2014/main" id="{A7556BDE-69D7-459E-8B6C-BD0CC2FF2CC3}"/>
-              </a:ext>
-            </a:extLst>
-          </p:cNvPr>
-          <p:cNvSpPr/>
-          <p:nvPr/>
-        </p:nvSpPr>
-        <p:spPr>
-          <a:xfrm>
-            <a:off x="5836452" y="3610890"/>
-            <a:ext cx="565608" cy="484632"/>
-          </a:xfrm>
-          <a:prstGeom prst="rightArrow">
-            <a:avLst/>
-          </a:prstGeom>
-        </p:spPr>
-        <p:style>
-          <a:lnRef idx="2">
-            <a:schemeClr val="accent1">
-              <a:shade val="50000"/>
-            </a:schemeClr>
-          </a:lnRef>
-          <a:fillRef idx="1">
-            <a:schemeClr val="accent1"/>
-          </a:fillRef>
-          <a:effectRef idx="0">
-            <a:schemeClr val="accent1"/>
-          </a:effectRef>
-          <a:fontRef idx="minor">
-            <a:schemeClr val="lt1"/>
-          </a:fontRef>
-        </p:style>
-        <p:txBody>
-          <a:bodyPr rtlCol="0" anchor="ctr"/>
-          <a:lstStyle/>
-          <a:p>
-            <a:pPr algn="ctr"/>
-            <a:endParaRPr lang="zh-CN" altLang="en-US"/>
-          </a:p>
-        </p:txBody>
-      </p:sp>
-      <p:sp>
-        <p:nvSpPr>
-          <p:cNvPr id="12" name="箭头: 右 11">
-            <a:extLst>
-              <a:ext uri="{FF2B5EF4-FFF2-40B4-BE49-F238E27FC236}">
-                <a16:creationId xmlns:a16="http://schemas.microsoft.com/office/drawing/2014/main" id="{5DEB2C5A-A548-4EC1-8131-7411FC575E58}"/>
-              </a:ext>
-            </a:extLst>
-          </p:cNvPr>
-          <p:cNvSpPr/>
-          <p:nvPr/>
-        </p:nvSpPr>
-        <p:spPr>
-          <a:xfrm>
-            <a:off x="8940926" y="3608533"/>
-            <a:ext cx="565608" cy="484632"/>
-          </a:xfrm>
-          <a:prstGeom prst="rightArrow">
-            <a:avLst/>
-          </a:prstGeom>
-        </p:spPr>
-        <p:style>
-          <a:lnRef idx="2">
-            <a:schemeClr val="accent1">
-              <a:shade val="50000"/>
-            </a:schemeClr>
-          </a:lnRef>
-          <a:fillRef idx="1">
-            <a:schemeClr val="accent1"/>
-          </a:fillRef>
-          <a:effectRef idx="0">
-            <a:schemeClr val="accent1"/>
-          </a:effectRef>
-          <a:fontRef idx="minor">
-            <a:schemeClr val="lt1"/>
-          </a:fontRef>
-        </p:style>
-        <p:txBody>
-          <a:bodyPr rtlCol="0" anchor="ctr"/>
-          <a:lstStyle/>
-          <a:p>
-            <a:pPr algn="ctr"/>
-            <a:endParaRPr lang="zh-CN" altLang="en-US"/>
+              <a:t>技术实现</a:t>
+            </a:r>
+          </a:p>
+        </p:txBody>
+      </p:sp>
+      <p:sp>
+        <p:nvSpPr>
+          <p:cNvPr id="3" name="内容占位符 2">
+            <a:extLst>
+              <a:ext uri="{FF2B5EF4-FFF2-40B4-BE49-F238E27FC236}">
+                <a16:creationId xmlns:a16="http://schemas.microsoft.com/office/drawing/2014/main" id="{7795E4C6-CC6A-42E9-894A-97E9F3C90867}"/>
+              </a:ext>
+            </a:extLst>
+          </p:cNvPr>
+          <p:cNvSpPr>
+            <a:spLocks noGrp="1"/>
+          </p:cNvSpPr>
+          <p:nvPr>
+            <p:ph idx="1"/>
+          </p:nvPr>
+        </p:nvSpPr>
+        <p:spPr/>
+        <p:txBody>
+          <a:bodyPr/>
+          <a:lstStyle/>
+          <a:p>
+            <a:pPr marL="0" indent="0">
+              <a:buNone/>
+            </a:pPr>
+            <a:r>
+              <a:rPr lang="en-US" altLang="zh-CN" dirty="0"/>
+              <a:t>  </a:t>
+            </a:r>
+            <a:r>
+              <a:rPr lang="zh-CN" altLang="en-US" sz="3600" dirty="0">
+                <a:latin typeface="黑体" panose="02010609060101010101" pitchFamily="49" charset="-122"/>
+                <a:ea typeface="黑体" panose="02010609060101010101" pitchFamily="49" charset="-122"/>
+              </a:rPr>
+              <a:t>前端</a:t>
+            </a:r>
+            <a:endParaRPr lang="en-US" altLang="zh-CN" dirty="0">
+              <a:latin typeface="黑体" panose="02010609060101010101" pitchFamily="49" charset="-122"/>
+              <a:ea typeface="黑体" panose="02010609060101010101" pitchFamily="49" charset="-122"/>
+            </a:endParaRPr>
+          </a:p>
+          <a:p>
+            <a:pPr marL="0" indent="0">
+              <a:buNone/>
+            </a:pPr>
+            <a:r>
+              <a:rPr lang="zh-CN" altLang="en-US" dirty="0">
+                <a:latin typeface="黑体" panose="02010609060101010101" pitchFamily="49" charset="-122"/>
+                <a:ea typeface="黑体" panose="02010609060101010101" pitchFamily="49" charset="-122"/>
+              </a:rPr>
+              <a:t>  使用</a:t>
+            </a:r>
+            <a:r>
+              <a:rPr lang="en-US" altLang="zh-CN" dirty="0">
+                <a:latin typeface="黑体" panose="02010609060101010101" pitchFamily="49" charset="-122"/>
+                <a:ea typeface="黑体" panose="02010609060101010101" pitchFamily="49" charset="-122"/>
+              </a:rPr>
+              <a:t>JAVA</a:t>
+            </a:r>
+            <a:r>
+              <a:rPr lang="zh-CN" altLang="en-US" dirty="0">
+                <a:latin typeface="黑体" panose="02010609060101010101" pitchFamily="49" charset="-122"/>
+                <a:ea typeface="黑体" panose="02010609060101010101" pitchFamily="49" charset="-122"/>
+              </a:rPr>
+              <a:t>语言，采用</a:t>
+            </a:r>
+            <a:r>
+              <a:rPr lang="en-US" altLang="zh-CN" dirty="0" err="1">
+                <a:latin typeface="黑体" panose="02010609060101010101" pitchFamily="49" charset="-122"/>
+                <a:ea typeface="黑体" panose="02010609060101010101" pitchFamily="49" charset="-122"/>
+              </a:rPr>
+              <a:t>JavaWeb</a:t>
+            </a:r>
+            <a:r>
+              <a:rPr lang="zh-CN" altLang="en-US" dirty="0">
+                <a:latin typeface="黑体" panose="02010609060101010101" pitchFamily="49" charset="-122"/>
+                <a:ea typeface="黑体" panose="02010609060101010101" pitchFamily="49" charset="-122"/>
+              </a:rPr>
+              <a:t>作为主体，辅以</a:t>
+            </a:r>
+            <a:r>
+              <a:rPr lang="en-US" altLang="zh-CN" dirty="0">
+                <a:latin typeface="黑体" panose="02010609060101010101" pitchFamily="49" charset="-122"/>
+                <a:ea typeface="黑体" panose="02010609060101010101" pitchFamily="49" charset="-122"/>
+              </a:rPr>
+              <a:t>HTML</a:t>
+            </a:r>
+            <a:r>
+              <a:rPr lang="zh-CN" altLang="en-US" dirty="0">
+                <a:latin typeface="黑体" panose="02010609060101010101" pitchFamily="49" charset="-122"/>
+                <a:ea typeface="黑体" panose="02010609060101010101" pitchFamily="49" charset="-122"/>
+              </a:rPr>
+              <a:t>和</a:t>
+            </a:r>
+            <a:r>
+              <a:rPr lang="en-US" altLang="zh-CN" dirty="0">
+                <a:latin typeface="黑体" panose="02010609060101010101" pitchFamily="49" charset="-122"/>
+                <a:ea typeface="黑体" panose="02010609060101010101" pitchFamily="49" charset="-122"/>
+              </a:rPr>
+              <a:t>CSS</a:t>
+            </a:r>
+            <a:r>
+              <a:rPr lang="zh-CN" altLang="en-US" dirty="0">
+                <a:latin typeface="黑体" panose="02010609060101010101" pitchFamily="49" charset="-122"/>
+                <a:ea typeface="黑体" panose="02010609060101010101" pitchFamily="49" charset="-122"/>
+              </a:rPr>
+              <a:t>的设计，   </a:t>
+            </a:r>
+            <a:endParaRPr lang="en-US" altLang="zh-CN" dirty="0">
+              <a:latin typeface="黑体" panose="02010609060101010101" pitchFamily="49" charset="-122"/>
+              <a:ea typeface="黑体" panose="02010609060101010101" pitchFamily="49" charset="-122"/>
+            </a:endParaRPr>
+          </a:p>
+          <a:p>
+            <a:pPr marL="0" indent="0">
+              <a:buNone/>
+            </a:pPr>
+            <a:r>
+              <a:rPr lang="en-US" altLang="zh-CN" dirty="0">
+                <a:latin typeface="黑体" panose="02010609060101010101" pitchFamily="49" charset="-122"/>
+                <a:ea typeface="黑体" panose="02010609060101010101" pitchFamily="49" charset="-122"/>
+              </a:rPr>
+              <a:t>  </a:t>
+            </a:r>
+            <a:r>
+              <a:rPr lang="zh-CN" altLang="en-US" dirty="0">
+                <a:latin typeface="黑体" panose="02010609060101010101" pitchFamily="49" charset="-122"/>
+                <a:ea typeface="黑体" panose="02010609060101010101" pitchFamily="49" charset="-122"/>
+              </a:rPr>
+              <a:t>配以集成的</a:t>
+            </a:r>
+            <a:r>
+              <a:rPr lang="en-US" altLang="zh-CN" dirty="0">
+                <a:latin typeface="黑体" panose="02010609060101010101" pitchFamily="49" charset="-122"/>
+                <a:ea typeface="黑体" panose="02010609060101010101" pitchFamily="49" charset="-122"/>
+              </a:rPr>
+              <a:t>SDK</a:t>
+            </a:r>
+          </a:p>
+          <a:p>
+            <a:endParaRPr lang="en-US" altLang="zh-CN" dirty="0">
+              <a:latin typeface="黑体" panose="02010609060101010101" pitchFamily="49" charset="-122"/>
+              <a:ea typeface="黑体" panose="02010609060101010101" pitchFamily="49" charset="-122"/>
+            </a:endParaRPr>
+          </a:p>
+          <a:p>
+            <a:endParaRPr lang="en-US" altLang="zh-CN" dirty="0">
+              <a:latin typeface="黑体" panose="02010609060101010101" pitchFamily="49" charset="-122"/>
+              <a:ea typeface="黑体" panose="02010609060101010101" pitchFamily="49" charset="-122"/>
+            </a:endParaRPr>
+          </a:p>
+          <a:p>
+            <a:pPr marL="0" indent="0">
+              <a:buNone/>
+            </a:pPr>
+            <a:r>
+              <a:rPr lang="zh-CN" altLang="en-US" dirty="0">
+                <a:latin typeface="黑体" panose="02010609060101010101" pitchFamily="49" charset="-122"/>
+                <a:ea typeface="黑体" panose="02010609060101010101" pitchFamily="49" charset="-122"/>
+              </a:rPr>
+              <a:t>  </a:t>
+            </a:r>
+            <a:r>
+              <a:rPr lang="zh-CN" altLang="en-US" sz="3600" dirty="0">
+                <a:latin typeface="黑体" panose="02010609060101010101" pitchFamily="49" charset="-122"/>
+                <a:ea typeface="黑体" panose="02010609060101010101" pitchFamily="49" charset="-122"/>
+              </a:rPr>
+              <a:t>后端</a:t>
+            </a:r>
+            <a:endParaRPr lang="en-US" altLang="zh-CN" sz="3600" dirty="0">
+              <a:latin typeface="黑体" panose="02010609060101010101" pitchFamily="49" charset="-122"/>
+              <a:ea typeface="黑体" panose="02010609060101010101" pitchFamily="49" charset="-122"/>
+            </a:endParaRPr>
+          </a:p>
+          <a:p>
+            <a:pPr marL="0" indent="0">
+              <a:buNone/>
+            </a:pPr>
+            <a:r>
+              <a:rPr lang="zh-CN" altLang="en-US" dirty="0">
+                <a:latin typeface="黑体" panose="02010609060101010101" pitchFamily="49" charset="-122"/>
+                <a:ea typeface="黑体" panose="02010609060101010101" pitchFamily="49" charset="-122"/>
+              </a:rPr>
+              <a:t>  采用</a:t>
+            </a:r>
+            <a:r>
+              <a:rPr lang="en-US" altLang="zh-CN" dirty="0">
+                <a:latin typeface="黑体" panose="02010609060101010101" pitchFamily="49" charset="-122"/>
+                <a:ea typeface="黑体" panose="02010609060101010101" pitchFamily="49" charset="-122"/>
+              </a:rPr>
+              <a:t>JAVA</a:t>
+            </a:r>
+            <a:r>
+              <a:rPr lang="zh-CN" altLang="en-US" dirty="0">
+                <a:latin typeface="黑体" panose="02010609060101010101" pitchFamily="49" charset="-122"/>
+                <a:ea typeface="黑体" panose="02010609060101010101" pitchFamily="49" charset="-122"/>
+              </a:rPr>
+              <a:t>语言，运用</a:t>
+            </a:r>
+            <a:r>
+              <a:rPr lang="en-US" altLang="zh-CN" dirty="0" err="1">
+                <a:latin typeface="黑体" panose="02010609060101010101" pitchFamily="49" charset="-122"/>
+                <a:ea typeface="黑体" panose="02010609060101010101" pitchFamily="49" charset="-122"/>
+              </a:rPr>
+              <a:t>Springboot+MyBatis+MySQL</a:t>
+            </a:r>
+            <a:r>
+              <a:rPr lang="zh-CN" altLang="en-US" dirty="0">
+                <a:latin typeface="黑体" panose="02010609060101010101" pitchFamily="49" charset="-122"/>
+                <a:ea typeface="黑体" panose="02010609060101010101" pitchFamily="49" charset="-122"/>
+              </a:rPr>
+              <a:t>三件套</a:t>
+            </a:r>
+            <a:endParaRPr lang="en-US" altLang="zh-CN" dirty="0">
+              <a:latin typeface="黑体" panose="02010609060101010101" pitchFamily="49" charset="-122"/>
+              <a:ea typeface="黑体" panose="02010609060101010101" pitchFamily="49" charset="-122"/>
+            </a:endParaRPr>
+          </a:p>
+          <a:p>
+            <a:pPr marL="0" indent="0">
+              <a:buNone/>
+            </a:pPr>
+            <a:endParaRPr lang="en-US" altLang="zh-CN" dirty="0">
+              <a:latin typeface="黑体" panose="02010609060101010101" pitchFamily="49" charset="-122"/>
+              <a:ea typeface="黑体" panose="02010609060101010101" pitchFamily="49" charset="-122"/>
+            </a:endParaRPr>
+          </a:p>
+          <a:p>
+            <a:pPr marL="0" indent="0">
+              <a:buNone/>
+            </a:pPr>
+            <a:endParaRPr lang="zh-CN" altLang="en-US" dirty="0"/>
           </a:p>
         </p:txBody>
       </p:sp>
     </p:spTree>
     <p:extLst>
       <p:ext uri="{BB962C8B-B14F-4D97-AF65-F5344CB8AC3E}">
-        <p14:creationId xmlns:p14="http://schemas.microsoft.com/office/powerpoint/2010/main" val="3017840852"/>
+        <p14:creationId xmlns:p14="http://schemas.microsoft.com/office/powerpoint/2010/main" val="2372212117"/>
       </p:ext>
     </p:extLst>
   </p:cSld>
@@ -4313,7 +4036,7 @@
           <p:cNvPr id="2" name="标题 1">
             <a:extLst>
               <a:ext uri="{FF2B5EF4-FFF2-40B4-BE49-F238E27FC236}">
-                <a16:creationId xmlns:a16="http://schemas.microsoft.com/office/drawing/2014/main" id="{39836BC2-5A55-4C4D-AC4A-21D8B419719E}"/>
+                <a16:creationId xmlns:a16="http://schemas.microsoft.com/office/drawing/2014/main" id="{D3595D8F-7CA1-4282-B605-87524D74E509}"/>
               </a:ext>
             </a:extLst>
           </p:cNvPr>
@@ -4326,7 +4049,7 @@
         </p:nvSpPr>
         <p:spPr>
           <a:xfrm>
-            <a:off x="753359" y="91748"/>
+            <a:off x="687371" y="91748"/>
             <a:ext cx="10515600" cy="1325563"/>
           </a:xfrm>
         </p:spPr>
@@ -4339,17 +4062,17 @@
                 <a:latin typeface="黑体" panose="02010609060101010101" pitchFamily="49" charset="-122"/>
                 <a:ea typeface="黑体" panose="02010609060101010101" pitchFamily="49" charset="-122"/>
               </a:rPr>
-              <a:t>商城逻辑</a:t>
+              <a:t>登录注册逻辑</a:t>
             </a:r>
           </a:p>
         </p:txBody>
       </p:sp>
       <p:pic>
         <p:nvPicPr>
-          <p:cNvPr id="4" name="图片 3">
-            <a:extLst>
-              <a:ext uri="{FF2B5EF4-FFF2-40B4-BE49-F238E27FC236}">
-                <a16:creationId xmlns:a16="http://schemas.microsoft.com/office/drawing/2014/main" id="{2E47470D-17D5-478C-9E19-5AF4D7416370}"/>
+          <p:cNvPr id="5" name="图片 4">
+            <a:extLst>
+              <a:ext uri="{FF2B5EF4-FFF2-40B4-BE49-F238E27FC236}">
+                <a16:creationId xmlns:a16="http://schemas.microsoft.com/office/drawing/2014/main" id="{A3C5AA10-0CCF-45FA-8499-B1E18596EA43}"/>
               </a:ext>
             </a:extLst>
           </p:cNvPr>
@@ -4373,8 +4096,8 @@
         </p:blipFill>
         <p:spPr bwMode="auto">
           <a:xfrm>
-            <a:off x="1300489" y="1145906"/>
-            <a:ext cx="2822575" cy="5471160"/>
+            <a:off x="482583" y="1292886"/>
+            <a:ext cx="2641600" cy="5120640"/>
           </a:xfrm>
           <a:prstGeom prst="rect">
             <a:avLst/>
@@ -4387,10 +4110,10 @@
       </p:pic>
       <p:pic>
         <p:nvPicPr>
-          <p:cNvPr id="5" name="图片 4">
-            <a:extLst>
-              <a:ext uri="{FF2B5EF4-FFF2-40B4-BE49-F238E27FC236}">
-                <a16:creationId xmlns:a16="http://schemas.microsoft.com/office/drawing/2014/main" id="{0714FCD2-B1CC-444A-A70A-61714830B84B}"/>
+          <p:cNvPr id="6" name="图片 5">
+            <a:extLst>
+              <a:ext uri="{FF2B5EF4-FFF2-40B4-BE49-F238E27FC236}">
+                <a16:creationId xmlns:a16="http://schemas.microsoft.com/office/drawing/2014/main" id="{F20CB194-65CD-4F84-9737-FE9E78C3E6DE}"/>
               </a:ext>
             </a:extLst>
           </p:cNvPr>
@@ -4414,8 +4137,8 @@
         </p:blipFill>
         <p:spPr bwMode="auto">
           <a:xfrm>
-            <a:off x="5968780" y="1145906"/>
-            <a:ext cx="2804025" cy="5471160"/>
+            <a:off x="3294639" y="1292887"/>
+            <a:ext cx="2629138" cy="5120640"/>
           </a:xfrm>
           <a:prstGeom prst="rect">
             <a:avLst/>
@@ -4426,12 +4149,94 @@
           </a:ln>
         </p:spPr>
       </p:pic>
-      <p:sp>
-        <p:nvSpPr>
-          <p:cNvPr id="6" name="箭头: 右 5">
-            <a:extLst>
-              <a:ext uri="{FF2B5EF4-FFF2-40B4-BE49-F238E27FC236}">
-                <a16:creationId xmlns:a16="http://schemas.microsoft.com/office/drawing/2014/main" id="{12767CB0-00F9-480E-8BC3-B440934F8434}"/>
+      <p:pic>
+        <p:nvPicPr>
+          <p:cNvPr id="7" name="图片 6">
+            <a:extLst>
+              <a:ext uri="{FF2B5EF4-FFF2-40B4-BE49-F238E27FC236}">
+                <a16:creationId xmlns:a16="http://schemas.microsoft.com/office/drawing/2014/main" id="{E9C17175-8AC7-42AC-A340-5B2B74591761}"/>
+              </a:ext>
+            </a:extLst>
+          </p:cNvPr>
+          <p:cNvPicPr>
+            <a:picLocks noChangeAspect="1"/>
+          </p:cNvPicPr>
+          <p:nvPr/>
+        </p:nvPicPr>
+        <p:blipFill>
+          <a:blip r:embed="rId4" cstate="print">
+            <a:extLst>
+              <a:ext uri="{28A0092B-C50C-407E-A947-70E740481C1C}">
+                <a14:useLocalDpi xmlns:a14="http://schemas.microsoft.com/office/drawing/2010/main" val="0"/>
+              </a:ext>
+            </a:extLst>
+          </a:blip>
+          <a:srcRect/>
+          <a:stretch>
+            <a:fillRect/>
+          </a:stretch>
+        </p:blipFill>
+        <p:spPr bwMode="auto">
+          <a:xfrm>
+            <a:off x="6228657" y="1292886"/>
+            <a:ext cx="2668117" cy="5120640"/>
+          </a:xfrm>
+          <a:prstGeom prst="rect">
+            <a:avLst/>
+          </a:prstGeom>
+          <a:noFill/>
+          <a:ln>
+            <a:noFill/>
+          </a:ln>
+        </p:spPr>
+      </p:pic>
+      <p:pic>
+        <p:nvPicPr>
+          <p:cNvPr id="8" name="图片 7">
+            <a:extLst>
+              <a:ext uri="{FF2B5EF4-FFF2-40B4-BE49-F238E27FC236}">
+                <a16:creationId xmlns:a16="http://schemas.microsoft.com/office/drawing/2014/main" id="{CB382E5B-91F3-4A6F-A90D-3065A0B2A854}"/>
+              </a:ext>
+            </a:extLst>
+          </p:cNvPr>
+          <p:cNvPicPr>
+            <a:picLocks noChangeAspect="1"/>
+          </p:cNvPicPr>
+          <p:nvPr/>
+        </p:nvPicPr>
+        <p:blipFill>
+          <a:blip r:embed="rId5" cstate="print">
+            <a:extLst>
+              <a:ext uri="{28A0092B-C50C-407E-A947-70E740481C1C}">
+                <a14:useLocalDpi xmlns:a14="http://schemas.microsoft.com/office/drawing/2010/main" val="0"/>
+              </a:ext>
+            </a:extLst>
+          </a:blip>
+          <a:srcRect/>
+          <a:stretch>
+            <a:fillRect/>
+          </a:stretch>
+        </p:blipFill>
+        <p:spPr bwMode="auto">
+          <a:xfrm>
+            <a:off x="9201654" y="1292886"/>
+            <a:ext cx="2619633" cy="5120641"/>
+          </a:xfrm>
+          <a:prstGeom prst="rect">
+            <a:avLst/>
+          </a:prstGeom>
+          <a:noFill/>
+          <a:ln>
+            <a:noFill/>
+          </a:ln>
+        </p:spPr>
+      </p:pic>
+      <p:sp>
+        <p:nvSpPr>
+          <p:cNvPr id="9" name="箭头: 右 8">
+            <a:extLst>
+              <a:ext uri="{FF2B5EF4-FFF2-40B4-BE49-F238E27FC236}">
+                <a16:creationId xmlns:a16="http://schemas.microsoft.com/office/drawing/2014/main" id="{2D7A1733-7C12-44D5-9CF6-BF8724CD5218}"/>
               </a:ext>
             </a:extLst>
           </p:cNvPr>
@@ -4440,8 +4245,8 @@
         </p:nvSpPr>
         <p:spPr>
           <a:xfrm>
-            <a:off x="4670194" y="3429000"/>
-            <a:ext cx="978408" cy="484632"/>
+            <a:off x="2989759" y="3610890"/>
+            <a:ext cx="565608" cy="484632"/>
           </a:xfrm>
           <a:prstGeom prst="rightArrow">
             <a:avLst/>
@@ -4472,10 +4277,102 @@
           </a:p>
         </p:txBody>
       </p:sp>
+      <p:sp>
+        <p:nvSpPr>
+          <p:cNvPr id="11" name="箭头: 右 10">
+            <a:extLst>
+              <a:ext uri="{FF2B5EF4-FFF2-40B4-BE49-F238E27FC236}">
+                <a16:creationId xmlns:a16="http://schemas.microsoft.com/office/drawing/2014/main" id="{A7556BDE-69D7-459E-8B6C-BD0CC2FF2CC3}"/>
+              </a:ext>
+            </a:extLst>
+          </p:cNvPr>
+          <p:cNvSpPr/>
+          <p:nvPr/>
+        </p:nvSpPr>
+        <p:spPr>
+          <a:xfrm>
+            <a:off x="5836452" y="3610890"/>
+            <a:ext cx="565608" cy="484632"/>
+          </a:xfrm>
+          <a:prstGeom prst="rightArrow">
+            <a:avLst/>
+          </a:prstGeom>
+        </p:spPr>
+        <p:style>
+          <a:lnRef idx="2">
+            <a:schemeClr val="accent1">
+              <a:shade val="50000"/>
+            </a:schemeClr>
+          </a:lnRef>
+          <a:fillRef idx="1">
+            <a:schemeClr val="accent1"/>
+          </a:fillRef>
+          <a:effectRef idx="0">
+            <a:schemeClr val="accent1"/>
+          </a:effectRef>
+          <a:fontRef idx="minor">
+            <a:schemeClr val="lt1"/>
+          </a:fontRef>
+        </p:style>
+        <p:txBody>
+          <a:bodyPr rtlCol="0" anchor="ctr"/>
+          <a:lstStyle/>
+          <a:p>
+            <a:pPr algn="ctr"/>
+            <a:endParaRPr lang="zh-CN" altLang="en-US"/>
+          </a:p>
+        </p:txBody>
+      </p:sp>
+      <p:sp>
+        <p:nvSpPr>
+          <p:cNvPr id="12" name="箭头: 右 11">
+            <a:extLst>
+              <a:ext uri="{FF2B5EF4-FFF2-40B4-BE49-F238E27FC236}">
+                <a16:creationId xmlns:a16="http://schemas.microsoft.com/office/drawing/2014/main" id="{5DEB2C5A-A548-4EC1-8131-7411FC575E58}"/>
+              </a:ext>
+            </a:extLst>
+          </p:cNvPr>
+          <p:cNvSpPr/>
+          <p:nvPr/>
+        </p:nvSpPr>
+        <p:spPr>
+          <a:xfrm>
+            <a:off x="8940926" y="3608533"/>
+            <a:ext cx="565608" cy="484632"/>
+          </a:xfrm>
+          <a:prstGeom prst="rightArrow">
+            <a:avLst/>
+          </a:prstGeom>
+        </p:spPr>
+        <p:style>
+          <a:lnRef idx="2">
+            <a:schemeClr val="accent1">
+              <a:shade val="50000"/>
+            </a:schemeClr>
+          </a:lnRef>
+          <a:fillRef idx="1">
+            <a:schemeClr val="accent1"/>
+          </a:fillRef>
+          <a:effectRef idx="0">
+            <a:schemeClr val="accent1"/>
+          </a:effectRef>
+          <a:fontRef idx="minor">
+            <a:schemeClr val="lt1"/>
+          </a:fontRef>
+        </p:style>
+        <p:txBody>
+          <a:bodyPr rtlCol="0" anchor="ctr"/>
+          <a:lstStyle/>
+          <a:p>
+            <a:pPr algn="ctr"/>
+            <a:endParaRPr lang="zh-CN" altLang="en-US"/>
+          </a:p>
+        </p:txBody>
+      </p:sp>
     </p:spTree>
     <p:extLst>
       <p:ext uri="{BB962C8B-B14F-4D97-AF65-F5344CB8AC3E}">
-        <p14:creationId xmlns:p14="http://schemas.microsoft.com/office/powerpoint/2010/main" val="192011773"/>
+        <p14:creationId xmlns:p14="http://schemas.microsoft.com/office/powerpoint/2010/main" val="3017840852"/>
       </p:ext>
     </p:extLst>
   </p:cSld>
@@ -4507,7 +4404,7 @@
           <p:cNvPr id="2" name="标题 1">
             <a:extLst>
               <a:ext uri="{FF2B5EF4-FFF2-40B4-BE49-F238E27FC236}">
-                <a16:creationId xmlns:a16="http://schemas.microsoft.com/office/drawing/2014/main" id="{47018EB5-D505-406B-9F91-5412CA72A6A0}"/>
+                <a16:creationId xmlns:a16="http://schemas.microsoft.com/office/drawing/2014/main" id="{39836BC2-5A55-4C4D-AC4A-21D8B419719E}"/>
               </a:ext>
             </a:extLst>
           </p:cNvPr>
@@ -4520,7 +4417,7 @@
         </p:nvSpPr>
         <p:spPr>
           <a:xfrm>
-            <a:off x="838200" y="18255"/>
+            <a:off x="753359" y="91748"/>
             <a:ext cx="10515600" cy="1325563"/>
           </a:xfrm>
         </p:spPr>
@@ -4533,7 +4430,7 @@
                 <a:latin typeface="黑体" panose="02010609060101010101" pitchFamily="49" charset="-122"/>
                 <a:ea typeface="黑体" panose="02010609060101010101" pitchFamily="49" charset="-122"/>
               </a:rPr>
-              <a:t>搜索逻辑</a:t>
+              <a:t>商城逻辑</a:t>
             </a:r>
           </a:p>
         </p:txBody>
@@ -4543,7 +4440,7 @@
           <p:cNvPr id="4" name="图片 3">
             <a:extLst>
               <a:ext uri="{FF2B5EF4-FFF2-40B4-BE49-F238E27FC236}">
-                <a16:creationId xmlns:a16="http://schemas.microsoft.com/office/drawing/2014/main" id="{AEF9F7E5-6792-4BEE-9CEC-974D0F3676A4}"/>
+                <a16:creationId xmlns:a16="http://schemas.microsoft.com/office/drawing/2014/main" id="{2E47470D-17D5-478C-9E19-5AF4D7416370}"/>
               </a:ext>
             </a:extLst>
           </p:cNvPr>
@@ -4567,8 +4464,8 @@
         </p:blipFill>
         <p:spPr bwMode="auto">
           <a:xfrm>
-            <a:off x="1607757" y="1206631"/>
-            <a:ext cx="2652155" cy="5184927"/>
+            <a:off x="1300489" y="1145906"/>
+            <a:ext cx="2822575" cy="5471160"/>
           </a:xfrm>
           <a:prstGeom prst="rect">
             <a:avLst/>
@@ -4584,7 +4481,7 @@
           <p:cNvPr id="5" name="图片 4">
             <a:extLst>
               <a:ext uri="{FF2B5EF4-FFF2-40B4-BE49-F238E27FC236}">
-                <a16:creationId xmlns:a16="http://schemas.microsoft.com/office/drawing/2014/main" id="{958BB640-3CA4-4C68-B4E6-B1BD7DFC8C41}"/>
+                <a16:creationId xmlns:a16="http://schemas.microsoft.com/office/drawing/2014/main" id="{0714FCD2-B1CC-444A-A70A-61714830B84B}"/>
               </a:ext>
             </a:extLst>
           </p:cNvPr>
@@ -4608,8 +4505,8 @@
         </p:blipFill>
         <p:spPr bwMode="auto">
           <a:xfrm>
-            <a:off x="5511331" y="1206631"/>
-            <a:ext cx="2750540" cy="5184927"/>
+            <a:off x="5968780" y="1145906"/>
+            <a:ext cx="2804025" cy="5471160"/>
           </a:xfrm>
           <a:prstGeom prst="rect">
             <a:avLst/>
@@ -4625,7 +4522,7 @@
           <p:cNvPr id="6" name="箭头: 右 5">
             <a:extLst>
               <a:ext uri="{FF2B5EF4-FFF2-40B4-BE49-F238E27FC236}">
-                <a16:creationId xmlns:a16="http://schemas.microsoft.com/office/drawing/2014/main" id="{082EBCA1-2C8E-4FA3-B7A5-A8BA06609772}"/>
+                <a16:creationId xmlns:a16="http://schemas.microsoft.com/office/drawing/2014/main" id="{12767CB0-00F9-480E-8BC3-B440934F8434}"/>
               </a:ext>
             </a:extLst>
           </p:cNvPr>
@@ -4634,7 +4531,7 @@
         </p:nvSpPr>
         <p:spPr>
           <a:xfrm>
-            <a:off x="4519052" y="3556778"/>
+            <a:off x="4670194" y="3429000"/>
             <a:ext cx="978408" cy="484632"/>
           </a:xfrm>
           <a:prstGeom prst="rightArrow">
@@ -4669,7 +4566,7 @@
     </p:spTree>
     <p:extLst>
       <p:ext uri="{BB962C8B-B14F-4D97-AF65-F5344CB8AC3E}">
-        <p14:creationId xmlns:p14="http://schemas.microsoft.com/office/powerpoint/2010/main" val="3893742467"/>
+        <p14:creationId xmlns:p14="http://schemas.microsoft.com/office/powerpoint/2010/main" val="192011773"/>
       </p:ext>
     </p:extLst>
   </p:cSld>
@@ -4701,6 +4598,200 @@
           <p:cNvPr id="2" name="标题 1">
             <a:extLst>
               <a:ext uri="{FF2B5EF4-FFF2-40B4-BE49-F238E27FC236}">
+                <a16:creationId xmlns:a16="http://schemas.microsoft.com/office/drawing/2014/main" id="{47018EB5-D505-406B-9F91-5412CA72A6A0}"/>
+              </a:ext>
+            </a:extLst>
+          </p:cNvPr>
+          <p:cNvSpPr>
+            <a:spLocks noGrp="1"/>
+          </p:cNvSpPr>
+          <p:nvPr>
+            <p:ph type="title"/>
+          </p:nvPr>
+        </p:nvSpPr>
+        <p:spPr>
+          <a:xfrm>
+            <a:off x="838200" y="18255"/>
+            <a:ext cx="10515600" cy="1325563"/>
+          </a:xfrm>
+        </p:spPr>
+        <p:txBody>
+          <a:bodyPr/>
+          <a:lstStyle/>
+          <a:p>
+            <a:r>
+              <a:rPr lang="zh-CN" altLang="en-US" b="1" dirty="0">
+                <a:latin typeface="黑体" panose="02010609060101010101" pitchFamily="49" charset="-122"/>
+                <a:ea typeface="黑体" panose="02010609060101010101" pitchFamily="49" charset="-122"/>
+              </a:rPr>
+              <a:t>搜索逻辑</a:t>
+            </a:r>
+          </a:p>
+        </p:txBody>
+      </p:sp>
+      <p:pic>
+        <p:nvPicPr>
+          <p:cNvPr id="4" name="图片 3">
+            <a:extLst>
+              <a:ext uri="{FF2B5EF4-FFF2-40B4-BE49-F238E27FC236}">
+                <a16:creationId xmlns:a16="http://schemas.microsoft.com/office/drawing/2014/main" id="{AEF9F7E5-6792-4BEE-9CEC-974D0F3676A4}"/>
+              </a:ext>
+            </a:extLst>
+          </p:cNvPr>
+          <p:cNvPicPr>
+            <a:picLocks noChangeAspect="1"/>
+          </p:cNvPicPr>
+          <p:nvPr/>
+        </p:nvPicPr>
+        <p:blipFill>
+          <a:blip r:embed="rId2" cstate="print">
+            <a:extLst>
+              <a:ext uri="{28A0092B-C50C-407E-A947-70E740481C1C}">
+                <a14:useLocalDpi xmlns:a14="http://schemas.microsoft.com/office/drawing/2010/main" val="0"/>
+              </a:ext>
+            </a:extLst>
+          </a:blip>
+          <a:srcRect/>
+          <a:stretch>
+            <a:fillRect/>
+          </a:stretch>
+        </p:blipFill>
+        <p:spPr bwMode="auto">
+          <a:xfrm>
+            <a:off x="1607757" y="1206631"/>
+            <a:ext cx="2652155" cy="5184927"/>
+          </a:xfrm>
+          <a:prstGeom prst="rect">
+            <a:avLst/>
+          </a:prstGeom>
+          <a:noFill/>
+          <a:ln>
+            <a:noFill/>
+          </a:ln>
+        </p:spPr>
+      </p:pic>
+      <p:pic>
+        <p:nvPicPr>
+          <p:cNvPr id="5" name="图片 4">
+            <a:extLst>
+              <a:ext uri="{FF2B5EF4-FFF2-40B4-BE49-F238E27FC236}">
+                <a16:creationId xmlns:a16="http://schemas.microsoft.com/office/drawing/2014/main" id="{958BB640-3CA4-4C68-B4E6-B1BD7DFC8C41}"/>
+              </a:ext>
+            </a:extLst>
+          </p:cNvPr>
+          <p:cNvPicPr>
+            <a:picLocks noChangeAspect="1"/>
+          </p:cNvPicPr>
+          <p:nvPr/>
+        </p:nvPicPr>
+        <p:blipFill>
+          <a:blip r:embed="rId3" cstate="print">
+            <a:extLst>
+              <a:ext uri="{28A0092B-C50C-407E-A947-70E740481C1C}">
+                <a14:useLocalDpi xmlns:a14="http://schemas.microsoft.com/office/drawing/2010/main" val="0"/>
+              </a:ext>
+            </a:extLst>
+          </a:blip>
+          <a:srcRect/>
+          <a:stretch>
+            <a:fillRect/>
+          </a:stretch>
+        </p:blipFill>
+        <p:spPr bwMode="auto">
+          <a:xfrm>
+            <a:off x="5511331" y="1206631"/>
+            <a:ext cx="2750540" cy="5184927"/>
+          </a:xfrm>
+          <a:prstGeom prst="rect">
+            <a:avLst/>
+          </a:prstGeom>
+          <a:noFill/>
+          <a:ln>
+            <a:noFill/>
+          </a:ln>
+        </p:spPr>
+      </p:pic>
+      <p:sp>
+        <p:nvSpPr>
+          <p:cNvPr id="6" name="箭头: 右 5">
+            <a:extLst>
+              <a:ext uri="{FF2B5EF4-FFF2-40B4-BE49-F238E27FC236}">
+                <a16:creationId xmlns:a16="http://schemas.microsoft.com/office/drawing/2014/main" id="{082EBCA1-2C8E-4FA3-B7A5-A8BA06609772}"/>
+              </a:ext>
+            </a:extLst>
+          </p:cNvPr>
+          <p:cNvSpPr/>
+          <p:nvPr/>
+        </p:nvSpPr>
+        <p:spPr>
+          <a:xfrm>
+            <a:off x="4519052" y="3556778"/>
+            <a:ext cx="978408" cy="484632"/>
+          </a:xfrm>
+          <a:prstGeom prst="rightArrow">
+            <a:avLst/>
+          </a:prstGeom>
+        </p:spPr>
+        <p:style>
+          <a:lnRef idx="2">
+            <a:schemeClr val="accent1">
+              <a:shade val="50000"/>
+            </a:schemeClr>
+          </a:lnRef>
+          <a:fillRef idx="1">
+            <a:schemeClr val="accent1"/>
+          </a:fillRef>
+          <a:effectRef idx="0">
+            <a:schemeClr val="accent1"/>
+          </a:effectRef>
+          <a:fontRef idx="minor">
+            <a:schemeClr val="lt1"/>
+          </a:fontRef>
+        </p:style>
+        <p:txBody>
+          <a:bodyPr rtlCol="0" anchor="ctr"/>
+          <a:lstStyle/>
+          <a:p>
+            <a:pPr algn="ctr"/>
+            <a:endParaRPr lang="zh-CN" altLang="en-US"/>
+          </a:p>
+        </p:txBody>
+      </p:sp>
+    </p:spTree>
+    <p:extLst>
+      <p:ext uri="{BB962C8B-B14F-4D97-AF65-F5344CB8AC3E}">
+        <p14:creationId xmlns:p14="http://schemas.microsoft.com/office/powerpoint/2010/main" val="3893742467"/>
+      </p:ext>
+    </p:extLst>
+  </p:cSld>
+  <p:clrMapOvr>
+    <a:masterClrMapping/>
+  </p:clrMapOvr>
+</p:sld>
+</file>
+
+<file path=ppt/slides/slide16.xml><?xml version="1.0" encoding="utf-8"?>
+<p:sld xmlns:a="http://schemas.openxmlformats.org/drawingml/2006/main" xmlns:r="http://schemas.openxmlformats.org/officeDocument/2006/relationships" xmlns:p="http://schemas.openxmlformats.org/presentationml/2006/main">
+  <p:cSld>
+    <p:spTree>
+      <p:nvGrpSpPr>
+        <p:cNvPr id="1" name=""/>
+        <p:cNvGrpSpPr/>
+        <p:nvPr/>
+      </p:nvGrpSpPr>
+      <p:grpSpPr>
+        <a:xfrm>
+          <a:off x="0" y="0"/>
+          <a:ext cx="0" cy="0"/>
+          <a:chOff x="0" y="0"/>
+          <a:chExt cx="0" cy="0"/>
+        </a:xfrm>
+      </p:grpSpPr>
+      <p:sp>
+        <p:nvSpPr>
+          <p:cNvPr id="2" name="标题 1">
+            <a:extLst>
+              <a:ext uri="{FF2B5EF4-FFF2-40B4-BE49-F238E27FC236}">
                 <a16:creationId xmlns:a16="http://schemas.microsoft.com/office/drawing/2014/main" id="{B9E9B96A-5B22-4139-B744-9743647E71E8}"/>
               </a:ext>
             </a:extLst>
@@ -5021,7 +5112,7 @@
 </p:sld>
 </file>
 
-<file path=ppt/slides/slide16.xml><?xml version="1.0" encoding="utf-8"?>
+<file path=ppt/slides/slide17.xml><?xml version="1.0" encoding="utf-8"?>
 <p:sld xmlns:a="http://schemas.openxmlformats.org/drawingml/2006/main" xmlns:r="http://schemas.openxmlformats.org/officeDocument/2006/relationships" xmlns:p="http://schemas.openxmlformats.org/presentationml/2006/main">
   <p:cSld>
     <p:spTree>
@@ -5233,7 +5324,7 @@
 </p:sld>
 </file>
 
-<file path=ppt/slides/slide17.xml><?xml version="1.0" encoding="utf-8"?>
+<file path=ppt/slides/slide18.xml><?xml version="1.0" encoding="utf-8"?>
 <p:sld xmlns:a="http://schemas.openxmlformats.org/drawingml/2006/main" xmlns:r="http://schemas.openxmlformats.org/officeDocument/2006/relationships" xmlns:p="http://schemas.openxmlformats.org/presentationml/2006/main">
   <p:cSld>
     <p:spTree>
@@ -5371,7 +5462,7 @@
 </p:sld>
 </file>
 
-<file path=ppt/slides/slide18.xml><?xml version="1.0" encoding="utf-8"?>
+<file path=ppt/slides/slide19.xml><?xml version="1.0" encoding="utf-8"?>
 <p:sld xmlns:a="http://schemas.openxmlformats.org/drawingml/2006/main" xmlns:r="http://schemas.openxmlformats.org/officeDocument/2006/relationships" xmlns:p="http://schemas.openxmlformats.org/presentationml/2006/main">
   <p:cSld>
     <p:spTree>
@@ -5521,7 +5612,215 @@
 </p:sld>
 </file>
 
-<file path=ppt/slides/slide19.xml><?xml version="1.0" encoding="utf-8"?>
+<file path=ppt/slides/slide2.xml><?xml version="1.0" encoding="utf-8"?>
+<p:sld xmlns:a="http://schemas.openxmlformats.org/drawingml/2006/main" xmlns:r="http://schemas.openxmlformats.org/officeDocument/2006/relationships" xmlns:p="http://schemas.openxmlformats.org/presentationml/2006/main">
+  <p:cSld>
+    <p:spTree>
+      <p:nvGrpSpPr>
+        <p:cNvPr id="1" name=""/>
+        <p:cNvGrpSpPr/>
+        <p:nvPr/>
+      </p:nvGrpSpPr>
+      <p:grpSpPr>
+        <a:xfrm>
+          <a:off x="0" y="0"/>
+          <a:ext cx="0" cy="0"/>
+          <a:chOff x="0" y="0"/>
+          <a:chExt cx="0" cy="0"/>
+        </a:xfrm>
+      </p:grpSpPr>
+      <p:sp>
+        <p:nvSpPr>
+          <p:cNvPr id="2" name="标题 1">
+            <a:extLst>
+              <a:ext uri="{FF2B5EF4-FFF2-40B4-BE49-F238E27FC236}">
+                <a16:creationId xmlns:a16="http://schemas.microsoft.com/office/drawing/2014/main" id="{D56A4BAC-42CC-4DFB-AF53-9325AD9A039C}"/>
+              </a:ext>
+            </a:extLst>
+          </p:cNvPr>
+          <p:cNvSpPr>
+            <a:spLocks noGrp="1"/>
+          </p:cNvSpPr>
+          <p:nvPr>
+            <p:ph type="title"/>
+          </p:nvPr>
+        </p:nvSpPr>
+        <p:spPr/>
+        <p:txBody>
+          <a:bodyPr/>
+          <a:lstStyle/>
+          <a:p>
+            <a:r>
+              <a:rPr lang="zh-CN" altLang="en-US" b="1" dirty="0">
+                <a:latin typeface="黑体" panose="02010609060101010101" pitchFamily="49" charset="-122"/>
+                <a:ea typeface="黑体" panose="02010609060101010101" pitchFamily="49" charset="-122"/>
+              </a:rPr>
+              <a:t>目录</a:t>
+            </a:r>
+          </a:p>
+        </p:txBody>
+      </p:sp>
+      <p:sp>
+        <p:nvSpPr>
+          <p:cNvPr id="3" name="内容占位符 2">
+            <a:extLst>
+              <a:ext uri="{FF2B5EF4-FFF2-40B4-BE49-F238E27FC236}">
+                <a16:creationId xmlns:a16="http://schemas.microsoft.com/office/drawing/2014/main" id="{FA8FF326-633C-452F-B2F5-85EFE230753F}"/>
+              </a:ext>
+            </a:extLst>
+          </p:cNvPr>
+          <p:cNvSpPr>
+            <a:spLocks noGrp="1"/>
+          </p:cNvSpPr>
+          <p:nvPr>
+            <p:ph idx="1"/>
+          </p:nvPr>
+        </p:nvSpPr>
+        <p:spPr/>
+        <p:txBody>
+          <a:bodyPr/>
+          <a:lstStyle/>
+          <a:p>
+            <a:r>
+              <a:rPr lang="zh-CN" altLang="en-US" dirty="0"/>
+              <a:t>项目背景</a:t>
+            </a:r>
+            <a:endParaRPr lang="en-US" altLang="zh-CN" dirty="0"/>
+          </a:p>
+          <a:p>
+            <a:r>
+              <a:rPr lang="zh-CN" altLang="en-US" dirty="0"/>
+              <a:t>产品介绍</a:t>
+            </a:r>
+            <a:endParaRPr lang="en-US" altLang="zh-CN" dirty="0"/>
+          </a:p>
+          <a:p>
+            <a:r>
+              <a:rPr lang="zh-CN" altLang="en-US" dirty="0"/>
+              <a:t>成员分工</a:t>
+            </a:r>
+            <a:endParaRPr lang="en-US" altLang="zh-CN" dirty="0"/>
+          </a:p>
+          <a:p>
+            <a:r>
+              <a:rPr lang="zh-CN" altLang="en-US" dirty="0"/>
+              <a:t>系统构架</a:t>
+            </a:r>
+            <a:endParaRPr lang="en-US" altLang="zh-CN" dirty="0"/>
+          </a:p>
+          <a:p>
+            <a:r>
+              <a:rPr lang="zh-CN" altLang="en-US" dirty="0"/>
+              <a:t>思维导图</a:t>
+            </a:r>
+            <a:endParaRPr lang="en-US" altLang="zh-CN" dirty="0"/>
+          </a:p>
+          <a:p>
+            <a:r>
+              <a:rPr lang="zh-CN" altLang="en-US" dirty="0"/>
+              <a:t>功能介绍</a:t>
+            </a:r>
+            <a:endParaRPr lang="en-US" altLang="zh-CN" dirty="0"/>
+          </a:p>
+          <a:p>
+            <a:r>
+              <a:rPr lang="zh-CN" altLang="en-US" dirty="0"/>
+              <a:t>技术实现</a:t>
+            </a:r>
+            <a:endParaRPr lang="en-US" altLang="zh-CN" dirty="0"/>
+          </a:p>
+          <a:p>
+            <a:r>
+              <a:rPr lang="en-US" altLang="zh-CN" dirty="0"/>
+              <a:t>Ui</a:t>
+            </a:r>
+            <a:r>
+              <a:rPr lang="zh-CN" altLang="en-US" dirty="0"/>
+              <a:t>设计</a:t>
+            </a:r>
+            <a:endParaRPr lang="en-US" altLang="zh-CN" dirty="0"/>
+          </a:p>
+          <a:p>
+            <a:endParaRPr lang="en-US" altLang="zh-CN" dirty="0"/>
+          </a:p>
+          <a:p>
+            <a:endParaRPr lang="en-US" altLang="zh-CN" dirty="0"/>
+          </a:p>
+          <a:p>
+            <a:endParaRPr lang="en-US" altLang="zh-CN" dirty="0"/>
+          </a:p>
+          <a:p>
+            <a:endParaRPr lang="en-US" altLang="zh-CN" dirty="0"/>
+          </a:p>
+          <a:p>
+            <a:endParaRPr lang="en-US" altLang="zh-CN" dirty="0"/>
+          </a:p>
+          <a:p>
+            <a:endParaRPr lang="zh-CN" altLang="en-US" dirty="0"/>
+          </a:p>
+        </p:txBody>
+      </p:sp>
+      <p:pic>
+        <p:nvPicPr>
+          <p:cNvPr id="1026" name="Picture 2">
+            <a:extLst>
+              <a:ext uri="{FF2B5EF4-FFF2-40B4-BE49-F238E27FC236}">
+                <a16:creationId xmlns:a16="http://schemas.microsoft.com/office/drawing/2014/main" id="{9BA26E8A-AB6F-4E85-8716-43DEB8B60CE0}"/>
+              </a:ext>
+            </a:extLst>
+          </p:cNvPr>
+          <p:cNvPicPr>
+            <a:picLocks noChangeAspect="1" noChangeArrowheads="1"/>
+          </p:cNvPicPr>
+          <p:nvPr/>
+        </p:nvPicPr>
+        <p:blipFill>
+          <a:blip r:embed="rId2">
+            <a:extLst>
+              <a:ext uri="{28A0092B-C50C-407E-A947-70E740481C1C}">
+                <a14:useLocalDpi xmlns:a14="http://schemas.microsoft.com/office/drawing/2010/main" val="0"/>
+              </a:ext>
+            </a:extLst>
+          </a:blip>
+          <a:srcRect/>
+          <a:stretch>
+            <a:fillRect/>
+          </a:stretch>
+        </p:blipFill>
+        <p:spPr bwMode="auto">
+          <a:xfrm>
+            <a:off x="4524375" y="415925"/>
+            <a:ext cx="5810250" cy="6076950"/>
+          </a:xfrm>
+          <a:prstGeom prst="rect">
+            <a:avLst/>
+          </a:prstGeom>
+          <a:noFill/>
+          <a:extLst>
+            <a:ext uri="{909E8E84-426E-40DD-AFC4-6F175D3DCCD1}">
+              <a14:hiddenFill xmlns:a14="http://schemas.microsoft.com/office/drawing/2010/main">
+                <a:solidFill>
+                  <a:srgbClr val="FFFFFF"/>
+                </a:solidFill>
+              </a14:hiddenFill>
+            </a:ext>
+          </a:extLst>
+        </p:spPr>
+      </p:pic>
+    </p:spTree>
+    <p:extLst>
+      <p:ext uri="{BB962C8B-B14F-4D97-AF65-F5344CB8AC3E}">
+        <p14:creationId xmlns:p14="http://schemas.microsoft.com/office/powerpoint/2010/main" val="354852460"/>
+      </p:ext>
+    </p:extLst>
+  </p:cSld>
+  <p:clrMapOvr>
+    <a:masterClrMapping/>
+  </p:clrMapOvr>
+</p:sld>
+</file>
+
+<file path=ppt/slides/slide20.xml><?xml version="1.0" encoding="utf-8"?>
 <p:sld xmlns:a="http://schemas.openxmlformats.org/drawingml/2006/main" xmlns:r="http://schemas.openxmlformats.org/officeDocument/2006/relationships" xmlns:p="http://schemas.openxmlformats.org/presentationml/2006/main">
   <p:cSld>
     <p:spTree>
@@ -5668,167 +5967,7 @@
 </p:sld>
 </file>
 
-<file path=ppt/slides/slide2.xml><?xml version="1.0" encoding="utf-8"?>
-<p:sld xmlns:a="http://schemas.openxmlformats.org/drawingml/2006/main" xmlns:r="http://schemas.openxmlformats.org/officeDocument/2006/relationships" xmlns:p="http://schemas.openxmlformats.org/presentationml/2006/main">
-  <p:cSld>
-    <p:spTree>
-      <p:nvGrpSpPr>
-        <p:cNvPr id="1" name=""/>
-        <p:cNvGrpSpPr/>
-        <p:nvPr/>
-      </p:nvGrpSpPr>
-      <p:grpSpPr>
-        <a:xfrm>
-          <a:off x="0" y="0"/>
-          <a:ext cx="0" cy="0"/>
-          <a:chOff x="0" y="0"/>
-          <a:chExt cx="0" cy="0"/>
-        </a:xfrm>
-      </p:grpSpPr>
-      <p:sp>
-        <p:nvSpPr>
-          <p:cNvPr id="2" name="标题 1">
-            <a:extLst>
-              <a:ext uri="{FF2B5EF4-FFF2-40B4-BE49-F238E27FC236}">
-                <a16:creationId xmlns:a16="http://schemas.microsoft.com/office/drawing/2014/main" id="{C03563CA-0455-4C9E-A189-8E004D6E74F9}"/>
-              </a:ext>
-            </a:extLst>
-          </p:cNvPr>
-          <p:cNvSpPr>
-            <a:spLocks noGrp="1"/>
-          </p:cNvSpPr>
-          <p:nvPr>
-            <p:ph type="title"/>
-          </p:nvPr>
-        </p:nvSpPr>
-        <p:spPr/>
-        <p:txBody>
-          <a:bodyPr/>
-          <a:lstStyle/>
-          <a:p>
-            <a:r>
-              <a:rPr lang="zh-CN" altLang="en-US" dirty="0">
-                <a:latin typeface="黑体" panose="02010609060101010101" pitchFamily="49" charset="-122"/>
-                <a:ea typeface="黑体" panose="02010609060101010101" pitchFamily="49" charset="-122"/>
-              </a:rPr>
-              <a:t>项目背景</a:t>
-            </a:r>
-          </a:p>
-        </p:txBody>
-      </p:sp>
-      <p:sp>
-        <p:nvSpPr>
-          <p:cNvPr id="3" name="内容占位符 2">
-            <a:extLst>
-              <a:ext uri="{FF2B5EF4-FFF2-40B4-BE49-F238E27FC236}">
-                <a16:creationId xmlns:a16="http://schemas.microsoft.com/office/drawing/2014/main" id="{1DBDAFC2-53F7-412C-813A-4E2FC1AA0DCE}"/>
-              </a:ext>
-            </a:extLst>
-          </p:cNvPr>
-          <p:cNvSpPr>
-            <a:spLocks noGrp="1"/>
-          </p:cNvSpPr>
-          <p:nvPr>
-            <p:ph idx="1"/>
-          </p:nvPr>
-        </p:nvSpPr>
-        <p:spPr/>
-        <p:txBody>
-          <a:bodyPr/>
-          <a:lstStyle/>
-          <a:p>
-            <a:r>
-              <a:rPr lang="zh-CN" altLang="en-US" dirty="0">
-                <a:latin typeface="黑体" panose="02010609060101010101" pitchFamily="49" charset="-122"/>
-                <a:ea typeface="黑体" panose="02010609060101010101" pitchFamily="49" charset="-122"/>
-              </a:rPr>
-              <a:t>随着互联网技术的不断发展，线上支付在我们的日常生活中的普及程度不断提高，网购的便利使得人们的生活渐渐离不开它。</a:t>
-            </a:r>
-            <a:endParaRPr lang="en-US" altLang="zh-CN" dirty="0">
-              <a:latin typeface="黑体" panose="02010609060101010101" pitchFamily="49" charset="-122"/>
-              <a:ea typeface="黑体" panose="02010609060101010101" pitchFamily="49" charset="-122"/>
-            </a:endParaRPr>
-          </a:p>
-          <a:p>
-            <a:r>
-              <a:rPr lang="zh-CN" altLang="en-US" dirty="0">
-                <a:latin typeface="黑体" panose="02010609060101010101" pitchFamily="49" charset="-122"/>
-                <a:ea typeface="黑体" panose="02010609060101010101" pitchFamily="49" charset="-122"/>
-              </a:rPr>
-              <a:t>我们开发这样一个适合学生使用的电商平台的初衷在于丰富大学生对于处于该年龄段时应该拥有的属于该年龄段的生活。因此，我们的商品的主要受众人群是大学生，里面的商品也会以适用于大学生的新潮一点的商品为主。</a:t>
-            </a:r>
-            <a:endParaRPr lang="en-US" altLang="zh-CN" dirty="0">
-              <a:latin typeface="黑体" panose="02010609060101010101" pitchFamily="49" charset="-122"/>
-              <a:ea typeface="黑体" panose="02010609060101010101" pitchFamily="49" charset="-122"/>
-            </a:endParaRPr>
-          </a:p>
-          <a:p>
-            <a:r>
-              <a:rPr lang="zh-CN" altLang="en-US" dirty="0">
-                <a:latin typeface="黑体" panose="02010609060101010101" pitchFamily="49" charset="-122"/>
-                <a:ea typeface="黑体" panose="02010609060101010101" pitchFamily="49" charset="-122"/>
-              </a:rPr>
-              <a:t>我们要制作的电商平台，与其说是线上购物</a:t>
-            </a:r>
-            <a:r>
-              <a:rPr lang="en-US" altLang="zh-CN" dirty="0">
-                <a:latin typeface="黑体" panose="02010609060101010101" pitchFamily="49" charset="-122"/>
-                <a:ea typeface="黑体" panose="02010609060101010101" pitchFamily="49" charset="-122"/>
-              </a:rPr>
-              <a:t>APP</a:t>
-            </a:r>
-            <a:r>
-              <a:rPr lang="zh-CN" altLang="en-US" dirty="0">
-                <a:latin typeface="黑体" panose="02010609060101010101" pitchFamily="49" charset="-122"/>
-                <a:ea typeface="黑体" panose="02010609060101010101" pitchFamily="49" charset="-122"/>
-              </a:rPr>
-              <a:t>，更像是类似于小红书</a:t>
-            </a:r>
-            <a:r>
-              <a:rPr lang="en-US" altLang="zh-CN" dirty="0">
-                <a:latin typeface="黑体" panose="02010609060101010101" pitchFamily="49" charset="-122"/>
-                <a:ea typeface="黑体" panose="02010609060101010101" pitchFamily="49" charset="-122"/>
-              </a:rPr>
-              <a:t>APP</a:t>
-            </a:r>
-            <a:r>
-              <a:rPr lang="zh-CN" altLang="en-US" dirty="0">
-                <a:latin typeface="黑体" panose="02010609060101010101" pitchFamily="49" charset="-122"/>
-                <a:ea typeface="黑体" panose="02010609060101010101" pitchFamily="49" charset="-122"/>
-              </a:rPr>
-              <a:t>内的基于相关人群为生活购物推荐式的</a:t>
-            </a:r>
-            <a:r>
-              <a:rPr lang="en-US" altLang="zh-CN" dirty="0">
-                <a:latin typeface="黑体" panose="02010609060101010101" pitchFamily="49" charset="-122"/>
-                <a:ea typeface="黑体" panose="02010609060101010101" pitchFamily="49" charset="-122"/>
-              </a:rPr>
-              <a:t>APP</a:t>
-            </a:r>
-            <a:r>
-              <a:rPr lang="zh-CN" altLang="en-US" dirty="0">
-                <a:latin typeface="黑体" panose="02010609060101010101" pitchFamily="49" charset="-122"/>
-                <a:ea typeface="黑体" panose="02010609060101010101" pitchFamily="49" charset="-122"/>
-              </a:rPr>
-              <a:t>。</a:t>
-            </a:r>
-          </a:p>
-        </p:txBody>
-      </p:sp>
-    </p:spTree>
-    <p:extLst>
-      <p:ext uri="{BB962C8B-B14F-4D97-AF65-F5344CB8AC3E}">
-        <p14:creationId xmlns:p14="http://schemas.microsoft.com/office/powerpoint/2010/main" val="1367719616"/>
-      </p:ext>
-    </p:extLst>
-  </p:cSld>
-  <p:clrMapOvr>
-    <a:masterClrMapping/>
-  </p:clrMapOvr>
-</p:sld>
-</file>
-
-<file path=ppt/slides/slide20.xml><?xml version="1.0" encoding="utf-8"?>
+<file path=ppt/slides/slide21.xml><?xml version="1.0" encoding="utf-8"?>
 <p:sld xmlns:a="http://schemas.openxmlformats.org/drawingml/2006/main" xmlns:r="http://schemas.openxmlformats.org/officeDocument/2006/relationships" xmlns:p="http://schemas.openxmlformats.org/presentationml/2006/main">
   <p:cSld>
     <p:spTree>
@@ -5963,6 +6102,166 @@
           <p:cNvPr id="2" name="标题 1">
             <a:extLst>
               <a:ext uri="{FF2B5EF4-FFF2-40B4-BE49-F238E27FC236}">
+                <a16:creationId xmlns:a16="http://schemas.microsoft.com/office/drawing/2014/main" id="{C03563CA-0455-4C9E-A189-8E004D6E74F9}"/>
+              </a:ext>
+            </a:extLst>
+          </p:cNvPr>
+          <p:cNvSpPr>
+            <a:spLocks noGrp="1"/>
+          </p:cNvSpPr>
+          <p:nvPr>
+            <p:ph type="title"/>
+          </p:nvPr>
+        </p:nvSpPr>
+        <p:spPr/>
+        <p:txBody>
+          <a:bodyPr/>
+          <a:lstStyle/>
+          <a:p>
+            <a:r>
+              <a:rPr lang="zh-CN" altLang="en-US" dirty="0">
+                <a:latin typeface="黑体" panose="02010609060101010101" pitchFamily="49" charset="-122"/>
+                <a:ea typeface="黑体" panose="02010609060101010101" pitchFamily="49" charset="-122"/>
+              </a:rPr>
+              <a:t>项目背景</a:t>
+            </a:r>
+          </a:p>
+        </p:txBody>
+      </p:sp>
+      <p:sp>
+        <p:nvSpPr>
+          <p:cNvPr id="3" name="内容占位符 2">
+            <a:extLst>
+              <a:ext uri="{FF2B5EF4-FFF2-40B4-BE49-F238E27FC236}">
+                <a16:creationId xmlns:a16="http://schemas.microsoft.com/office/drawing/2014/main" id="{1DBDAFC2-53F7-412C-813A-4E2FC1AA0DCE}"/>
+              </a:ext>
+            </a:extLst>
+          </p:cNvPr>
+          <p:cNvSpPr>
+            <a:spLocks noGrp="1"/>
+          </p:cNvSpPr>
+          <p:nvPr>
+            <p:ph idx="1"/>
+          </p:nvPr>
+        </p:nvSpPr>
+        <p:spPr/>
+        <p:txBody>
+          <a:bodyPr/>
+          <a:lstStyle/>
+          <a:p>
+            <a:r>
+              <a:rPr lang="zh-CN" altLang="en-US" dirty="0">
+                <a:latin typeface="黑体" panose="02010609060101010101" pitchFamily="49" charset="-122"/>
+                <a:ea typeface="黑体" panose="02010609060101010101" pitchFamily="49" charset="-122"/>
+              </a:rPr>
+              <a:t>随着互联网技术的不断发展，线上支付在我们的日常生活中的普及程度不断提高，网购的便利使得人们的生活渐渐离不开它。</a:t>
+            </a:r>
+            <a:endParaRPr lang="en-US" altLang="zh-CN" dirty="0">
+              <a:latin typeface="黑体" panose="02010609060101010101" pitchFamily="49" charset="-122"/>
+              <a:ea typeface="黑体" panose="02010609060101010101" pitchFamily="49" charset="-122"/>
+            </a:endParaRPr>
+          </a:p>
+          <a:p>
+            <a:r>
+              <a:rPr lang="zh-CN" altLang="en-US" dirty="0">
+                <a:latin typeface="黑体" panose="02010609060101010101" pitchFamily="49" charset="-122"/>
+                <a:ea typeface="黑体" panose="02010609060101010101" pitchFamily="49" charset="-122"/>
+              </a:rPr>
+              <a:t>我们开发这样一个适合学生使用的电商平台的初衷在于丰富大学生对于处于该年龄段时应该拥有的属于该年龄段的生活。因此，我们的商品的主要受众人群是大学生，里面的商品也会以适用于大学生的新潮一点的商品为主。</a:t>
+            </a:r>
+            <a:endParaRPr lang="en-US" altLang="zh-CN" dirty="0">
+              <a:latin typeface="黑体" panose="02010609060101010101" pitchFamily="49" charset="-122"/>
+              <a:ea typeface="黑体" panose="02010609060101010101" pitchFamily="49" charset="-122"/>
+            </a:endParaRPr>
+          </a:p>
+          <a:p>
+            <a:r>
+              <a:rPr lang="zh-CN" altLang="en-US" dirty="0">
+                <a:latin typeface="黑体" panose="02010609060101010101" pitchFamily="49" charset="-122"/>
+                <a:ea typeface="黑体" panose="02010609060101010101" pitchFamily="49" charset="-122"/>
+              </a:rPr>
+              <a:t>我们要制作的电商平台，与其说是线上购物</a:t>
+            </a:r>
+            <a:r>
+              <a:rPr lang="en-US" altLang="zh-CN" dirty="0">
+                <a:latin typeface="黑体" panose="02010609060101010101" pitchFamily="49" charset="-122"/>
+                <a:ea typeface="黑体" panose="02010609060101010101" pitchFamily="49" charset="-122"/>
+              </a:rPr>
+              <a:t>APP</a:t>
+            </a:r>
+            <a:r>
+              <a:rPr lang="zh-CN" altLang="en-US" dirty="0">
+                <a:latin typeface="黑体" panose="02010609060101010101" pitchFamily="49" charset="-122"/>
+                <a:ea typeface="黑体" panose="02010609060101010101" pitchFamily="49" charset="-122"/>
+              </a:rPr>
+              <a:t>，更像是类似于小红书</a:t>
+            </a:r>
+            <a:r>
+              <a:rPr lang="en-US" altLang="zh-CN" dirty="0">
+                <a:latin typeface="黑体" panose="02010609060101010101" pitchFamily="49" charset="-122"/>
+                <a:ea typeface="黑体" panose="02010609060101010101" pitchFamily="49" charset="-122"/>
+              </a:rPr>
+              <a:t>APP</a:t>
+            </a:r>
+            <a:r>
+              <a:rPr lang="zh-CN" altLang="en-US" dirty="0">
+                <a:latin typeface="黑体" panose="02010609060101010101" pitchFamily="49" charset="-122"/>
+                <a:ea typeface="黑体" panose="02010609060101010101" pitchFamily="49" charset="-122"/>
+              </a:rPr>
+              <a:t>内的基于相关人群为生活购物推荐式的</a:t>
+            </a:r>
+            <a:r>
+              <a:rPr lang="en-US" altLang="zh-CN" dirty="0">
+                <a:latin typeface="黑体" panose="02010609060101010101" pitchFamily="49" charset="-122"/>
+                <a:ea typeface="黑体" panose="02010609060101010101" pitchFamily="49" charset="-122"/>
+              </a:rPr>
+              <a:t>APP</a:t>
+            </a:r>
+            <a:r>
+              <a:rPr lang="zh-CN" altLang="en-US" dirty="0">
+                <a:latin typeface="黑体" panose="02010609060101010101" pitchFamily="49" charset="-122"/>
+                <a:ea typeface="黑体" panose="02010609060101010101" pitchFamily="49" charset="-122"/>
+              </a:rPr>
+              <a:t>。</a:t>
+            </a:r>
+          </a:p>
+        </p:txBody>
+      </p:sp>
+    </p:spTree>
+    <p:extLst>
+      <p:ext uri="{BB962C8B-B14F-4D97-AF65-F5344CB8AC3E}">
+        <p14:creationId xmlns:p14="http://schemas.microsoft.com/office/powerpoint/2010/main" val="1367719616"/>
+      </p:ext>
+    </p:extLst>
+  </p:cSld>
+  <p:clrMapOvr>
+    <a:masterClrMapping/>
+  </p:clrMapOvr>
+</p:sld>
+</file>
+
+<file path=ppt/slides/slide4.xml><?xml version="1.0" encoding="utf-8"?>
+<p:sld xmlns:a="http://schemas.openxmlformats.org/drawingml/2006/main" xmlns:r="http://schemas.openxmlformats.org/officeDocument/2006/relationships" xmlns:p="http://schemas.openxmlformats.org/presentationml/2006/main">
+  <p:cSld>
+    <p:spTree>
+      <p:nvGrpSpPr>
+        <p:cNvPr id="1" name=""/>
+        <p:cNvGrpSpPr/>
+        <p:nvPr/>
+      </p:nvGrpSpPr>
+      <p:grpSpPr>
+        <a:xfrm>
+          <a:off x="0" y="0"/>
+          <a:ext cx="0" cy="0"/>
+          <a:chOff x="0" y="0"/>
+          <a:chExt cx="0" cy="0"/>
+        </a:xfrm>
+      </p:grpSpPr>
+      <p:sp>
+        <p:nvSpPr>
+          <p:cNvPr id="2" name="标题 1">
+            <a:extLst>
+              <a:ext uri="{FF2B5EF4-FFF2-40B4-BE49-F238E27FC236}">
                 <a16:creationId xmlns:a16="http://schemas.microsoft.com/office/drawing/2014/main" id="{F1C7B870-A388-4C0D-861C-8A4742A9F46D}"/>
               </a:ext>
             </a:extLst>
@@ -6194,7 +6493,7 @@
 </p:sld>
 </file>
 
-<file path=ppt/slides/slide4.xml><?xml version="1.0" encoding="utf-8"?>
+<file path=ppt/slides/slide5.xml><?xml version="1.0" encoding="utf-8"?>
 <p:sld xmlns:a="http://schemas.openxmlformats.org/drawingml/2006/main" xmlns:r="http://schemas.openxmlformats.org/officeDocument/2006/relationships" xmlns:p="http://schemas.openxmlformats.org/presentationml/2006/main">
   <p:cSld>
     <p:spTree>
@@ -6378,7 +6677,7 @@
 </p:sld>
 </file>
 
-<file path=ppt/slides/slide5.xml><?xml version="1.0" encoding="utf-8"?>
+<file path=ppt/slides/slide6.xml><?xml version="1.0" encoding="utf-8"?>
 <p:sld xmlns:a="http://schemas.openxmlformats.org/drawingml/2006/main" xmlns:r="http://schemas.openxmlformats.org/officeDocument/2006/relationships" xmlns:p="http://schemas.openxmlformats.org/presentationml/2006/main">
   <p:cSld>
     <p:spTree>
@@ -6475,7 +6774,7 @@
 </p:sld>
 </file>
 
-<file path=ppt/slides/slide6.xml><?xml version="1.0" encoding="utf-8"?>
+<file path=ppt/slides/slide7.xml><?xml version="1.0" encoding="utf-8"?>
 <p:sld xmlns:a="http://schemas.openxmlformats.org/drawingml/2006/main" xmlns:r="http://schemas.openxmlformats.org/officeDocument/2006/relationships" xmlns:p="http://schemas.openxmlformats.org/presentationml/2006/main">
   <p:cSld>
     <p:spTree>
@@ -6571,7 +6870,7 @@
 </p:sld>
 </file>
 
-<file path=ppt/slides/slide7.xml><?xml version="1.0" encoding="utf-8"?>
+<file path=ppt/slides/slide8.xml><?xml version="1.0" encoding="utf-8"?>
 <p:sld xmlns:a="http://schemas.openxmlformats.org/drawingml/2006/main" xmlns:r="http://schemas.openxmlformats.org/officeDocument/2006/relationships" xmlns:p="http://schemas.openxmlformats.org/presentationml/2006/main">
   <p:cSld>
     <p:spTree>
@@ -6706,7 +7005,7 @@
 </p:sld>
 </file>
 
-<file path=ppt/slides/slide8.xml><?xml version="1.0" encoding="utf-8"?>
+<file path=ppt/slides/slide9.xml><?xml version="1.0" encoding="utf-8"?>
 <p:sld xmlns:a="http://schemas.openxmlformats.org/drawingml/2006/main" xmlns:r="http://schemas.openxmlformats.org/officeDocument/2006/relationships" xmlns:p="http://schemas.openxmlformats.org/presentationml/2006/main">
   <p:cSld>
     <p:spTree>
@@ -6846,96 +7145,6 @@
     <p:extLst>
       <p:ext uri="{BB962C8B-B14F-4D97-AF65-F5344CB8AC3E}">
         <p14:creationId xmlns:p14="http://schemas.microsoft.com/office/powerpoint/2010/main" val="2600731496"/>
-      </p:ext>
-    </p:extLst>
-  </p:cSld>
-  <p:clrMapOvr>
-    <a:masterClrMapping/>
-  </p:clrMapOvr>
-</p:sld>
-</file>
-
-<file path=ppt/slides/slide9.xml><?xml version="1.0" encoding="utf-8"?>
-<p:sld xmlns:a="http://schemas.openxmlformats.org/drawingml/2006/main" xmlns:r="http://schemas.openxmlformats.org/officeDocument/2006/relationships" xmlns:p="http://schemas.openxmlformats.org/presentationml/2006/main">
-  <p:cSld>
-    <p:spTree>
-      <p:nvGrpSpPr>
-        <p:cNvPr id="1" name=""/>
-        <p:cNvGrpSpPr/>
-        <p:nvPr/>
-      </p:nvGrpSpPr>
-      <p:grpSpPr>
-        <a:xfrm>
-          <a:off x="0" y="0"/>
-          <a:ext cx="0" cy="0"/>
-          <a:chOff x="0" y="0"/>
-          <a:chExt cx="0" cy="0"/>
-        </a:xfrm>
-      </p:grpSpPr>
-      <p:sp>
-        <p:nvSpPr>
-          <p:cNvPr id="2" name="标题 1">
-            <a:extLst>
-              <a:ext uri="{FF2B5EF4-FFF2-40B4-BE49-F238E27FC236}">
-                <a16:creationId xmlns:a16="http://schemas.microsoft.com/office/drawing/2014/main" id="{3976519F-F37E-47EF-AF40-3D1B37B424F3}"/>
-              </a:ext>
-            </a:extLst>
-          </p:cNvPr>
-          <p:cNvSpPr>
-            <a:spLocks noGrp="1"/>
-          </p:cNvSpPr>
-          <p:nvPr>
-            <p:ph type="title"/>
-          </p:nvPr>
-        </p:nvSpPr>
-        <p:spPr/>
-        <p:txBody>
-          <a:bodyPr/>
-          <a:lstStyle/>
-          <a:p>
-            <a:r>
-              <a:rPr lang="zh-CN" altLang="en-US" b="1" dirty="0">
-                <a:latin typeface="黑体" panose="02010609060101010101" pitchFamily="49" charset="-122"/>
-                <a:ea typeface="黑体" panose="02010609060101010101" pitchFamily="49" charset="-122"/>
-              </a:rPr>
-              <a:t>功能介绍（用户）</a:t>
-            </a:r>
-          </a:p>
-        </p:txBody>
-      </p:sp>
-      <p:pic>
-        <p:nvPicPr>
-          <p:cNvPr id="5" name="内容占位符 4">
-            <a:extLst>
-              <a:ext uri="{FF2B5EF4-FFF2-40B4-BE49-F238E27FC236}">
-                <a16:creationId xmlns:a16="http://schemas.microsoft.com/office/drawing/2014/main" id="{31B8D6BA-BD8D-45F2-A88F-2F87D35DD94E}"/>
-              </a:ext>
-            </a:extLst>
-          </p:cNvPr>
-          <p:cNvPicPr>
-            <a:picLocks noGrp="1" noChangeAspect="1"/>
-          </p:cNvPicPr>
-          <p:nvPr>
-            <p:ph idx="1"/>
-          </p:nvPr>
-        </p:nvPicPr>
-        <p:blipFill>
-          <a:blip r:embed="rId2"/>
-          <a:stretch>
-            <a:fillRect/>
-          </a:stretch>
-        </p:blipFill>
-        <p:spPr>
-          <a:xfrm>
-            <a:off x="3117893" y="1690688"/>
-            <a:ext cx="5295814" cy="4351338"/>
-          </a:xfrm>
-        </p:spPr>
-      </p:pic>
-    </p:spTree>
-    <p:extLst>
-      <p:ext uri="{BB962C8B-B14F-4D97-AF65-F5344CB8AC3E}">
-        <p14:creationId xmlns:p14="http://schemas.microsoft.com/office/powerpoint/2010/main" val="3856812031"/>
       </p:ext>
     </p:extLst>
   </p:cSld>
